--- a/doc/Metodologias de Desenvolvimento de Software.pptx
+++ b/doc/Metodologias de Desenvolvimento de Software.pptx
@@ -124,16 +124,47 @@
 </p:presentation>
 </file>
 
-<file path=ppt/revisionInfo.xml><?xml version="1.0" encoding="utf-8"?>
-<p1510:revInfo xmlns:a="http://schemas.openxmlformats.org/drawingml/2006/main" xmlns:r="http://schemas.openxmlformats.org/officeDocument/2006/relationships" xmlns:p1510="http://schemas.microsoft.com/office/powerpoint/2015/10/main">
-  <p1510:revLst>
-    <p1510:client id="{2B8B0255-B0D7-4CA7-8CAC-A9D7D3C0ADDD}" v="7" dt="2023-05-23T20:29:16.148"/>
-  </p1510:revLst>
-</p1510:revInfo>
-</file>
-
 <file path=ppt/changesInfos/changesInfo1.xml><?xml version="1.0" encoding="utf-8"?>
 <pc:chgInfo xmlns:a="http://schemas.openxmlformats.org/drawingml/2006/main" xmlns:r="http://schemas.openxmlformats.org/officeDocument/2006/relationships" xmlns:ac="http://schemas.microsoft.com/office/drawing/2013/main/command" xmlns:pc="http://schemas.microsoft.com/office/powerpoint/2013/main/command">
+  <pc:docChgLst>
+    <pc:chgData name="David Domingues" userId="a54dc4084bcdf8b4" providerId="LiveId" clId="{E9FD9D25-AF06-4830-B2B2-6F3871255D5A}"/>
+    <pc:docChg chg="custSel modSld">
+      <pc:chgData name="David Domingues" userId="a54dc4084bcdf8b4" providerId="LiveId" clId="{E9FD9D25-AF06-4830-B2B2-6F3871255D5A}" dt="2023-05-24T23:37:16.094" v="357" actId="20577"/>
+      <pc:docMkLst>
+        <pc:docMk/>
+      </pc:docMkLst>
+      <pc:sldChg chg="modSp mod">
+        <pc:chgData name="David Domingues" userId="a54dc4084bcdf8b4" providerId="LiveId" clId="{E9FD9D25-AF06-4830-B2B2-6F3871255D5A}" dt="2023-05-24T23:36:29.048" v="356" actId="20577"/>
+        <pc:sldMkLst>
+          <pc:docMk/>
+          <pc:sldMk cId="841685169" sldId="257"/>
+        </pc:sldMkLst>
+        <pc:spChg chg="mod">
+          <ac:chgData name="David Domingues" userId="a54dc4084bcdf8b4" providerId="LiveId" clId="{E9FD9D25-AF06-4830-B2B2-6F3871255D5A}" dt="2023-05-24T23:36:29.048" v="356" actId="20577"/>
+          <ac:spMkLst>
+            <pc:docMk/>
+            <pc:sldMk cId="841685169" sldId="257"/>
+            <ac:spMk id="3" creationId="{ED897CA6-F69C-9979-8297-BAE5E1C8ABC7}"/>
+          </ac:spMkLst>
+        </pc:spChg>
+      </pc:sldChg>
+      <pc:sldChg chg="modSp mod">
+        <pc:chgData name="David Domingues" userId="a54dc4084bcdf8b4" providerId="LiveId" clId="{E9FD9D25-AF06-4830-B2B2-6F3871255D5A}" dt="2023-05-24T23:37:16.094" v="357" actId="20577"/>
+        <pc:sldMkLst>
+          <pc:docMk/>
+          <pc:sldMk cId="667560872" sldId="259"/>
+        </pc:sldMkLst>
+        <pc:spChg chg="mod">
+          <ac:chgData name="David Domingues" userId="a54dc4084bcdf8b4" providerId="LiveId" clId="{E9FD9D25-AF06-4830-B2B2-6F3871255D5A}" dt="2023-05-24T23:37:16.094" v="357" actId="20577"/>
+          <ac:spMkLst>
+            <pc:docMk/>
+            <pc:sldMk cId="667560872" sldId="259"/>
+            <ac:spMk id="8" creationId="{C2DAC2E3-FC3F-E243-0E5A-86E3085435A0}"/>
+          </ac:spMkLst>
+        </pc:spChg>
+      </pc:sldChg>
+    </pc:docChg>
+  </pc:docChgLst>
   <pc:docChgLst>
     <pc:chgData name="David Domingues" userId="a54dc4084bcdf8b4" providerId="LiveId" clId="{2B8B0255-B0D7-4CA7-8CAC-A9D7D3C0ADDD}"/>
     <pc:docChg chg="undo custSel addSld modSld">
@@ -599,7 +630,7 @@
           <a:p>
             <a:fld id="{F53EB8C1-758A-422C-8847-F56C6597B443}" type="datetimeFigureOut">
               <a:rPr lang="pt-PT" smtClean="0"/>
-              <a:t>23/05/2023</a:t>
+              <a:t>25/05/2023</a:t>
             </a:fld>
             <a:endParaRPr lang="pt-PT"/>
           </a:p>
@@ -929,7 +960,7 @@
           <a:p>
             <a:fld id="{F53EB8C1-758A-422C-8847-F56C6597B443}" type="datetimeFigureOut">
               <a:rPr lang="pt-PT" smtClean="0"/>
-              <a:t>23/05/2023</a:t>
+              <a:t>25/05/2023</a:t>
             </a:fld>
             <a:endParaRPr lang="pt-PT"/>
           </a:p>
@@ -1109,7 +1140,7 @@
           <a:p>
             <a:fld id="{F53EB8C1-758A-422C-8847-F56C6597B443}" type="datetimeFigureOut">
               <a:rPr lang="pt-PT" smtClean="0"/>
-              <a:t>23/05/2023</a:t>
+              <a:t>25/05/2023</a:t>
             </a:fld>
             <a:endParaRPr lang="pt-PT"/>
           </a:p>
@@ -1279,7 +1310,7 @@
           <a:p>
             <a:fld id="{F53EB8C1-758A-422C-8847-F56C6597B443}" type="datetimeFigureOut">
               <a:rPr lang="pt-PT" smtClean="0"/>
-              <a:t>23/05/2023</a:t>
+              <a:t>25/05/2023</a:t>
             </a:fld>
             <a:endParaRPr lang="pt-PT"/>
           </a:p>
@@ -1556,7 +1587,7 @@
           <a:p>
             <a:fld id="{F53EB8C1-758A-422C-8847-F56C6597B443}" type="datetimeFigureOut">
               <a:rPr lang="pt-PT" smtClean="0"/>
-              <a:t>23/05/2023</a:t>
+              <a:t>25/05/2023</a:t>
             </a:fld>
             <a:endParaRPr lang="pt-PT"/>
           </a:p>
@@ -1950,7 +1981,7 @@
           <a:p>
             <a:fld id="{F53EB8C1-758A-422C-8847-F56C6597B443}" type="datetimeFigureOut">
               <a:rPr lang="pt-PT" smtClean="0"/>
-              <a:t>23/05/2023</a:t>
+              <a:t>25/05/2023</a:t>
             </a:fld>
             <a:endParaRPr lang="pt-PT"/>
           </a:p>
@@ -2427,7 +2458,7 @@
           <a:p>
             <a:fld id="{F53EB8C1-758A-422C-8847-F56C6597B443}" type="datetimeFigureOut">
               <a:rPr lang="pt-PT" smtClean="0"/>
-              <a:t>23/05/2023</a:t>
+              <a:t>25/05/2023</a:t>
             </a:fld>
             <a:endParaRPr lang="pt-PT"/>
           </a:p>
@@ -2545,7 +2576,7 @@
           <a:p>
             <a:fld id="{F53EB8C1-758A-422C-8847-F56C6597B443}" type="datetimeFigureOut">
               <a:rPr lang="pt-PT" smtClean="0"/>
-              <a:t>23/05/2023</a:t>
+              <a:t>25/05/2023</a:t>
             </a:fld>
             <a:endParaRPr lang="pt-PT"/>
           </a:p>
@@ -2640,7 +2671,7 @@
           <a:p>
             <a:fld id="{F53EB8C1-758A-422C-8847-F56C6597B443}" type="datetimeFigureOut">
               <a:rPr lang="pt-PT" smtClean="0"/>
-              <a:t>23/05/2023</a:t>
+              <a:t>25/05/2023</a:t>
             </a:fld>
             <a:endParaRPr lang="pt-PT"/>
           </a:p>
@@ -2986,7 +3017,7 @@
           <a:p>
             <a:fld id="{F53EB8C1-758A-422C-8847-F56C6597B443}" type="datetimeFigureOut">
               <a:rPr lang="pt-PT" smtClean="0"/>
-              <a:t>23/05/2023</a:t>
+              <a:t>25/05/2023</a:t>
             </a:fld>
             <a:endParaRPr lang="pt-PT"/>
           </a:p>
@@ -3374,7 +3405,7 @@
           <a:p>
             <a:fld id="{F53EB8C1-758A-422C-8847-F56C6597B443}" type="datetimeFigureOut">
               <a:rPr lang="pt-PT" smtClean="0"/>
-              <a:t>23/05/2023</a:t>
+              <a:t>25/05/2023</a:t>
             </a:fld>
             <a:endParaRPr lang="pt-PT"/>
           </a:p>
@@ -3652,7 +3683,7 @@
           <a:p>
             <a:fld id="{F53EB8C1-758A-422C-8847-F56C6597B443}" type="datetimeFigureOut">
               <a:rPr lang="pt-PT" smtClean="0"/>
-              <a:t>23/05/2023</a:t>
+              <a:t>25/05/2023</a:t>
             </a:fld>
             <a:endParaRPr lang="pt-PT"/>
           </a:p>
@@ -4610,13 +4641,13 @@
   <p:clrMapOvr>
     <a:masterClrMapping/>
   </p:clrMapOvr>
-  <mc:AlternateContent xmlns:mc="http://schemas.openxmlformats.org/markup-compatibility/2006">
-    <mc:Choice xmlns:p14="http://schemas.microsoft.com/office/powerpoint/2010/main" Requires="p14">
+  <mc:AlternateContent xmlns:mc="http://schemas.openxmlformats.org/markup-compatibility/2006" xmlns:p14="http://schemas.microsoft.com/office/powerpoint/2010/main">
+    <mc:Choice Requires="p14">
       <p:transition spd="slow" p14:dur="3400">
         <p14:reveal/>
       </p:transition>
     </mc:Choice>
-    <mc:Fallback>
+    <mc:Fallback xmlns="">
       <p:transition spd="slow">
         <p:fade/>
       </p:transition>
@@ -5072,14 +5103,148 @@
           <a:lstStyle/>
           <a:p>
             <a:r>
+              <a:rPr lang="en-GB" dirty="0"/>
+              <a:t>O </a:t>
+            </a:r>
+            <a:r>
               <a:rPr lang="en-GB" dirty="0" err="1"/>
-              <a:t>Objetivos</a:t>
+              <a:t>projeto</a:t>
             </a:r>
             <a:r>
               <a:rPr lang="en-GB" dirty="0"/>
-              <a:t>				 </a:t>
-            </a:r>
-            <a:endParaRPr lang="pt-PT" dirty="0"/>
+              <a:t> da </a:t>
+            </a:r>
+            <a:r>
+              <a:rPr lang="en-GB" dirty="0" err="1"/>
+              <a:t>Unidade</a:t>
+            </a:r>
+            <a:r>
+              <a:rPr lang="en-GB" dirty="0"/>
+              <a:t> Curricular </a:t>
+            </a:r>
+            <a:r>
+              <a:rPr lang="en-GB" dirty="0" err="1"/>
+              <a:t>Metodologias</a:t>
+            </a:r>
+            <a:r>
+              <a:rPr lang="en-GB" dirty="0"/>
+              <a:t> de </a:t>
+            </a:r>
+            <a:r>
+              <a:rPr lang="en-GB" dirty="0" err="1"/>
+              <a:t>Desenvilvimento</a:t>
+            </a:r>
+            <a:r>
+              <a:rPr lang="en-GB" dirty="0"/>
+              <a:t> de Software </a:t>
+            </a:r>
+            <a:r>
+              <a:rPr lang="en-GB" dirty="0" err="1"/>
+              <a:t>consiste</a:t>
+            </a:r>
+            <a:r>
+              <a:rPr lang="en-GB" dirty="0"/>
+              <a:t> </a:t>
+            </a:r>
+            <a:r>
+              <a:rPr lang="en-GB" dirty="0" err="1"/>
+              <a:t>na</a:t>
+            </a:r>
+            <a:r>
+              <a:rPr lang="en-GB" dirty="0"/>
+              <a:t> </a:t>
+            </a:r>
+            <a:r>
+              <a:rPr lang="en-GB" dirty="0" err="1"/>
+              <a:t>gestão</a:t>
+            </a:r>
+            <a:r>
+              <a:rPr lang="en-GB" dirty="0"/>
+              <a:t> dos </a:t>
+            </a:r>
+            <a:r>
+              <a:rPr lang="en-GB" dirty="0" err="1"/>
+              <a:t>projetos</a:t>
+            </a:r>
+            <a:r>
+              <a:rPr lang="en-GB" dirty="0"/>
+              <a:t> das UC’s de </a:t>
+            </a:r>
+            <a:r>
+              <a:rPr lang="en-GB" dirty="0" err="1"/>
+              <a:t>Desenvolvimento</a:t>
+            </a:r>
+            <a:r>
+              <a:rPr lang="en-GB" dirty="0"/>
+              <a:t> de </a:t>
+            </a:r>
+            <a:r>
+              <a:rPr lang="en-GB" dirty="0" err="1"/>
+              <a:t>Aplicações</a:t>
+            </a:r>
+            <a:r>
+              <a:rPr lang="en-GB" dirty="0"/>
+              <a:t> e de </a:t>
+            </a:r>
+            <a:r>
+              <a:rPr lang="en-GB" dirty="0" err="1"/>
+              <a:t>Programação</a:t>
+            </a:r>
+            <a:r>
+              <a:rPr lang="en-GB" dirty="0"/>
+              <a:t> para a WEB – </a:t>
+            </a:r>
+            <a:r>
+              <a:rPr lang="en-GB" dirty="0" err="1"/>
+              <a:t>Servidor</a:t>
+            </a:r>
+            <a:r>
+              <a:rPr lang="en-GB" dirty="0"/>
+              <a:t> </a:t>
+            </a:r>
+            <a:r>
+              <a:rPr lang="en-GB" dirty="0" err="1"/>
+              <a:t>através</a:t>
+            </a:r>
+            <a:r>
+              <a:rPr lang="en-GB" dirty="0"/>
+              <a:t> de </a:t>
+            </a:r>
+            <a:r>
+              <a:rPr lang="en-GB" dirty="0" err="1"/>
+              <a:t>Metodologias</a:t>
+            </a:r>
+            <a:r>
+              <a:rPr lang="en-GB" dirty="0"/>
+              <a:t> de </a:t>
+            </a:r>
+            <a:r>
+              <a:rPr lang="en-GB" dirty="0" err="1"/>
+              <a:t>Desenvolvimento</a:t>
+            </a:r>
+            <a:r>
+              <a:rPr lang="en-GB" dirty="0"/>
+              <a:t> </a:t>
+            </a:r>
+            <a:r>
+              <a:rPr lang="en-GB" dirty="0" err="1"/>
+              <a:t>Ágies</a:t>
+            </a:r>
+            <a:r>
+              <a:rPr lang="en-GB" dirty="0"/>
+              <a:t> e a </a:t>
+            </a:r>
+            <a:r>
+              <a:rPr lang="en-GB" dirty="0" err="1"/>
+              <a:t>Metodologia</a:t>
+            </a:r>
+            <a:r>
+              <a:rPr lang="en-GB" dirty="0"/>
+              <a:t> de SCRUM.</a:t>
+            </a:r>
+          </a:p>
+          <a:p>
+            <a:endParaRPr lang="en-GB" dirty="0"/>
           </a:p>
         </p:txBody>
       </p:sp>
@@ -5719,7 +5884,7 @@
             </a:r>
             <a:r>
               <a:rPr lang="en-GB" dirty="0"/>
-              <a:t>  de PWCS </a:t>
+              <a:t>  de PWS </a:t>
             </a:r>
           </a:p>
           <a:p>
@@ -5995,13 +6160,13 @@
   <p:clrMapOvr>
     <a:masterClrMapping/>
   </p:clrMapOvr>
-  <mc:AlternateContent xmlns:mc="http://schemas.openxmlformats.org/markup-compatibility/2006">
-    <mc:Choice xmlns:p14="http://schemas.microsoft.com/office/powerpoint/2010/main" Requires="p14">
+  <mc:AlternateContent xmlns:mc="http://schemas.openxmlformats.org/markup-compatibility/2006" xmlns:p14="http://schemas.microsoft.com/office/powerpoint/2010/main">
+    <mc:Choice Requires="p14">
       <p:transition spd="slow" p14:dur="3400">
         <p14:reveal/>
       </p:transition>
     </mc:Choice>
-    <mc:Fallback>
+    <mc:Fallback xmlns="">
       <p:transition spd="slow">
         <p:fade/>
       </p:transition>

--- a/doc/Metodologias de Desenvolvimento de Software.pptx
+++ b/doc/Metodologias de Desenvolvimento de Software.pptx
@@ -630,7 +630,7 @@
           <a:p>
             <a:fld id="{F53EB8C1-758A-422C-8847-F56C6597B443}" type="datetimeFigureOut">
               <a:rPr lang="pt-PT" smtClean="0"/>
-              <a:t>25/05/2023</a:t>
+              <a:t>2023-05-25</a:t>
             </a:fld>
             <a:endParaRPr lang="pt-PT"/>
           </a:p>
@@ -698,7 +698,7 @@
           <a:p>
             <a:fld id="{7FF8CE1B-BD98-4148-BC39-184D61A09922}" type="slidenum">
               <a:rPr lang="pt-PT" smtClean="0"/>
-              <a:t>‹nº›</a:t>
+              <a:t>‹#›</a:t>
             </a:fld>
             <a:endParaRPr lang="pt-PT"/>
           </a:p>
@@ -960,7 +960,7 @@
           <a:p>
             <a:fld id="{F53EB8C1-758A-422C-8847-F56C6597B443}" type="datetimeFigureOut">
               <a:rPr lang="pt-PT" smtClean="0"/>
-              <a:t>25/05/2023</a:t>
+              <a:t>2023-05-25</a:t>
             </a:fld>
             <a:endParaRPr lang="pt-PT"/>
           </a:p>
@@ -1002,7 +1002,7 @@
           <a:p>
             <a:fld id="{7FF8CE1B-BD98-4148-BC39-184D61A09922}" type="slidenum">
               <a:rPr lang="pt-PT" smtClean="0"/>
-              <a:t>‹nº›</a:t>
+              <a:t>‹#›</a:t>
             </a:fld>
             <a:endParaRPr lang="pt-PT"/>
           </a:p>
@@ -1140,7 +1140,7 @@
           <a:p>
             <a:fld id="{F53EB8C1-758A-422C-8847-F56C6597B443}" type="datetimeFigureOut">
               <a:rPr lang="pt-PT" smtClean="0"/>
-              <a:t>25/05/2023</a:t>
+              <a:t>2023-05-25</a:t>
             </a:fld>
             <a:endParaRPr lang="pt-PT"/>
           </a:p>
@@ -1182,7 +1182,7 @@
           <a:p>
             <a:fld id="{7FF8CE1B-BD98-4148-BC39-184D61A09922}" type="slidenum">
               <a:rPr lang="pt-PT" smtClean="0"/>
-              <a:t>‹nº›</a:t>
+              <a:t>‹#›</a:t>
             </a:fld>
             <a:endParaRPr lang="pt-PT"/>
           </a:p>
@@ -1310,7 +1310,7 @@
           <a:p>
             <a:fld id="{F53EB8C1-758A-422C-8847-F56C6597B443}" type="datetimeFigureOut">
               <a:rPr lang="pt-PT" smtClean="0"/>
-              <a:t>25/05/2023</a:t>
+              <a:t>2023-05-25</a:t>
             </a:fld>
             <a:endParaRPr lang="pt-PT"/>
           </a:p>
@@ -1352,7 +1352,7 @@
           <a:p>
             <a:fld id="{7FF8CE1B-BD98-4148-BC39-184D61A09922}" type="slidenum">
               <a:rPr lang="pt-PT" smtClean="0"/>
-              <a:t>‹nº›</a:t>
+              <a:t>‹#›</a:t>
             </a:fld>
             <a:endParaRPr lang="pt-PT"/>
           </a:p>
@@ -1587,7 +1587,7 @@
           <a:p>
             <a:fld id="{F53EB8C1-758A-422C-8847-F56C6597B443}" type="datetimeFigureOut">
               <a:rPr lang="pt-PT" smtClean="0"/>
-              <a:t>25/05/2023</a:t>
+              <a:t>2023-05-25</a:t>
             </a:fld>
             <a:endParaRPr lang="pt-PT"/>
           </a:p>
@@ -1655,7 +1655,7 @@
           <a:p>
             <a:fld id="{7FF8CE1B-BD98-4148-BC39-184D61A09922}" type="slidenum">
               <a:rPr lang="pt-PT" smtClean="0"/>
-              <a:t>‹nº›</a:t>
+              <a:t>‹#›</a:t>
             </a:fld>
             <a:endParaRPr lang="pt-PT"/>
           </a:p>
@@ -1981,7 +1981,7 @@
           <a:p>
             <a:fld id="{F53EB8C1-758A-422C-8847-F56C6597B443}" type="datetimeFigureOut">
               <a:rPr lang="pt-PT" smtClean="0"/>
-              <a:t>25/05/2023</a:t>
+              <a:t>2023-05-25</a:t>
             </a:fld>
             <a:endParaRPr lang="pt-PT"/>
           </a:p>
@@ -2023,7 +2023,7 @@
           <a:p>
             <a:fld id="{7FF8CE1B-BD98-4148-BC39-184D61A09922}" type="slidenum">
               <a:rPr lang="pt-PT" smtClean="0"/>
-              <a:t>‹nº›</a:t>
+              <a:t>‹#›</a:t>
             </a:fld>
             <a:endParaRPr lang="pt-PT"/>
           </a:p>
@@ -2458,7 +2458,7 @@
           <a:p>
             <a:fld id="{F53EB8C1-758A-422C-8847-F56C6597B443}" type="datetimeFigureOut">
               <a:rPr lang="pt-PT" smtClean="0"/>
-              <a:t>25/05/2023</a:t>
+              <a:t>2023-05-25</a:t>
             </a:fld>
             <a:endParaRPr lang="pt-PT"/>
           </a:p>
@@ -2500,7 +2500,7 @@
           <a:p>
             <a:fld id="{7FF8CE1B-BD98-4148-BC39-184D61A09922}" type="slidenum">
               <a:rPr lang="pt-PT" smtClean="0"/>
-              <a:t>‹nº›</a:t>
+              <a:t>‹#›</a:t>
             </a:fld>
             <a:endParaRPr lang="pt-PT"/>
           </a:p>
@@ -2576,7 +2576,7 @@
           <a:p>
             <a:fld id="{F53EB8C1-758A-422C-8847-F56C6597B443}" type="datetimeFigureOut">
               <a:rPr lang="pt-PT" smtClean="0"/>
-              <a:t>25/05/2023</a:t>
+              <a:t>2023-05-25</a:t>
             </a:fld>
             <a:endParaRPr lang="pt-PT"/>
           </a:p>
@@ -2618,7 +2618,7 @@
           <a:p>
             <a:fld id="{7FF8CE1B-BD98-4148-BC39-184D61A09922}" type="slidenum">
               <a:rPr lang="pt-PT" smtClean="0"/>
-              <a:t>‹nº›</a:t>
+              <a:t>‹#›</a:t>
             </a:fld>
             <a:endParaRPr lang="pt-PT"/>
           </a:p>
@@ -2671,7 +2671,7 @@
           <a:p>
             <a:fld id="{F53EB8C1-758A-422C-8847-F56C6597B443}" type="datetimeFigureOut">
               <a:rPr lang="pt-PT" smtClean="0"/>
-              <a:t>25/05/2023</a:t>
+              <a:t>2023-05-25</a:t>
             </a:fld>
             <a:endParaRPr lang="pt-PT"/>
           </a:p>
@@ -2713,7 +2713,7 @@
           <a:p>
             <a:fld id="{7FF8CE1B-BD98-4148-BC39-184D61A09922}" type="slidenum">
               <a:rPr lang="pt-PT" smtClean="0"/>
-              <a:t>‹nº›</a:t>
+              <a:t>‹#›</a:t>
             </a:fld>
             <a:endParaRPr lang="pt-PT"/>
           </a:p>
@@ -3017,7 +3017,7 @@
           <a:p>
             <a:fld id="{F53EB8C1-758A-422C-8847-F56C6597B443}" type="datetimeFigureOut">
               <a:rPr lang="pt-PT" smtClean="0"/>
-              <a:t>25/05/2023</a:t>
+              <a:t>2023-05-25</a:t>
             </a:fld>
             <a:endParaRPr lang="pt-PT"/>
           </a:p>
@@ -3085,7 +3085,7 @@
           <a:p>
             <a:fld id="{7FF8CE1B-BD98-4148-BC39-184D61A09922}" type="slidenum">
               <a:rPr lang="pt-PT" smtClean="0"/>
-              <a:t>‹nº›</a:t>
+              <a:t>‹#›</a:t>
             </a:fld>
             <a:endParaRPr lang="pt-PT"/>
           </a:p>
@@ -3405,7 +3405,7 @@
           <a:p>
             <a:fld id="{F53EB8C1-758A-422C-8847-F56C6597B443}" type="datetimeFigureOut">
               <a:rPr lang="pt-PT" smtClean="0"/>
-              <a:t>25/05/2023</a:t>
+              <a:t>2023-05-25</a:t>
             </a:fld>
             <a:endParaRPr lang="pt-PT"/>
           </a:p>
@@ -3473,7 +3473,7 @@
           <a:p>
             <a:fld id="{7FF8CE1B-BD98-4148-BC39-184D61A09922}" type="slidenum">
               <a:rPr lang="pt-PT" smtClean="0"/>
-              <a:t>‹nº›</a:t>
+              <a:t>‹#›</a:t>
             </a:fld>
             <a:endParaRPr lang="pt-PT"/>
           </a:p>
@@ -3683,7 +3683,7 @@
           <a:p>
             <a:fld id="{F53EB8C1-758A-422C-8847-F56C6597B443}" type="datetimeFigureOut">
               <a:rPr lang="pt-PT" smtClean="0"/>
-              <a:t>25/05/2023</a:t>
+              <a:t>2023-05-25</a:t>
             </a:fld>
             <a:endParaRPr lang="pt-PT"/>
           </a:p>
@@ -3757,7 +3757,7 @@
           <a:p>
             <a:fld id="{7FF8CE1B-BD98-4148-BC39-184D61A09922}" type="slidenum">
               <a:rPr lang="pt-PT" smtClean="0"/>
-              <a:t>‹nº›</a:t>
+              <a:t>‹#›</a:t>
             </a:fld>
             <a:endParaRPr lang="pt-PT"/>
           </a:p>
@@ -4801,7 +4801,12 @@
             <p:ph idx="1"/>
           </p:nvPr>
         </p:nvSpPr>
-        <p:spPr/>
+        <p:spPr>
+          <a:xfrm>
+            <a:off x="1505824" y="1638300"/>
+            <a:ext cx="9601200" cy="3581400"/>
+          </a:xfrm>
+        </p:spPr>
         <p:txBody>
           <a:bodyPr/>
           <a:lstStyle/>
@@ -4826,6 +4831,42 @@
           </a:p>
         </p:txBody>
       </p:sp>
+      <p:pic>
+        <p:nvPicPr>
+          <p:cNvPr id="5" name="Picture 4">
+            <a:extLst>
+              <a:ext uri="{FF2B5EF4-FFF2-40B4-BE49-F238E27FC236}">
+                <a16:creationId xmlns:a16="http://schemas.microsoft.com/office/drawing/2014/main" id="{BE9ECD9F-1215-48D4-9858-3DBD31D482E8}"/>
+              </a:ext>
+            </a:extLst>
+          </p:cNvPr>
+          <p:cNvPicPr>
+            <a:picLocks noChangeAspect="1"/>
+          </p:cNvPicPr>
+          <p:nvPr/>
+        </p:nvPicPr>
+        <p:blipFill>
+          <a:blip r:embed="rId2">
+            <a:extLst>
+              <a:ext uri="{28A0092B-C50C-407E-A947-70E740481C1C}">
+                <a14:useLocalDpi xmlns:a14="http://schemas.microsoft.com/office/drawing/2010/main" val="0"/>
+              </a:ext>
+            </a:extLst>
+          </a:blip>
+          <a:stretch>
+            <a:fillRect/>
+          </a:stretch>
+        </p:blipFill>
+        <p:spPr>
+          <a:xfrm>
+            <a:off x="3422468" y="2104588"/>
+            <a:ext cx="5347063" cy="4427773"/>
+          </a:xfrm>
+          <a:prstGeom prst="rect">
+            <a:avLst/>
+          </a:prstGeom>
+        </p:spPr>
+      </p:pic>
     </p:spTree>
     <p:extLst>
       <p:ext uri="{BB962C8B-B14F-4D97-AF65-F5344CB8AC3E}">
@@ -6013,19 +6054,74 @@
             <p:ph idx="1"/>
           </p:nvPr>
         </p:nvSpPr>
-        <p:spPr/>
-        <p:txBody>
-          <a:bodyPr/>
+        <p:spPr>
+          <a:xfrm>
+            <a:off x="1640048" y="1879134"/>
+            <a:ext cx="8728745" cy="528505"/>
+          </a:xfrm>
+        </p:spPr>
+        <p:txBody>
+          <a:bodyPr>
+            <a:normAutofit/>
+          </a:bodyPr>
           <a:lstStyle/>
           <a:p>
             <a:r>
-              <a:rPr lang="en-GB" dirty="0"/>
-              <a:t>*IMAGEM NO SCRUM TEAM DO RELATORIO*</a:t>
+              <a:rPr lang="pt-PT" dirty="0"/>
+              <a:t>Tabela </a:t>
+            </a:r>
+            <a:r>
+              <a:rPr lang="pt-PT" dirty="0" err="1"/>
+              <a:t>Scrum</a:t>
+            </a:r>
+            <a:r>
+              <a:rPr lang="pt-PT" dirty="0"/>
+              <a:t> Team e </a:t>
+            </a:r>
+            <a:r>
+              <a:rPr lang="pt-PT" dirty="0" err="1"/>
+              <a:t>Skateholders</a:t>
             </a:r>
             <a:endParaRPr lang="pt-PT" dirty="0"/>
           </a:p>
         </p:txBody>
       </p:sp>
+      <p:pic>
+        <p:nvPicPr>
+          <p:cNvPr id="5" name="Picture 4">
+            <a:extLst>
+              <a:ext uri="{FF2B5EF4-FFF2-40B4-BE49-F238E27FC236}">
+                <a16:creationId xmlns:a16="http://schemas.microsoft.com/office/drawing/2014/main" id="{913E9686-ECD7-4FDD-8D05-01945111E1CE}"/>
+              </a:ext>
+            </a:extLst>
+          </p:cNvPr>
+          <p:cNvPicPr>
+            <a:picLocks noChangeAspect="1"/>
+          </p:cNvPicPr>
+          <p:nvPr/>
+        </p:nvPicPr>
+        <p:blipFill>
+          <a:blip r:embed="rId2">
+            <a:extLst>
+              <a:ext uri="{28A0092B-C50C-407E-A947-70E740481C1C}">
+                <a14:useLocalDpi xmlns:a14="http://schemas.microsoft.com/office/drawing/2010/main" val="0"/>
+              </a:ext>
+            </a:extLst>
+          </a:blip>
+          <a:stretch>
+            <a:fillRect/>
+          </a:stretch>
+        </p:blipFill>
+        <p:spPr>
+          <a:xfrm>
+            <a:off x="2925150" y="2676085"/>
+            <a:ext cx="6494099" cy="3414322"/>
+          </a:xfrm>
+          <a:prstGeom prst="rect">
+            <a:avLst/>
+          </a:prstGeom>
+        </p:spPr>
+      </p:pic>
     </p:spTree>
     <p:extLst>
       <p:ext uri="{BB962C8B-B14F-4D97-AF65-F5344CB8AC3E}">
@@ -6320,7 +6416,12 @@
             <p:ph idx="1"/>
           </p:nvPr>
         </p:nvSpPr>
-        <p:spPr/>
+        <p:spPr>
+          <a:xfrm>
+            <a:off x="1371600" y="1638300"/>
+            <a:ext cx="9601200" cy="3581400"/>
+          </a:xfrm>
+        </p:spPr>
         <p:txBody>
           <a:bodyPr/>
           <a:lstStyle/>
@@ -6345,6 +6446,42 @@
           </a:p>
         </p:txBody>
       </p:sp>
+      <p:pic>
+        <p:nvPicPr>
+          <p:cNvPr id="5" name="Picture 4">
+            <a:extLst>
+              <a:ext uri="{FF2B5EF4-FFF2-40B4-BE49-F238E27FC236}">
+                <a16:creationId xmlns:a16="http://schemas.microsoft.com/office/drawing/2014/main" id="{4E4C92A8-0885-4D54-AFCC-0C09BF59205B}"/>
+              </a:ext>
+            </a:extLst>
+          </p:cNvPr>
+          <p:cNvPicPr>
+            <a:picLocks noChangeAspect="1"/>
+          </p:cNvPicPr>
+          <p:nvPr/>
+        </p:nvPicPr>
+        <p:blipFill>
+          <a:blip r:embed="rId2">
+            <a:extLst>
+              <a:ext uri="{28A0092B-C50C-407E-A947-70E740481C1C}">
+                <a14:useLocalDpi xmlns:a14="http://schemas.microsoft.com/office/drawing/2010/main" val="0"/>
+              </a:ext>
+            </a:extLst>
+          </a:blip>
+          <a:stretch>
+            <a:fillRect/>
+          </a:stretch>
+        </p:blipFill>
+        <p:spPr>
+          <a:xfrm>
+            <a:off x="4664279" y="1753478"/>
+            <a:ext cx="5575692" cy="4643478"/>
+          </a:xfrm>
+          <a:prstGeom prst="rect">
+            <a:avLst/>
+          </a:prstGeom>
+        </p:spPr>
+      </p:pic>
     </p:spTree>
     <p:extLst>
       <p:ext uri="{BB962C8B-B14F-4D97-AF65-F5344CB8AC3E}">

--- a/doc/Metodologias de Desenvolvimento de Software.pptx
+++ b/doc/Metodologias de Desenvolvimento de Software.pptx
@@ -4586,7 +4586,12 @@
             <p:ph idx="1"/>
           </p:nvPr>
         </p:nvSpPr>
-        <p:spPr/>
+        <p:spPr>
+          <a:xfrm>
+            <a:off x="1371600" y="1686187"/>
+            <a:ext cx="9601200" cy="4697835"/>
+          </a:xfrm>
+        </p:spPr>
         <p:txBody>
           <a:bodyPr/>
           <a:lstStyle/>
@@ -4606,12 +4611,134 @@
             <a:endParaRPr lang="en-GB" dirty="0"/>
           </a:p>
           <a:p>
-            <a:endParaRPr lang="en-GB" dirty="0"/>
-          </a:p>
-          <a:p>
-            <a:endParaRPr lang="en-GB" dirty="0"/>
-          </a:p>
-          <a:p>
+            <a:pPr lvl="1"/>
+            <a:r>
+              <a:rPr lang="en-GB" dirty="0"/>
+              <a:t>O Sistema </a:t>
+            </a:r>
+            <a:r>
+              <a:rPr lang="en-GB" dirty="0" err="1"/>
+              <a:t>deve</a:t>
+            </a:r>
+            <a:r>
+              <a:rPr lang="en-GB" dirty="0"/>
+              <a:t> </a:t>
+            </a:r>
+            <a:r>
+              <a:rPr lang="en-GB" dirty="0" err="1"/>
+              <a:t>permitir</a:t>
+            </a:r>
+            <a:r>
+              <a:rPr lang="en-GB" dirty="0"/>
+              <a:t> </a:t>
+            </a:r>
+            <a:r>
+              <a:rPr lang="en-GB" dirty="0" err="1"/>
+              <a:t>administração</a:t>
+            </a:r>
+            <a:r>
+              <a:rPr lang="en-GB" dirty="0"/>
+              <a:t> das </a:t>
+            </a:r>
+            <a:r>
+              <a:rPr lang="en-GB" dirty="0" err="1"/>
+              <a:t>salas</a:t>
+            </a:r>
+            <a:r>
+              <a:rPr lang="en-GB" dirty="0"/>
+              <a:t> de cinemas.</a:t>
+            </a:r>
+          </a:p>
+          <a:p>
+            <a:pPr lvl="2"/>
+            <a:r>
+              <a:rPr lang="en-GB" dirty="0" err="1"/>
+              <a:t>Cadastro</a:t>
+            </a:r>
+            <a:r>
+              <a:rPr lang="en-GB" dirty="0"/>
+              <a:t> das Salas, </a:t>
+            </a:r>
+            <a:r>
+              <a:rPr lang="en-GB" dirty="0" err="1"/>
+              <a:t>capacidade</a:t>
+            </a:r>
+            <a:r>
+              <a:rPr lang="en-GB" dirty="0"/>
+              <a:t>;</a:t>
+            </a:r>
+          </a:p>
+          <a:p>
+            <a:pPr lvl="2"/>
+            <a:r>
+              <a:rPr lang="en-GB" dirty="0" err="1"/>
+              <a:t>Horários</a:t>
+            </a:r>
+            <a:r>
+              <a:rPr lang="en-GB" dirty="0"/>
+              <a:t> de </a:t>
+            </a:r>
+            <a:r>
+              <a:rPr lang="en-GB" dirty="0" err="1"/>
+              <a:t>exibição</a:t>
+            </a:r>
+            <a:r>
+              <a:rPr lang="en-GB" dirty="0"/>
+              <a:t>, </a:t>
+            </a:r>
+            <a:r>
+              <a:rPr lang="en-GB" dirty="0" err="1"/>
+              <a:t>filmes</a:t>
+            </a:r>
+            <a:r>
+              <a:rPr lang="en-GB" dirty="0"/>
+              <a:t> a </a:t>
+            </a:r>
+            <a:r>
+              <a:rPr lang="en-GB" dirty="0" err="1"/>
+              <a:t>serem</a:t>
+            </a:r>
+            <a:r>
+              <a:rPr lang="en-GB" dirty="0"/>
+              <a:t> </a:t>
+            </a:r>
+            <a:r>
+              <a:rPr lang="en-GB" dirty="0" err="1"/>
+              <a:t>exibidos</a:t>
+            </a:r>
+            <a:r>
+              <a:rPr lang="en-GB" dirty="0"/>
+              <a:t> </a:t>
+            </a:r>
+            <a:r>
+              <a:rPr lang="en-GB" dirty="0" err="1"/>
+              <a:t>em</a:t>
+            </a:r>
+            <a:r>
+              <a:rPr lang="en-GB" dirty="0"/>
+              <a:t> </a:t>
+            </a:r>
+            <a:r>
+              <a:rPr lang="en-GB" dirty="0" err="1"/>
+              <a:t>cada</a:t>
+            </a:r>
+            <a:r>
+              <a:rPr lang="en-GB" dirty="0"/>
+              <a:t> </a:t>
+            </a:r>
+            <a:r>
+              <a:rPr lang="en-GB" dirty="0" err="1"/>
+              <a:t>sala</a:t>
+            </a:r>
+            <a:r>
+              <a:rPr lang="en-GB" dirty="0"/>
+              <a:t>.</a:t>
+            </a:r>
+          </a:p>
+          <a:p>
+            <a:pPr marL="0" indent="0">
+              <a:buNone/>
+            </a:pPr>
             <a:endParaRPr lang="en-GB" dirty="0"/>
           </a:p>
           <a:p>
@@ -4627,6 +4754,61 @@
               <a:rPr lang="en-GB" dirty="0" err="1"/>
               <a:t>Impacto</a:t>
             </a:r>
+            <a:endParaRPr lang="en-GB" dirty="0"/>
+          </a:p>
+          <a:p>
+            <a:pPr lvl="1"/>
+            <a:r>
+              <a:rPr lang="en-GB" i="0" dirty="0" err="1"/>
+              <a:t>Concorrência</a:t>
+            </a:r>
+            <a:r>
+              <a:rPr lang="en-GB" i="0" dirty="0"/>
+              <a:t>, </a:t>
+            </a:r>
+            <a:r>
+              <a:rPr lang="en-GB" i="0" dirty="0" err="1"/>
+              <a:t>impacto</a:t>
+            </a:r>
+            <a:r>
+              <a:rPr lang="en-GB" i="0" dirty="0"/>
+              <a:t> </a:t>
+            </a:r>
+            <a:r>
+              <a:rPr lang="en-GB" i="0" dirty="0" err="1"/>
+              <a:t>positivo</a:t>
+            </a:r>
+            <a:r>
+              <a:rPr lang="en-GB" i="0" dirty="0"/>
+              <a:t> </a:t>
+            </a:r>
+            <a:r>
+              <a:rPr lang="en-GB" i="0" dirty="0" err="1"/>
+              <a:t>na</a:t>
+            </a:r>
+            <a:r>
+              <a:rPr lang="en-GB" i="0" dirty="0"/>
+              <a:t> </a:t>
+            </a:r>
+            <a:r>
+              <a:rPr lang="en-GB" i="0" dirty="0" err="1"/>
+              <a:t>sua</a:t>
+            </a:r>
+            <a:r>
+              <a:rPr lang="en-GB" i="0" dirty="0"/>
+              <a:t> </a:t>
+            </a:r>
+            <a:r>
+              <a:rPr lang="en-GB" i="0" dirty="0" err="1"/>
+              <a:t>simplicidade</a:t>
+            </a:r>
+            <a:r>
+              <a:rPr lang="en-GB" i="0" dirty="0"/>
+              <a:t>.</a:t>
+            </a:r>
+          </a:p>
+          <a:p>
+            <a:pPr lvl="1"/>
             <a:endParaRPr lang="pt-PT" dirty="0"/>
           </a:p>
         </p:txBody>
@@ -4689,7 +4871,56 @@
                                         <p:tgtEl>
                                           <p:spTgt spid="3">
                                             <p:txEl>
-                                              <p:pRg st="4" end="4"/>
+                                              <p:pRg st="5" end="5"/>
+                                            </p:txEl>
+                                          </p:spTgt>
+                                        </p:tgtEl>
+                                        <p:attrNameLst>
+                                          <p:attrName>style.visibility</p:attrName>
+                                        </p:attrNameLst>
+                                      </p:cBhvr>
+                                      <p:to>
+                                        <p:strVal val="visible"/>
+                                      </p:to>
+                                    </p:set>
+                                  </p:childTnLst>
+                                </p:cTn>
+                              </p:par>
+                            </p:childTnLst>
+                          </p:cTn>
+                        </p:par>
+                      </p:childTnLst>
+                    </p:cTn>
+                  </p:par>
+                  <p:par>
+                    <p:cTn id="7" fill="hold">
+                      <p:stCondLst>
+                        <p:cond delay="indefinite"/>
+                      </p:stCondLst>
+                      <p:childTnLst>
+                        <p:par>
+                          <p:cTn id="8" fill="hold">
+                            <p:stCondLst>
+                              <p:cond delay="0"/>
+                            </p:stCondLst>
+                            <p:childTnLst>
+                              <p:par>
+                                <p:cTn id="9" presetID="1" presetClass="entr" presetSubtype="0" fill="hold" nodeType="clickEffect">
+                                  <p:stCondLst>
+                                    <p:cond delay="0"/>
+                                  </p:stCondLst>
+                                  <p:childTnLst>
+                                    <p:set>
+                                      <p:cBhvr>
+                                        <p:cTn id="10" dur="1" fill="hold">
+                                          <p:stCondLst>
+                                            <p:cond delay="0"/>
+                                          </p:stCondLst>
+                                        </p:cTn>
+                                        <p:tgtEl>
+                                          <p:spTgt spid="3">
+                                            <p:txEl>
+                                              <p:pRg st="6" end="6"/>
                                             </p:txEl>
                                           </p:spTgt>
                                         </p:tgtEl>
@@ -4803,8 +5034,8 @@
         </p:nvSpPr>
         <p:spPr>
           <a:xfrm>
-            <a:off x="1505824" y="1638300"/>
-            <a:ext cx="9601200" cy="3581400"/>
+            <a:off x="950752" y="1638299"/>
+            <a:ext cx="4837652" cy="4921891"/>
           </a:xfrm>
         </p:spPr>
         <p:txBody>
@@ -4812,8 +5043,28 @@
           <a:lstStyle/>
           <a:p>
             <a:r>
+              <a:rPr lang="en-GB" b="1" dirty="0" err="1"/>
+              <a:t>Análise</a:t>
+            </a:r>
+            <a:r>
+              <a:rPr lang="en-GB" b="1" dirty="0"/>
+              <a:t> </a:t>
+            </a:r>
+            <a:r>
+              <a:rPr lang="en-GB" b="1" dirty="0" err="1"/>
+              <a:t>concorrencial</a:t>
+            </a:r>
+            <a:endParaRPr lang="en-GB" b="1" dirty="0"/>
+          </a:p>
+          <a:p>
+            <a:pPr lvl="1"/>
+            <a:r>
+              <a:rPr lang="en-GB" dirty="0"/>
+              <a:t>Neste </a:t>
+            </a:r>
+            <a:r>
               <a:rPr lang="en-GB" dirty="0" err="1"/>
-              <a:t>Análise</a:t>
+              <a:t>ponto</a:t>
             </a:r>
             <a:r>
               <a:rPr lang="en-GB" dirty="0"/>
@@ -4821,13 +5072,71 @@
             </a:r>
             <a:r>
               <a:rPr lang="en-GB" dirty="0" err="1"/>
-              <a:t>concorrencial</a:t>
+              <a:t>foi</a:t>
             </a:r>
             <a:r>
               <a:rPr lang="en-GB" dirty="0"/>
               <a:t> </a:t>
             </a:r>
-            <a:endParaRPr lang="pt-PT" dirty="0"/>
+            <a:r>
+              <a:rPr lang="en-GB" dirty="0" err="1"/>
+              <a:t>feita</a:t>
+            </a:r>
+            <a:r>
+              <a:rPr lang="en-GB" dirty="0"/>
+              <a:t> a </a:t>
+            </a:r>
+            <a:r>
+              <a:rPr lang="en-GB" dirty="0" err="1"/>
+              <a:t>comparação</a:t>
+            </a:r>
+            <a:r>
+              <a:rPr lang="en-GB" dirty="0"/>
+              <a:t> de </a:t>
+            </a:r>
+            <a:r>
+              <a:rPr lang="en-GB" dirty="0" err="1"/>
+              <a:t>algumas</a:t>
+            </a:r>
+            <a:r>
+              <a:rPr lang="en-GB" dirty="0"/>
+              <a:t> </a:t>
+            </a:r>
+            <a:r>
+              <a:rPr lang="en-GB" dirty="0" err="1"/>
+              <a:t>aplicações</a:t>
+            </a:r>
+            <a:r>
+              <a:rPr lang="en-GB" dirty="0"/>
+              <a:t> ( “</a:t>
+            </a:r>
+            <a:r>
+              <a:rPr lang="en-GB" dirty="0" err="1"/>
+              <a:t>CinemaNos</a:t>
+            </a:r>
+            <a:r>
+              <a:rPr lang="en-GB" dirty="0"/>
+              <a:t>”, “</a:t>
+            </a:r>
+            <a:r>
+              <a:rPr lang="en-GB" dirty="0" err="1"/>
+              <a:t>Unicinemas</a:t>
+            </a:r>
+            <a:r>
+              <a:rPr lang="en-GB" dirty="0"/>
+              <a:t>”, “</a:t>
+            </a:r>
+            <a:r>
+              <a:rPr lang="en-GB" dirty="0" err="1"/>
+              <a:t>Ingressos</a:t>
+            </a:r>
+            <a:r>
+              <a:rPr lang="en-GB" dirty="0"/>
+              <a:t>”) .</a:t>
+            </a:r>
+          </a:p>
+          <a:p>
+            <a:endParaRPr lang="en-GB" dirty="0"/>
           </a:p>
         </p:txBody>
       </p:sp>
@@ -4859,8 +5168,8 @@
         </p:blipFill>
         <p:spPr>
           <a:xfrm>
-            <a:off x="3422468" y="2104588"/>
-            <a:ext cx="5347063" cy="4427773"/>
+            <a:off x="6046585" y="1638299"/>
+            <a:ext cx="5840615" cy="4836471"/>
           </a:xfrm>
           <a:prstGeom prst="rect">
             <a:avLst/>
@@ -4946,7 +5255,12 @@
             <p:ph idx="1"/>
           </p:nvPr>
         </p:nvSpPr>
-        <p:spPr/>
+        <p:spPr>
+          <a:xfrm>
+            <a:off x="1295400" y="1638300"/>
+            <a:ext cx="9601200" cy="3581400"/>
+          </a:xfrm>
+        </p:spPr>
         <p:txBody>
           <a:bodyPr/>
           <a:lstStyle/>
@@ -4963,6 +5277,36 @@
           </a:p>
         </p:txBody>
       </p:sp>
+      <p:pic>
+        <p:nvPicPr>
+          <p:cNvPr id="4" name="Picture 3">
+            <a:extLst>
+              <a:ext uri="{FF2B5EF4-FFF2-40B4-BE49-F238E27FC236}">
+                <a16:creationId xmlns:a16="http://schemas.microsoft.com/office/drawing/2014/main" id="{0838C258-1761-447E-BE7D-53828903AF82}"/>
+              </a:ext>
+            </a:extLst>
+          </p:cNvPr>
+          <p:cNvPicPr>
+            <a:picLocks noChangeAspect="1"/>
+          </p:cNvPicPr>
+          <p:nvPr/>
+        </p:nvPicPr>
+        <p:blipFill>
+          <a:blip r:embed="rId2"/>
+          <a:stretch>
+            <a:fillRect/>
+          </a:stretch>
+        </p:blipFill>
+        <p:spPr>
+          <a:xfrm>
+            <a:off x="4730303" y="2027905"/>
+            <a:ext cx="6204397" cy="4322562"/>
+          </a:xfrm>
+          <a:prstGeom prst="rect">
+            <a:avLst/>
+          </a:prstGeom>
+        </p:spPr>
+      </p:pic>
     </p:spTree>
     <p:extLst>
       <p:ext uri="{BB962C8B-B14F-4D97-AF65-F5344CB8AC3E}">
@@ -5143,6 +5487,11 @@
           <a:bodyPr/>
           <a:lstStyle/>
           <a:p>
+            <a:pPr>
+              <a:lnSpc>
+                <a:spcPct val="150000"/>
+              </a:lnSpc>
+            </a:pPr>
             <a:r>
               <a:rPr lang="en-GB" dirty="0"/>
               <a:t>O </a:t>
@@ -6201,48 +6550,341 @@
             <p:ph idx="1"/>
           </p:nvPr>
         </p:nvSpPr>
-        <p:spPr/>
+        <p:spPr>
+          <a:xfrm>
+            <a:off x="1371600" y="1812021"/>
+            <a:ext cx="9601200" cy="4446165"/>
+          </a:xfrm>
+        </p:spPr>
         <p:txBody>
           <a:bodyPr/>
           <a:lstStyle/>
           <a:p>
             <a:r>
-              <a:rPr lang="en-GB" dirty="0" err="1"/>
+              <a:rPr lang="en-GB" b="1" dirty="0" err="1"/>
               <a:t>Lógica</a:t>
             </a:r>
             <a:r>
-              <a:rPr lang="en-GB" dirty="0"/>
+              <a:rPr lang="en-GB" b="1" dirty="0"/>
               <a:t> de </a:t>
             </a:r>
             <a:r>
-              <a:rPr lang="en-GB" dirty="0" err="1"/>
+              <a:rPr lang="en-GB" b="1" dirty="0" err="1"/>
               <a:t>negócio</a:t>
             </a:r>
-            <a:endParaRPr lang="en-GB" dirty="0"/>
-          </a:p>
-          <a:p>
-            <a:endParaRPr lang="en-GB" dirty="0"/>
-          </a:p>
-          <a:p>
-            <a:endParaRPr lang="en-GB" dirty="0"/>
-          </a:p>
-          <a:p>
-            <a:endParaRPr lang="en-GB" dirty="0"/>
-          </a:p>
-          <a:p>
-            <a:r>
-              <a:rPr lang="en-GB" dirty="0" err="1"/>
+            <a:endParaRPr lang="en-GB" b="1" dirty="0"/>
+          </a:p>
+          <a:p>
+            <a:pPr lvl="1"/>
+            <a:r>
+              <a:rPr lang="en-GB" sz="1800" i="0" dirty="0"/>
+              <a:t>A </a:t>
+            </a:r>
+            <a:r>
+              <a:rPr lang="en-GB" sz="1800" i="0" dirty="0" err="1"/>
+              <a:t>aplicação</a:t>
+            </a:r>
+            <a:r>
+              <a:rPr lang="en-GB" sz="1800" i="0" dirty="0"/>
+              <a:t> a </a:t>
+            </a:r>
+            <a:r>
+              <a:rPr lang="en-GB" sz="1800" i="0" dirty="0" err="1"/>
+              <a:t>desenvolver</a:t>
+            </a:r>
+            <a:r>
+              <a:rPr lang="en-GB" sz="1800" i="0" dirty="0"/>
+              <a:t> </a:t>
+            </a:r>
+            <a:r>
+              <a:rPr lang="en-GB" sz="1800" i="0" dirty="0" err="1"/>
+              <a:t>deve</a:t>
+            </a:r>
+            <a:r>
+              <a:rPr lang="en-GB" sz="1800" i="0" dirty="0"/>
+              <a:t> </a:t>
+            </a:r>
+            <a:r>
+              <a:rPr lang="en-GB" sz="1800" i="0" dirty="0" err="1"/>
+              <a:t>fornecer</a:t>
+            </a:r>
+            <a:r>
+              <a:rPr lang="en-GB" sz="1800" i="0" dirty="0"/>
+              <a:t> </a:t>
+            </a:r>
+            <a:r>
+              <a:rPr lang="en-GB" sz="1800" i="0" dirty="0" err="1"/>
+              <a:t>meios</a:t>
+            </a:r>
+            <a:r>
+              <a:rPr lang="en-GB" sz="1800" i="0" dirty="0"/>
+              <a:t> para </a:t>
+            </a:r>
+            <a:r>
+              <a:rPr lang="en-GB" sz="1800" i="0" dirty="0" err="1"/>
+              <a:t>criar</a:t>
+            </a:r>
+            <a:r>
+              <a:rPr lang="en-GB" sz="1800" i="0" dirty="0"/>
+              <a:t> </a:t>
+            </a:r>
+            <a:r>
+              <a:rPr lang="en-GB" sz="1800" i="0" dirty="0" err="1"/>
+              <a:t>folhas</a:t>
+            </a:r>
+            <a:r>
+              <a:rPr lang="en-GB" sz="1800" i="0" dirty="0"/>
+              <a:t> de </a:t>
+            </a:r>
+            <a:r>
+              <a:rPr lang="en-GB" sz="1800" i="0" dirty="0" err="1"/>
+              <a:t>obra</a:t>
+            </a:r>
+            <a:r>
+              <a:rPr lang="en-GB" sz="1800" i="0" dirty="0"/>
+              <a:t>.</a:t>
+            </a:r>
+          </a:p>
+          <a:p>
+            <a:pPr lvl="2"/>
+            <a:r>
+              <a:rPr lang="en-GB" sz="1400" dirty="0" err="1"/>
+              <a:t>Adicionar</a:t>
+            </a:r>
+            <a:r>
+              <a:rPr lang="en-GB" sz="1400" dirty="0"/>
+              <a:t> </a:t>
+            </a:r>
+            <a:r>
+              <a:rPr lang="en-GB" sz="1400" dirty="0" err="1"/>
+              <a:t>funcionários</a:t>
+            </a:r>
+            <a:r>
+              <a:rPr lang="en-GB" sz="1400" dirty="0"/>
+              <a:t>;</a:t>
+            </a:r>
+          </a:p>
+          <a:p>
+            <a:pPr lvl="2"/>
+            <a:r>
+              <a:rPr lang="en-GB" sz="1400" dirty="0" err="1"/>
+              <a:t>Especificação</a:t>
+            </a:r>
+            <a:r>
+              <a:rPr lang="en-GB" sz="1400" dirty="0"/>
+              <a:t> de </a:t>
+            </a:r>
+            <a:r>
+              <a:rPr lang="en-GB" sz="1400" dirty="0" err="1"/>
+              <a:t>atividades</a:t>
+            </a:r>
+            <a:r>
+              <a:rPr lang="en-GB" sz="1400" dirty="0"/>
+              <a:t>;</a:t>
+            </a:r>
+          </a:p>
+          <a:p>
+            <a:pPr lvl="2"/>
+            <a:r>
+              <a:rPr lang="en-GB" sz="1400" dirty="0" err="1"/>
+              <a:t>Tarefas</a:t>
+            </a:r>
+            <a:r>
+              <a:rPr lang="en-GB" sz="1400" dirty="0"/>
+              <a:t> </a:t>
+            </a:r>
+            <a:r>
+              <a:rPr lang="en-GB" sz="1400" dirty="0" err="1"/>
+              <a:t>executadas</a:t>
+            </a:r>
+            <a:r>
+              <a:rPr lang="en-GB" sz="1400" dirty="0"/>
+              <a:t> (data, </a:t>
+            </a:r>
+            <a:r>
+              <a:rPr lang="en-GB" sz="1400" dirty="0" err="1"/>
+              <a:t>descrição</a:t>
+            </a:r>
+            <a:r>
+              <a:rPr lang="en-GB" sz="1400" dirty="0"/>
+              <a:t> hora);</a:t>
+            </a:r>
+          </a:p>
+          <a:p>
+            <a:pPr lvl="2"/>
+            <a:r>
+              <a:rPr lang="en-GB" sz="1400" dirty="0" err="1"/>
+              <a:t>Visualização</a:t>
+            </a:r>
+            <a:r>
+              <a:rPr lang="en-GB" sz="1400" dirty="0"/>
+              <a:t>, </a:t>
+            </a:r>
+            <a:r>
+              <a:rPr lang="en-GB" sz="1400" dirty="0" err="1"/>
+              <a:t>edição</a:t>
+            </a:r>
+            <a:r>
+              <a:rPr lang="en-GB" sz="1400" dirty="0"/>
+              <a:t> e </a:t>
+            </a:r>
+            <a:r>
+              <a:rPr lang="en-GB" sz="1400" dirty="0" err="1"/>
+              <a:t>exclusão</a:t>
+            </a:r>
+            <a:r>
+              <a:rPr lang="en-GB" sz="1400" dirty="0"/>
+              <a:t> de </a:t>
+            </a:r>
+            <a:r>
+              <a:rPr lang="en-GB" sz="1400" dirty="0" err="1"/>
+              <a:t>folhas</a:t>
+            </a:r>
+            <a:r>
+              <a:rPr lang="en-GB" sz="1400" dirty="0"/>
+              <a:t> de </a:t>
+            </a:r>
+            <a:r>
+              <a:rPr lang="en-GB" sz="1400" dirty="0" err="1"/>
+              <a:t>obra</a:t>
+            </a:r>
+            <a:r>
+              <a:rPr lang="en-GB" sz="1400" dirty="0"/>
+              <a:t> e a </a:t>
+            </a:r>
+            <a:r>
+              <a:rPr lang="en-GB" sz="1400" dirty="0" err="1"/>
+              <a:t>sua</a:t>
+            </a:r>
+            <a:r>
+              <a:rPr lang="en-GB" sz="1400" dirty="0"/>
+              <a:t> </a:t>
+            </a:r>
+            <a:r>
+              <a:rPr lang="en-GB" sz="1400" dirty="0" err="1"/>
+              <a:t>organização</a:t>
+            </a:r>
+            <a:r>
+              <a:rPr lang="en-GB" sz="1400" dirty="0"/>
+              <a:t>,</a:t>
+            </a:r>
+          </a:p>
+          <a:p>
+            <a:pPr lvl="2"/>
+            <a:r>
+              <a:rPr lang="en-GB" sz="1400" dirty="0" err="1"/>
+              <a:t>Utilizadores</a:t>
+            </a:r>
+            <a:r>
+              <a:rPr lang="en-GB" sz="1400" dirty="0"/>
+              <a:t> </a:t>
+            </a:r>
+            <a:r>
+              <a:rPr lang="en-GB" sz="1400" dirty="0" err="1"/>
+              <a:t>autorizados</a:t>
+            </a:r>
+            <a:r>
+              <a:rPr lang="en-GB" sz="1400" dirty="0"/>
+              <a:t> </a:t>
+            </a:r>
+            <a:r>
+              <a:rPr lang="en-GB" sz="1400" dirty="0" err="1"/>
+              <a:t>tenham</a:t>
+            </a:r>
+            <a:r>
+              <a:rPr lang="en-GB" sz="1400" dirty="0"/>
+              <a:t> </a:t>
+            </a:r>
+            <a:r>
+              <a:rPr lang="en-GB" sz="1400" dirty="0" err="1"/>
+              <a:t>acesso</a:t>
+            </a:r>
+            <a:r>
+              <a:rPr lang="en-GB" sz="1400" dirty="0"/>
+              <a:t> </a:t>
+            </a:r>
+            <a:r>
+              <a:rPr lang="en-GB" sz="1400" dirty="0" err="1"/>
+              <a:t>aplicação</a:t>
+            </a:r>
+            <a:r>
+              <a:rPr lang="en-GB" sz="1400" dirty="0"/>
+              <a:t>.</a:t>
+            </a:r>
+          </a:p>
+          <a:p>
+            <a:pPr lvl="2"/>
+            <a:endParaRPr lang="en-GB" sz="1600" dirty="0"/>
+          </a:p>
+          <a:p>
+            <a:r>
+              <a:rPr lang="en-GB" b="1" dirty="0" err="1"/>
               <a:t>Análise</a:t>
             </a:r>
             <a:r>
-              <a:rPr lang="en-GB" dirty="0"/>
+              <a:rPr lang="en-GB" b="1" dirty="0"/>
               <a:t> de </a:t>
             </a:r>
             <a:r>
-              <a:rPr lang="en-GB" dirty="0" err="1"/>
+              <a:rPr lang="en-GB" b="1" dirty="0" err="1"/>
               <a:t>Impacto</a:t>
             </a:r>
-            <a:endParaRPr lang="pt-PT" dirty="0"/>
+            <a:endParaRPr lang="en-GB" b="1" dirty="0"/>
+          </a:p>
+          <a:p>
+            <a:pPr lvl="1"/>
+            <a:r>
+              <a:rPr lang="en-GB" sz="1800" i="0" dirty="0" err="1"/>
+              <a:t>Concorrência</a:t>
+            </a:r>
+            <a:r>
+              <a:rPr lang="en-GB" sz="1800" i="0" dirty="0"/>
+              <a:t>, </a:t>
+            </a:r>
+            <a:r>
+              <a:rPr lang="en-GB" sz="1800" i="0" dirty="0" err="1"/>
+              <a:t>impacto</a:t>
+            </a:r>
+            <a:r>
+              <a:rPr lang="en-GB" sz="1800" i="0" dirty="0"/>
+              <a:t> </a:t>
+            </a:r>
+            <a:r>
+              <a:rPr lang="en-GB" sz="1800" i="0" dirty="0" err="1"/>
+              <a:t>positivo</a:t>
+            </a:r>
+            <a:r>
+              <a:rPr lang="en-GB" sz="1800" i="0" dirty="0"/>
+              <a:t> </a:t>
+            </a:r>
+            <a:r>
+              <a:rPr lang="en-GB" sz="1800" i="0" dirty="0" err="1"/>
+              <a:t>na</a:t>
+            </a:r>
+            <a:r>
+              <a:rPr lang="en-GB" sz="1800" i="0" dirty="0"/>
+              <a:t> </a:t>
+            </a:r>
+            <a:r>
+              <a:rPr lang="en-GB" sz="1800" i="0" dirty="0" err="1"/>
+              <a:t>sua</a:t>
+            </a:r>
+            <a:r>
+              <a:rPr lang="en-GB" sz="1800" i="0" dirty="0"/>
+              <a:t> </a:t>
+            </a:r>
+            <a:r>
+              <a:rPr lang="en-GB" sz="1800" i="0" dirty="0" err="1"/>
+              <a:t>simplicidade</a:t>
+            </a:r>
+            <a:r>
+              <a:rPr lang="en-GB" sz="1800" i="0" dirty="0"/>
+              <a:t>.</a:t>
+            </a:r>
+          </a:p>
+          <a:p>
+            <a:pPr lvl="1"/>
+            <a:endParaRPr lang="pt-PT" b="1" dirty="0"/>
           </a:p>
         </p:txBody>
       </p:sp>
@@ -6304,7 +6946,56 @@
                                         <p:tgtEl>
                                           <p:spTgt spid="3">
                                             <p:txEl>
-                                              <p:pRg st="4" end="4"/>
+                                              <p:pRg st="8" end="8"/>
+                                            </p:txEl>
+                                          </p:spTgt>
+                                        </p:tgtEl>
+                                        <p:attrNameLst>
+                                          <p:attrName>style.visibility</p:attrName>
+                                        </p:attrNameLst>
+                                      </p:cBhvr>
+                                      <p:to>
+                                        <p:strVal val="visible"/>
+                                      </p:to>
+                                    </p:set>
+                                  </p:childTnLst>
+                                </p:cTn>
+                              </p:par>
+                            </p:childTnLst>
+                          </p:cTn>
+                        </p:par>
+                      </p:childTnLst>
+                    </p:cTn>
+                  </p:par>
+                  <p:par>
+                    <p:cTn id="7" fill="hold">
+                      <p:stCondLst>
+                        <p:cond delay="indefinite"/>
+                      </p:stCondLst>
+                      <p:childTnLst>
+                        <p:par>
+                          <p:cTn id="8" fill="hold">
+                            <p:stCondLst>
+                              <p:cond delay="0"/>
+                            </p:stCondLst>
+                            <p:childTnLst>
+                              <p:par>
+                                <p:cTn id="9" presetID="1" presetClass="entr" presetSubtype="0" fill="hold" nodeType="clickEffect">
+                                  <p:stCondLst>
+                                    <p:cond delay="0"/>
+                                  </p:stCondLst>
+                                  <p:childTnLst>
+                                    <p:set>
+                                      <p:cBhvr>
+                                        <p:cTn id="10" dur="1" fill="hold">
+                                          <p:stCondLst>
+                                            <p:cond delay="0"/>
+                                          </p:stCondLst>
+                                        </p:cTn>
+                                        <p:tgtEl>
+                                          <p:spTgt spid="3">
+                                            <p:txEl>
+                                              <p:pRg st="9" end="9"/>
                                             </p:txEl>
                                           </p:spTgt>
                                         </p:tgtEl>
@@ -6418,8 +7109,8 @@
         </p:nvSpPr>
         <p:spPr>
           <a:xfrm>
-            <a:off x="1371600" y="1638300"/>
-            <a:ext cx="9601200" cy="3581400"/>
+            <a:off x="1040235" y="1638300"/>
+            <a:ext cx="5055765" cy="4643478"/>
           </a:xfrm>
         </p:spPr>
         <p:txBody>
@@ -6442,7 +7133,97 @@
               <a:rPr lang="en-GB" dirty="0"/>
               <a:t> </a:t>
             </a:r>
-            <a:endParaRPr lang="pt-PT" dirty="0"/>
+          </a:p>
+          <a:p>
+            <a:pPr lvl="1"/>
+            <a:endParaRPr lang="en-GB" dirty="0"/>
+          </a:p>
+          <a:p>
+            <a:pPr lvl="1"/>
+            <a:r>
+              <a:rPr lang="en-GB" sz="1800" dirty="0"/>
+              <a:t>Neste </a:t>
+            </a:r>
+            <a:r>
+              <a:rPr lang="en-GB" sz="1800" dirty="0" err="1"/>
+              <a:t>ponto</a:t>
+            </a:r>
+            <a:r>
+              <a:rPr lang="en-GB" sz="1800" dirty="0"/>
+              <a:t> </a:t>
+            </a:r>
+            <a:r>
+              <a:rPr lang="en-GB" sz="1800" dirty="0" err="1"/>
+              <a:t>foi</a:t>
+            </a:r>
+            <a:r>
+              <a:rPr lang="en-GB" sz="1800" dirty="0"/>
+              <a:t> </a:t>
+            </a:r>
+            <a:r>
+              <a:rPr lang="en-GB" sz="1800" dirty="0" err="1"/>
+              <a:t>feita</a:t>
+            </a:r>
+            <a:r>
+              <a:rPr lang="en-GB" sz="1800" dirty="0"/>
+              <a:t> a </a:t>
+            </a:r>
+            <a:r>
+              <a:rPr lang="en-GB" sz="1800" dirty="0" err="1"/>
+              <a:t>comparação</a:t>
+            </a:r>
+            <a:r>
+              <a:rPr lang="en-GB" sz="1800" dirty="0"/>
+              <a:t> de </a:t>
+            </a:r>
+            <a:r>
+              <a:rPr lang="en-GB" sz="1800" dirty="0" err="1"/>
+              <a:t>algumas</a:t>
+            </a:r>
+            <a:r>
+              <a:rPr lang="en-GB" sz="1800" dirty="0"/>
+              <a:t> </a:t>
+            </a:r>
+            <a:r>
+              <a:rPr lang="en-GB" sz="1800" dirty="0" err="1"/>
+              <a:t>aplicações</a:t>
+            </a:r>
+            <a:r>
+              <a:rPr lang="en-GB" sz="1800" dirty="0"/>
+              <a:t> ( “Presto”, “</a:t>
+            </a:r>
+            <a:r>
+              <a:rPr lang="en-GB" sz="1800" dirty="0" err="1"/>
+              <a:t>Arquimedes</a:t>
+            </a:r>
+            <a:r>
+              <a:rPr lang="en-GB" sz="1800" dirty="0"/>
+              <a:t>”, “</a:t>
+            </a:r>
+            <a:r>
+              <a:rPr lang="en-GB" sz="1800" dirty="0" err="1"/>
+              <a:t>Veja</a:t>
+            </a:r>
+            <a:r>
+              <a:rPr lang="en-GB" sz="1800" dirty="0"/>
+              <a:t> </a:t>
+            </a:r>
+            <a:r>
+              <a:rPr lang="en-GB" sz="1800" dirty="0" err="1"/>
+              <a:t>Obra</a:t>
+            </a:r>
+            <a:r>
+              <a:rPr lang="en-GB" sz="1800" dirty="0"/>
+              <a:t>”) .</a:t>
+            </a:r>
+          </a:p>
+          <a:p>
+            <a:pPr lvl="1"/>
+            <a:endParaRPr lang="en-GB" dirty="0"/>
+          </a:p>
+          <a:p>
+            <a:pPr lvl="1"/>
+            <a:endParaRPr lang="pt-PT" sz="1600" dirty="0"/>
           </a:p>
         </p:txBody>
       </p:sp>
@@ -6474,7 +7255,7 @@
         </p:blipFill>
         <p:spPr>
           <a:xfrm>
-            <a:off x="4664279" y="1753478"/>
+            <a:off x="6172200" y="1638300"/>
             <a:ext cx="5575692" cy="4643478"/>
           </a:xfrm>
           <a:prstGeom prst="rect">
@@ -6561,7 +7342,12 @@
             <p:ph idx="1"/>
           </p:nvPr>
         </p:nvSpPr>
-        <p:spPr/>
+        <p:spPr>
+          <a:xfrm>
+            <a:off x="1461984" y="1698770"/>
+            <a:ext cx="9601200" cy="3581400"/>
+          </a:xfrm>
+        </p:spPr>
         <p:txBody>
           <a:bodyPr/>
           <a:lstStyle/>
@@ -6578,6 +7364,36 @@
           </a:p>
         </p:txBody>
       </p:sp>
+      <p:pic>
+        <p:nvPicPr>
+          <p:cNvPr id="5" name="Picture 4">
+            <a:extLst>
+              <a:ext uri="{FF2B5EF4-FFF2-40B4-BE49-F238E27FC236}">
+                <a16:creationId xmlns:a16="http://schemas.microsoft.com/office/drawing/2014/main" id="{E057BB5D-C73C-46FB-BE3E-1F811D69F1A1}"/>
+              </a:ext>
+            </a:extLst>
+          </p:cNvPr>
+          <p:cNvPicPr>
+            <a:picLocks noChangeAspect="1"/>
+          </p:cNvPicPr>
+          <p:nvPr/>
+        </p:nvPicPr>
+        <p:blipFill>
+          <a:blip r:embed="rId2"/>
+          <a:stretch>
+            <a:fillRect/>
+          </a:stretch>
+        </p:blipFill>
+        <p:spPr>
+          <a:xfrm>
+            <a:off x="3324686" y="2340292"/>
+            <a:ext cx="6612792" cy="3708169"/>
+          </a:xfrm>
+          <a:prstGeom prst="rect">
+            <a:avLst/>
+          </a:prstGeom>
+        </p:spPr>
+      </p:pic>
     </p:spTree>
     <p:extLst>
       <p:ext uri="{BB962C8B-B14F-4D97-AF65-F5344CB8AC3E}">

--- a/doc/Metodologias de Desenvolvimento de Software.pptx
+++ b/doc/Metodologias de Desenvolvimento de Software.pptx
@@ -7,17 +7,16 @@
   <p:sldIdLst>
     <p:sldId id="256" r:id="rId2"/>
     <p:sldId id="257" r:id="rId3"/>
-    <p:sldId id="258" r:id="rId4"/>
-    <p:sldId id="259" r:id="rId5"/>
-    <p:sldId id="260" r:id="rId6"/>
-    <p:sldId id="261" r:id="rId7"/>
-    <p:sldId id="262" r:id="rId8"/>
-    <p:sldId id="263" r:id="rId9"/>
-    <p:sldId id="267" r:id="rId10"/>
-    <p:sldId id="264" r:id="rId11"/>
-    <p:sldId id="265" r:id="rId12"/>
-    <p:sldId id="266" r:id="rId13"/>
-    <p:sldId id="268" r:id="rId14"/>
+    <p:sldId id="261" r:id="rId4"/>
+    <p:sldId id="262" r:id="rId5"/>
+    <p:sldId id="263" r:id="rId6"/>
+    <p:sldId id="260" r:id="rId7"/>
+    <p:sldId id="259" r:id="rId8"/>
+    <p:sldId id="264" r:id="rId9"/>
+    <p:sldId id="265" r:id="rId10"/>
+    <p:sldId id="266" r:id="rId11"/>
+    <p:sldId id="269" r:id="rId12"/>
+    <p:sldId id="258" r:id="rId13"/>
   </p:sldIdLst>
   <p:sldSz cx="12192000" cy="6858000"/>
   <p:notesSz cx="6858000" cy="9144000"/>
@@ -4542,6 +4541,2243 @@
           <p:cNvPr id="2" name="Título 1">
             <a:extLst>
               <a:ext uri="{FF2B5EF4-FFF2-40B4-BE49-F238E27FC236}">
+                <a16:creationId xmlns:a16="http://schemas.microsoft.com/office/drawing/2014/main" id="{1791ACBF-6B18-024E-C143-08F8B6D7A1EA}"/>
+              </a:ext>
+            </a:extLst>
+          </p:cNvPr>
+          <p:cNvSpPr>
+            <a:spLocks noGrp="1"/>
+          </p:cNvSpPr>
+          <p:nvPr>
+            <p:ph type="title"/>
+          </p:nvPr>
+        </p:nvSpPr>
+        <p:spPr/>
+        <p:txBody>
+          <a:bodyPr/>
+          <a:lstStyle/>
+          <a:p>
+            <a:pPr algn="ctr"/>
+            <a:r>
+              <a:rPr lang="en-GB" dirty="0"/>
+              <a:t>PROJETO DA</a:t>
+            </a:r>
+            <a:br>
+              <a:rPr lang="en-GB" dirty="0"/>
+            </a:br>
+            <a:endParaRPr lang="pt-PT" dirty="0"/>
+          </a:p>
+        </p:txBody>
+      </p:sp>
+      <p:sp>
+        <p:nvSpPr>
+          <p:cNvPr id="3" name="Marcador de Posição de Conteúdo 2">
+            <a:extLst>
+              <a:ext uri="{FF2B5EF4-FFF2-40B4-BE49-F238E27FC236}">
+                <a16:creationId xmlns:a16="http://schemas.microsoft.com/office/drawing/2014/main" id="{7183B626-8539-44F3-688F-B89AABE8E1F6}"/>
+              </a:ext>
+            </a:extLst>
+          </p:cNvPr>
+          <p:cNvSpPr>
+            <a:spLocks noGrp="1"/>
+          </p:cNvSpPr>
+          <p:nvPr>
+            <p:ph idx="1"/>
+          </p:nvPr>
+        </p:nvSpPr>
+        <p:spPr>
+          <a:xfrm>
+            <a:off x="1295400" y="1638300"/>
+            <a:ext cx="9601200" cy="3581400"/>
+          </a:xfrm>
+        </p:spPr>
+        <p:txBody>
+          <a:bodyPr/>
+          <a:lstStyle/>
+          <a:p>
+            <a:r>
+              <a:rPr lang="en-GB" dirty="0"/>
+              <a:t>Wireframes/</a:t>
+            </a:r>
+            <a:r>
+              <a:rPr lang="en-GB" dirty="0" err="1"/>
+              <a:t>Mockups</a:t>
+            </a:r>
+            <a:endParaRPr lang="pt-PT" dirty="0"/>
+          </a:p>
+        </p:txBody>
+      </p:sp>
+      <p:pic>
+        <p:nvPicPr>
+          <p:cNvPr id="4" name="Picture 3">
+            <a:extLst>
+              <a:ext uri="{FF2B5EF4-FFF2-40B4-BE49-F238E27FC236}">
+                <a16:creationId xmlns:a16="http://schemas.microsoft.com/office/drawing/2014/main" id="{0838C258-1761-447E-BE7D-53828903AF82}"/>
+              </a:ext>
+            </a:extLst>
+          </p:cNvPr>
+          <p:cNvPicPr>
+            <a:picLocks noChangeAspect="1"/>
+          </p:cNvPicPr>
+          <p:nvPr/>
+        </p:nvPicPr>
+        <p:blipFill>
+          <a:blip r:embed="rId2"/>
+          <a:stretch>
+            <a:fillRect/>
+          </a:stretch>
+        </p:blipFill>
+        <p:spPr>
+          <a:xfrm>
+            <a:off x="4730303" y="2027905"/>
+            <a:ext cx="6204397" cy="4322562"/>
+          </a:xfrm>
+          <a:prstGeom prst="rect">
+            <a:avLst/>
+          </a:prstGeom>
+        </p:spPr>
+      </p:pic>
+    </p:spTree>
+    <p:extLst>
+      <p:ext uri="{BB962C8B-B14F-4D97-AF65-F5344CB8AC3E}">
+        <p14:creationId xmlns:p14="http://schemas.microsoft.com/office/powerpoint/2010/main" val="3237357984"/>
+      </p:ext>
+    </p:extLst>
+  </p:cSld>
+  <p:clrMapOvr>
+    <a:masterClrMapping/>
+  </p:clrMapOvr>
+</p:sld>
+</file>
+
+<file path=ppt/slides/slide11.xml><?xml version="1.0" encoding="utf-8"?>
+<p:sld xmlns:a="http://schemas.openxmlformats.org/drawingml/2006/main" xmlns:r="http://schemas.openxmlformats.org/officeDocument/2006/relationships" xmlns:p="http://schemas.openxmlformats.org/presentationml/2006/main">
+  <p:cSld>
+    <p:spTree>
+      <p:nvGrpSpPr>
+        <p:cNvPr id="1" name=""/>
+        <p:cNvGrpSpPr/>
+        <p:nvPr/>
+      </p:nvGrpSpPr>
+      <p:grpSpPr>
+        <a:xfrm>
+          <a:off x="0" y="0"/>
+          <a:ext cx="0" cy="0"/>
+          <a:chOff x="0" y="0"/>
+          <a:chExt cx="0" cy="0"/>
+        </a:xfrm>
+      </p:grpSpPr>
+      <p:sp>
+        <p:nvSpPr>
+          <p:cNvPr id="2" name="Título 1">
+            <a:extLst>
+              <a:ext uri="{FF2B5EF4-FFF2-40B4-BE49-F238E27FC236}">
+                <a16:creationId xmlns:a16="http://schemas.microsoft.com/office/drawing/2014/main" id="{098647A4-3004-3EE7-4D98-293F342EB4FA}"/>
+              </a:ext>
+            </a:extLst>
+          </p:cNvPr>
+          <p:cNvSpPr>
+            <a:spLocks noGrp="1"/>
+          </p:cNvSpPr>
+          <p:nvPr>
+            <p:ph type="title"/>
+          </p:nvPr>
+        </p:nvSpPr>
+        <p:spPr/>
+        <p:txBody>
+          <a:bodyPr/>
+          <a:lstStyle/>
+          <a:p>
+            <a:r>
+              <a:rPr lang="en-GB" dirty="0"/>
+              <a:t>Scrum Team e </a:t>
+            </a:r>
+            <a:r>
+              <a:rPr lang="en-GB" dirty="0" err="1"/>
+              <a:t>Skateholders</a:t>
+            </a:r>
+            <a:endParaRPr lang="pt-PT" dirty="0"/>
+          </a:p>
+        </p:txBody>
+      </p:sp>
+      <p:sp>
+        <p:nvSpPr>
+          <p:cNvPr id="3" name="Marcador de Posição de Conteúdo 2">
+            <a:extLst>
+              <a:ext uri="{FF2B5EF4-FFF2-40B4-BE49-F238E27FC236}">
+                <a16:creationId xmlns:a16="http://schemas.microsoft.com/office/drawing/2014/main" id="{630E8A37-BFA1-FDF6-2A23-0B0F347140B9}"/>
+              </a:ext>
+            </a:extLst>
+          </p:cNvPr>
+          <p:cNvSpPr>
+            <a:spLocks noGrp="1"/>
+          </p:cNvSpPr>
+          <p:nvPr>
+            <p:ph idx="1"/>
+          </p:nvPr>
+        </p:nvSpPr>
+        <p:spPr>
+          <a:xfrm>
+            <a:off x="1640048" y="1879134"/>
+            <a:ext cx="8728745" cy="528505"/>
+          </a:xfrm>
+        </p:spPr>
+        <p:txBody>
+          <a:bodyPr>
+            <a:normAutofit/>
+          </a:bodyPr>
+          <a:lstStyle/>
+          <a:p>
+            <a:r>
+              <a:rPr lang="pt-PT" dirty="0"/>
+              <a:t>Tabela </a:t>
+            </a:r>
+            <a:r>
+              <a:rPr lang="pt-PT" dirty="0" err="1"/>
+              <a:t>Scrum</a:t>
+            </a:r>
+            <a:r>
+              <a:rPr lang="pt-PT" dirty="0"/>
+              <a:t> Team e </a:t>
+            </a:r>
+            <a:r>
+              <a:rPr lang="pt-PT" dirty="0" err="1"/>
+              <a:t>Skateholders</a:t>
+            </a:r>
+            <a:endParaRPr lang="pt-PT" dirty="0"/>
+          </a:p>
+        </p:txBody>
+      </p:sp>
+      <p:pic>
+        <p:nvPicPr>
+          <p:cNvPr id="6" name="Picture 5">
+            <a:extLst>
+              <a:ext uri="{FF2B5EF4-FFF2-40B4-BE49-F238E27FC236}">
+                <a16:creationId xmlns:a16="http://schemas.microsoft.com/office/drawing/2014/main" id="{638CB99B-B816-4218-920A-6C4C3B8150F2}"/>
+              </a:ext>
+            </a:extLst>
+          </p:cNvPr>
+          <p:cNvPicPr>
+            <a:picLocks noChangeAspect="1"/>
+          </p:cNvPicPr>
+          <p:nvPr/>
+        </p:nvPicPr>
+        <p:blipFill>
+          <a:blip r:embed="rId2">
+            <a:extLst>
+              <a:ext uri="{28A0092B-C50C-407E-A947-70E740481C1C}">
+                <a14:useLocalDpi xmlns:a14="http://schemas.microsoft.com/office/drawing/2010/main" val="0"/>
+              </a:ext>
+            </a:extLst>
+          </a:blip>
+          <a:stretch>
+            <a:fillRect/>
+          </a:stretch>
+        </p:blipFill>
+        <p:spPr>
+          <a:xfrm>
+            <a:off x="2807428" y="2781300"/>
+            <a:ext cx="6191250" cy="3390900"/>
+          </a:xfrm>
+          <a:prstGeom prst="rect">
+            <a:avLst/>
+          </a:prstGeom>
+        </p:spPr>
+      </p:pic>
+    </p:spTree>
+    <p:extLst>
+      <p:ext uri="{BB962C8B-B14F-4D97-AF65-F5344CB8AC3E}">
+        <p14:creationId xmlns:p14="http://schemas.microsoft.com/office/powerpoint/2010/main" val="2409374222"/>
+      </p:ext>
+    </p:extLst>
+  </p:cSld>
+  <p:clrMapOvr>
+    <a:masterClrMapping/>
+  </p:clrMapOvr>
+</p:sld>
+</file>
+
+<file path=ppt/slides/slide12.xml><?xml version="1.0" encoding="utf-8"?>
+<p:sld xmlns:a="http://schemas.openxmlformats.org/drawingml/2006/main" xmlns:r="http://schemas.openxmlformats.org/officeDocument/2006/relationships" xmlns:p="http://schemas.openxmlformats.org/presentationml/2006/main">
+  <p:cSld>
+    <p:spTree>
+      <p:nvGrpSpPr>
+        <p:cNvPr id="1" name=""/>
+        <p:cNvGrpSpPr/>
+        <p:nvPr/>
+      </p:nvGrpSpPr>
+      <p:grpSpPr>
+        <a:xfrm>
+          <a:off x="0" y="0"/>
+          <a:ext cx="0" cy="0"/>
+          <a:chOff x="0" y="0"/>
+          <a:chExt cx="0" cy="0"/>
+        </a:xfrm>
+      </p:grpSpPr>
+      <p:sp>
+        <p:nvSpPr>
+          <p:cNvPr id="2" name="Título 1">
+            <a:extLst>
+              <a:ext uri="{FF2B5EF4-FFF2-40B4-BE49-F238E27FC236}">
+                <a16:creationId xmlns:a16="http://schemas.microsoft.com/office/drawing/2014/main" id="{EB9CE112-B7BA-7785-A188-03A70DA81B98}"/>
+              </a:ext>
+            </a:extLst>
+          </p:cNvPr>
+          <p:cNvSpPr>
+            <a:spLocks noGrp="1"/>
+          </p:cNvSpPr>
+          <p:nvPr>
+            <p:ph type="title"/>
+          </p:nvPr>
+        </p:nvSpPr>
+        <p:spPr/>
+        <p:txBody>
+          <a:bodyPr/>
+          <a:lstStyle/>
+          <a:p>
+            <a:pPr algn="ctr"/>
+            <a:r>
+              <a:rPr lang="en-GB" dirty="0" err="1"/>
+              <a:t>Projeto</a:t>
+            </a:r>
+            <a:r>
+              <a:rPr lang="en-GB" dirty="0"/>
+              <a:t>  de DA </a:t>
+            </a:r>
+          </a:p>
+        </p:txBody>
+      </p:sp>
+      <p:sp>
+        <p:nvSpPr>
+          <p:cNvPr id="8" name="Marcador de Posição de Conteúdo 2">
+            <a:extLst>
+              <a:ext uri="{FF2B5EF4-FFF2-40B4-BE49-F238E27FC236}">
+                <a16:creationId xmlns:a16="http://schemas.microsoft.com/office/drawing/2014/main" id="{C2DAC2E3-FC3F-E243-0E5A-86E3085435A0}"/>
+              </a:ext>
+            </a:extLst>
+          </p:cNvPr>
+          <p:cNvSpPr txBox="1">
+            <a:spLocks/>
+          </p:cNvSpPr>
+          <p:nvPr/>
+        </p:nvSpPr>
+        <p:spPr>
+          <a:xfrm>
+            <a:off x="1438712" y="1774271"/>
+            <a:ext cx="9601200" cy="3581400"/>
+          </a:xfrm>
+          <a:prstGeom prst="rect">
+            <a:avLst/>
+          </a:prstGeom>
+        </p:spPr>
+        <p:txBody>
+          <a:bodyPr vert="horz" lIns="91440" tIns="45720" rIns="91440" bIns="45720" rtlCol="0">
+            <a:normAutofit/>
+          </a:bodyPr>
+          <a:lstStyle>
+            <a:lvl1pPr marL="384048" indent="-384048" algn="l" defTabSz="914400" rtl="0" eaLnBrk="1" latinLnBrk="0" hangingPunct="1">
+              <a:lnSpc>
+                <a:spcPct val="94000"/>
+              </a:lnSpc>
+              <a:spcBef>
+                <a:spcPts val="1000"/>
+              </a:spcBef>
+              <a:spcAft>
+                <a:spcPts val="200"/>
+              </a:spcAft>
+              <a:buFont typeface="Franklin Gothic Book" panose="020B0503020102020204" pitchFamily="34" charset="0"/>
+              <a:buChar char="■"/>
+              <a:defRPr sz="2000" kern="1200" baseline="0">
+                <a:solidFill>
+                  <a:schemeClr val="tx2"/>
+                </a:solidFill>
+                <a:latin typeface="+mn-lt"/>
+                <a:ea typeface="+mn-ea"/>
+                <a:cs typeface="+mn-cs"/>
+              </a:defRPr>
+            </a:lvl1pPr>
+            <a:lvl2pPr marL="914400" indent="-384048" algn="l" defTabSz="914400" rtl="0" eaLnBrk="1" latinLnBrk="0" hangingPunct="1">
+              <a:lnSpc>
+                <a:spcPct val="94000"/>
+              </a:lnSpc>
+              <a:spcBef>
+                <a:spcPts val="500"/>
+              </a:spcBef>
+              <a:spcAft>
+                <a:spcPts val="200"/>
+              </a:spcAft>
+              <a:buFont typeface="Franklin Gothic Book" panose="020B0503020102020204" pitchFamily="34" charset="0"/>
+              <a:buChar char="–"/>
+              <a:defRPr sz="2000" i="1" kern="1200" baseline="0">
+                <a:solidFill>
+                  <a:schemeClr val="tx2"/>
+                </a:solidFill>
+                <a:latin typeface="+mn-lt"/>
+                <a:ea typeface="+mn-ea"/>
+                <a:cs typeface="+mn-cs"/>
+              </a:defRPr>
+            </a:lvl2pPr>
+            <a:lvl3pPr marL="1371600" indent="-384048" algn="l" defTabSz="914400" rtl="0" eaLnBrk="1" latinLnBrk="0" hangingPunct="1">
+              <a:lnSpc>
+                <a:spcPct val="94000"/>
+              </a:lnSpc>
+              <a:spcBef>
+                <a:spcPts val="500"/>
+              </a:spcBef>
+              <a:spcAft>
+                <a:spcPts val="200"/>
+              </a:spcAft>
+              <a:buFont typeface="Franklin Gothic Book" panose="020B0503020102020204" pitchFamily="34" charset="0"/>
+              <a:buChar char="■"/>
+              <a:defRPr sz="1800" kern="1200" baseline="0">
+                <a:solidFill>
+                  <a:schemeClr val="tx2"/>
+                </a:solidFill>
+                <a:latin typeface="+mn-lt"/>
+                <a:ea typeface="+mn-ea"/>
+                <a:cs typeface="+mn-cs"/>
+              </a:defRPr>
+            </a:lvl3pPr>
+            <a:lvl4pPr marL="1828800" indent="-384048" algn="l" defTabSz="914400" rtl="0" eaLnBrk="1" latinLnBrk="0" hangingPunct="1">
+              <a:lnSpc>
+                <a:spcPct val="94000"/>
+              </a:lnSpc>
+              <a:spcBef>
+                <a:spcPts val="500"/>
+              </a:spcBef>
+              <a:spcAft>
+                <a:spcPts val="200"/>
+              </a:spcAft>
+              <a:buFont typeface="Franklin Gothic Book" panose="020B0503020102020204" pitchFamily="34" charset="0"/>
+              <a:buChar char="–"/>
+              <a:defRPr sz="1800" i="1" kern="1200" baseline="0">
+                <a:solidFill>
+                  <a:schemeClr val="tx2"/>
+                </a:solidFill>
+                <a:latin typeface="+mn-lt"/>
+                <a:ea typeface="+mn-ea"/>
+                <a:cs typeface="+mn-cs"/>
+              </a:defRPr>
+            </a:lvl4pPr>
+            <a:lvl5pPr marL="2286000" indent="-384048" algn="l" defTabSz="914400" rtl="0" eaLnBrk="1" latinLnBrk="0" hangingPunct="1">
+              <a:lnSpc>
+                <a:spcPct val="94000"/>
+              </a:lnSpc>
+              <a:spcBef>
+                <a:spcPts val="500"/>
+              </a:spcBef>
+              <a:spcAft>
+                <a:spcPts val="200"/>
+              </a:spcAft>
+              <a:buFont typeface="Franklin Gothic Book" panose="020B0503020102020204" pitchFamily="34" charset="0"/>
+              <a:buChar char="■"/>
+              <a:defRPr sz="1600" kern="1200" baseline="0">
+                <a:solidFill>
+                  <a:schemeClr val="tx2"/>
+                </a:solidFill>
+                <a:latin typeface="+mn-lt"/>
+                <a:ea typeface="+mn-ea"/>
+                <a:cs typeface="+mn-cs"/>
+              </a:defRPr>
+            </a:lvl5pPr>
+            <a:lvl6pPr marL="2743200" indent="-384048" algn="l" defTabSz="914400" rtl="0" eaLnBrk="1" latinLnBrk="0" hangingPunct="1">
+              <a:lnSpc>
+                <a:spcPct val="94000"/>
+              </a:lnSpc>
+              <a:spcBef>
+                <a:spcPts val="500"/>
+              </a:spcBef>
+              <a:spcAft>
+                <a:spcPts val="200"/>
+              </a:spcAft>
+              <a:buFont typeface="Franklin Gothic Book" panose="020B0503020102020204" pitchFamily="34" charset="0"/>
+              <a:buChar char="–"/>
+              <a:defRPr sz="1600" i="1" kern="1200" baseline="0">
+                <a:solidFill>
+                  <a:schemeClr val="tx2"/>
+                </a:solidFill>
+                <a:latin typeface="+mn-lt"/>
+                <a:ea typeface="+mn-ea"/>
+                <a:cs typeface="+mn-cs"/>
+              </a:defRPr>
+            </a:lvl6pPr>
+            <a:lvl7pPr marL="3200400" indent="-384048" algn="l" defTabSz="914400" rtl="0" eaLnBrk="1" latinLnBrk="0" hangingPunct="1">
+              <a:lnSpc>
+                <a:spcPct val="94000"/>
+              </a:lnSpc>
+              <a:spcBef>
+                <a:spcPts val="500"/>
+              </a:spcBef>
+              <a:spcAft>
+                <a:spcPts val="200"/>
+              </a:spcAft>
+              <a:buFont typeface="Franklin Gothic Book" panose="020B0503020102020204" pitchFamily="34" charset="0"/>
+              <a:buChar char="■"/>
+              <a:defRPr sz="1400" kern="1200" baseline="0">
+                <a:solidFill>
+                  <a:schemeClr val="tx2"/>
+                </a:solidFill>
+                <a:latin typeface="+mn-lt"/>
+                <a:ea typeface="+mn-ea"/>
+                <a:cs typeface="+mn-cs"/>
+              </a:defRPr>
+            </a:lvl7pPr>
+            <a:lvl8pPr marL="3657600" indent="-384048" algn="l" defTabSz="914400" rtl="0" eaLnBrk="1" latinLnBrk="0" hangingPunct="1">
+              <a:lnSpc>
+                <a:spcPct val="94000"/>
+              </a:lnSpc>
+              <a:spcBef>
+                <a:spcPts val="500"/>
+              </a:spcBef>
+              <a:spcAft>
+                <a:spcPts val="200"/>
+              </a:spcAft>
+              <a:buFont typeface="Franklin Gothic Book" panose="020B0503020102020204" pitchFamily="34" charset="0"/>
+              <a:buChar char="–"/>
+              <a:defRPr sz="1400" i="1" kern="1200" baseline="0">
+                <a:solidFill>
+                  <a:schemeClr val="tx2"/>
+                </a:solidFill>
+                <a:latin typeface="+mn-lt"/>
+                <a:ea typeface="+mn-ea"/>
+                <a:cs typeface="+mn-cs"/>
+              </a:defRPr>
+            </a:lvl8pPr>
+            <a:lvl9pPr marL="4114800" indent="-384048" algn="l" defTabSz="914400" rtl="0" eaLnBrk="1" latinLnBrk="0" hangingPunct="1">
+              <a:lnSpc>
+                <a:spcPct val="94000"/>
+              </a:lnSpc>
+              <a:spcBef>
+                <a:spcPts val="500"/>
+              </a:spcBef>
+              <a:spcAft>
+                <a:spcPts val="200"/>
+              </a:spcAft>
+              <a:buFont typeface="Franklin Gothic Book" panose="020B0503020102020204" pitchFamily="34" charset="0"/>
+              <a:buChar char="■"/>
+              <a:defRPr sz="1400" kern="1200" baseline="0">
+                <a:solidFill>
+                  <a:schemeClr val="tx2"/>
+                </a:solidFill>
+                <a:latin typeface="+mn-lt"/>
+                <a:ea typeface="+mn-ea"/>
+                <a:cs typeface="+mn-cs"/>
+              </a:defRPr>
+            </a:lvl9pPr>
+          </a:lstStyle>
+          <a:p>
+            <a:r>
+              <a:rPr lang="en-GB" dirty="0"/>
+              <a:t>2 sprints </a:t>
+            </a:r>
+            <a:r>
+              <a:rPr lang="en-GB" dirty="0" err="1"/>
+              <a:t>completas</a:t>
+            </a:r>
+            <a:r>
+              <a:rPr lang="en-GB" dirty="0"/>
+              <a:t>				 </a:t>
+            </a:r>
+            <a:endParaRPr lang="pt-PT" dirty="0"/>
+          </a:p>
+        </p:txBody>
+      </p:sp>
+      <p:pic>
+        <p:nvPicPr>
+          <p:cNvPr id="10" name="Imagem 9">
+            <a:extLst>
+              <a:ext uri="{FF2B5EF4-FFF2-40B4-BE49-F238E27FC236}">
+                <a16:creationId xmlns:a16="http://schemas.microsoft.com/office/drawing/2014/main" id="{2DC09216-3E86-7923-A17F-8303BF750574}"/>
+              </a:ext>
+            </a:extLst>
+          </p:cNvPr>
+          <p:cNvPicPr>
+            <a:picLocks noChangeAspect="1"/>
+          </p:cNvPicPr>
+          <p:nvPr/>
+        </p:nvPicPr>
+        <p:blipFill>
+          <a:blip r:embed="rId2"/>
+          <a:stretch>
+            <a:fillRect/>
+          </a:stretch>
+        </p:blipFill>
+        <p:spPr>
+          <a:xfrm>
+            <a:off x="935418" y="2743200"/>
+            <a:ext cx="10847565" cy="3313651"/>
+          </a:xfrm>
+          <a:prstGeom prst="rect">
+            <a:avLst/>
+          </a:prstGeom>
+        </p:spPr>
+      </p:pic>
+    </p:spTree>
+    <p:extLst>
+      <p:ext uri="{BB962C8B-B14F-4D97-AF65-F5344CB8AC3E}">
+        <p14:creationId xmlns:p14="http://schemas.microsoft.com/office/powerpoint/2010/main" val="2735200188"/>
+      </p:ext>
+    </p:extLst>
+  </p:cSld>
+  <p:clrMapOvr>
+    <a:masterClrMapping/>
+  </p:clrMapOvr>
+</p:sld>
+</file>
+
+<file path=ppt/slides/slide2.xml><?xml version="1.0" encoding="utf-8"?>
+<p:sld xmlns:a="http://schemas.openxmlformats.org/drawingml/2006/main" xmlns:r="http://schemas.openxmlformats.org/officeDocument/2006/relationships" xmlns:p="http://schemas.openxmlformats.org/presentationml/2006/main">
+  <p:cSld>
+    <p:spTree>
+      <p:nvGrpSpPr>
+        <p:cNvPr id="1" name=""/>
+        <p:cNvGrpSpPr/>
+        <p:nvPr/>
+      </p:nvGrpSpPr>
+      <p:grpSpPr>
+        <a:xfrm>
+          <a:off x="0" y="0"/>
+          <a:ext cx="0" cy="0"/>
+          <a:chOff x="0" y="0"/>
+          <a:chExt cx="0" cy="0"/>
+        </a:xfrm>
+      </p:grpSpPr>
+      <p:sp>
+        <p:nvSpPr>
+          <p:cNvPr id="2" name="Título 1">
+            <a:extLst>
+              <a:ext uri="{FF2B5EF4-FFF2-40B4-BE49-F238E27FC236}">
+                <a16:creationId xmlns:a16="http://schemas.microsoft.com/office/drawing/2014/main" id="{216BF392-AE73-84B2-2B84-E1D7B53C9480}"/>
+              </a:ext>
+            </a:extLst>
+          </p:cNvPr>
+          <p:cNvSpPr>
+            <a:spLocks noGrp="1"/>
+          </p:cNvSpPr>
+          <p:nvPr>
+            <p:ph type="title"/>
+          </p:nvPr>
+        </p:nvSpPr>
+        <p:spPr/>
+        <p:txBody>
+          <a:bodyPr/>
+          <a:lstStyle/>
+          <a:p>
+            <a:pPr algn="ctr"/>
+            <a:r>
+              <a:rPr lang="en-GB" dirty="0" err="1"/>
+              <a:t>Introdução</a:t>
+            </a:r>
+            <a:endParaRPr lang="pt-PT" dirty="0"/>
+          </a:p>
+        </p:txBody>
+      </p:sp>
+      <p:sp>
+        <p:nvSpPr>
+          <p:cNvPr id="3" name="Marcador de Posição de Conteúdo 2">
+            <a:extLst>
+              <a:ext uri="{FF2B5EF4-FFF2-40B4-BE49-F238E27FC236}">
+                <a16:creationId xmlns:a16="http://schemas.microsoft.com/office/drawing/2014/main" id="{ED897CA6-F69C-9979-8297-BAE5E1C8ABC7}"/>
+              </a:ext>
+            </a:extLst>
+          </p:cNvPr>
+          <p:cNvSpPr>
+            <a:spLocks noGrp="1"/>
+          </p:cNvSpPr>
+          <p:nvPr>
+            <p:ph idx="1"/>
+          </p:nvPr>
+        </p:nvSpPr>
+        <p:spPr/>
+        <p:txBody>
+          <a:bodyPr/>
+          <a:lstStyle/>
+          <a:p>
+            <a:pPr>
+              <a:lnSpc>
+                <a:spcPct val="150000"/>
+              </a:lnSpc>
+            </a:pPr>
+            <a:r>
+              <a:rPr lang="en-GB" dirty="0"/>
+              <a:t>O </a:t>
+            </a:r>
+            <a:r>
+              <a:rPr lang="en-GB" dirty="0" err="1"/>
+              <a:t>projeto</a:t>
+            </a:r>
+            <a:r>
+              <a:rPr lang="en-GB" dirty="0"/>
+              <a:t> da </a:t>
+            </a:r>
+            <a:r>
+              <a:rPr lang="en-GB" dirty="0" err="1"/>
+              <a:t>Unidade</a:t>
+            </a:r>
+            <a:r>
+              <a:rPr lang="en-GB" dirty="0"/>
+              <a:t> Curricular </a:t>
+            </a:r>
+            <a:r>
+              <a:rPr lang="en-GB" dirty="0" err="1"/>
+              <a:t>Metodologias</a:t>
+            </a:r>
+            <a:r>
+              <a:rPr lang="en-GB" dirty="0"/>
+              <a:t> de </a:t>
+            </a:r>
+            <a:r>
+              <a:rPr lang="en-GB" dirty="0" err="1"/>
+              <a:t>Desenvilvimento</a:t>
+            </a:r>
+            <a:r>
+              <a:rPr lang="en-GB" dirty="0"/>
+              <a:t> de Software </a:t>
+            </a:r>
+            <a:r>
+              <a:rPr lang="en-GB" dirty="0" err="1"/>
+              <a:t>consiste</a:t>
+            </a:r>
+            <a:r>
+              <a:rPr lang="en-GB" dirty="0"/>
+              <a:t> </a:t>
+            </a:r>
+            <a:r>
+              <a:rPr lang="en-GB" dirty="0" err="1"/>
+              <a:t>na</a:t>
+            </a:r>
+            <a:r>
+              <a:rPr lang="en-GB" dirty="0"/>
+              <a:t> </a:t>
+            </a:r>
+            <a:r>
+              <a:rPr lang="en-GB" dirty="0" err="1"/>
+              <a:t>gestão</a:t>
+            </a:r>
+            <a:r>
+              <a:rPr lang="en-GB" dirty="0"/>
+              <a:t> dos </a:t>
+            </a:r>
+            <a:r>
+              <a:rPr lang="en-GB" dirty="0" err="1"/>
+              <a:t>projetos</a:t>
+            </a:r>
+            <a:r>
+              <a:rPr lang="en-GB" dirty="0"/>
+              <a:t> das UC’s de </a:t>
+            </a:r>
+            <a:r>
+              <a:rPr lang="en-GB" dirty="0" err="1"/>
+              <a:t>Desenvolvimento</a:t>
+            </a:r>
+            <a:r>
+              <a:rPr lang="en-GB" dirty="0"/>
+              <a:t> de </a:t>
+            </a:r>
+            <a:r>
+              <a:rPr lang="en-GB" dirty="0" err="1"/>
+              <a:t>Aplicações</a:t>
+            </a:r>
+            <a:r>
+              <a:rPr lang="en-GB" dirty="0"/>
+              <a:t> e de </a:t>
+            </a:r>
+            <a:r>
+              <a:rPr lang="en-GB" dirty="0" err="1"/>
+              <a:t>Programação</a:t>
+            </a:r>
+            <a:r>
+              <a:rPr lang="en-GB" dirty="0"/>
+              <a:t> para a WEB – </a:t>
+            </a:r>
+            <a:r>
+              <a:rPr lang="en-GB" dirty="0" err="1"/>
+              <a:t>Servidor</a:t>
+            </a:r>
+            <a:r>
+              <a:rPr lang="en-GB" dirty="0"/>
+              <a:t> </a:t>
+            </a:r>
+            <a:r>
+              <a:rPr lang="en-GB" dirty="0" err="1"/>
+              <a:t>através</a:t>
+            </a:r>
+            <a:r>
+              <a:rPr lang="en-GB" dirty="0"/>
+              <a:t> de </a:t>
+            </a:r>
+            <a:r>
+              <a:rPr lang="en-GB" dirty="0" err="1"/>
+              <a:t>Metodologias</a:t>
+            </a:r>
+            <a:r>
+              <a:rPr lang="en-GB" dirty="0"/>
+              <a:t> de </a:t>
+            </a:r>
+            <a:r>
+              <a:rPr lang="en-GB" dirty="0" err="1"/>
+              <a:t>Desenvolvimento</a:t>
+            </a:r>
+            <a:r>
+              <a:rPr lang="en-GB" dirty="0"/>
+              <a:t> </a:t>
+            </a:r>
+            <a:r>
+              <a:rPr lang="en-GB" dirty="0" err="1"/>
+              <a:t>Ágies</a:t>
+            </a:r>
+            <a:r>
+              <a:rPr lang="en-GB" dirty="0"/>
+              <a:t> e a </a:t>
+            </a:r>
+            <a:r>
+              <a:rPr lang="en-GB" dirty="0" err="1"/>
+              <a:t>Metodologia</a:t>
+            </a:r>
+            <a:r>
+              <a:rPr lang="en-GB" dirty="0"/>
+              <a:t> de SCRUM.</a:t>
+            </a:r>
+          </a:p>
+          <a:p>
+            <a:endParaRPr lang="en-GB" dirty="0"/>
+          </a:p>
+        </p:txBody>
+      </p:sp>
+    </p:spTree>
+    <p:extLst>
+      <p:ext uri="{BB962C8B-B14F-4D97-AF65-F5344CB8AC3E}">
+        <p14:creationId xmlns:p14="http://schemas.microsoft.com/office/powerpoint/2010/main" val="841685169"/>
+      </p:ext>
+    </p:extLst>
+  </p:cSld>
+  <p:clrMapOvr>
+    <a:masterClrMapping/>
+  </p:clrMapOvr>
+</p:sld>
+</file>
+
+<file path=ppt/slides/slide3.xml><?xml version="1.0" encoding="utf-8"?>
+<p:sld xmlns:a="http://schemas.openxmlformats.org/drawingml/2006/main" xmlns:r="http://schemas.openxmlformats.org/officeDocument/2006/relationships" xmlns:p="http://schemas.openxmlformats.org/presentationml/2006/main">
+  <p:cSld>
+    <p:spTree>
+      <p:nvGrpSpPr>
+        <p:cNvPr id="1" name=""/>
+        <p:cNvGrpSpPr/>
+        <p:nvPr/>
+      </p:nvGrpSpPr>
+      <p:grpSpPr>
+        <a:xfrm>
+          <a:off x="0" y="0"/>
+          <a:ext cx="0" cy="0"/>
+          <a:chOff x="0" y="0"/>
+          <a:chExt cx="0" cy="0"/>
+        </a:xfrm>
+      </p:grpSpPr>
+      <p:sp>
+        <p:nvSpPr>
+          <p:cNvPr id="2" name="Título 1">
+            <a:extLst>
+              <a:ext uri="{FF2B5EF4-FFF2-40B4-BE49-F238E27FC236}">
+                <a16:creationId xmlns:a16="http://schemas.microsoft.com/office/drawing/2014/main" id="{703175C8-970F-1EE6-2F94-39E01CB4C523}"/>
+              </a:ext>
+            </a:extLst>
+          </p:cNvPr>
+          <p:cNvSpPr>
+            <a:spLocks noGrp="1"/>
+          </p:cNvSpPr>
+          <p:nvPr>
+            <p:ph type="title"/>
+          </p:nvPr>
+        </p:nvSpPr>
+        <p:spPr/>
+        <p:txBody>
+          <a:bodyPr/>
+          <a:lstStyle/>
+          <a:p>
+            <a:pPr algn="ctr"/>
+            <a:r>
+              <a:rPr lang="en-GB" dirty="0"/>
+              <a:t>PROJETO PWC</a:t>
+            </a:r>
+            <a:br>
+              <a:rPr lang="en-GB" dirty="0"/>
+            </a:br>
+            <a:endParaRPr lang="pt-PT" dirty="0"/>
+          </a:p>
+        </p:txBody>
+      </p:sp>
+      <p:sp>
+        <p:nvSpPr>
+          <p:cNvPr id="3" name="Marcador de Posição de Conteúdo 2">
+            <a:extLst>
+              <a:ext uri="{FF2B5EF4-FFF2-40B4-BE49-F238E27FC236}">
+                <a16:creationId xmlns:a16="http://schemas.microsoft.com/office/drawing/2014/main" id="{BA0557DE-1E1F-E9C3-CFBE-26065398241C}"/>
+              </a:ext>
+            </a:extLst>
+          </p:cNvPr>
+          <p:cNvSpPr>
+            <a:spLocks noGrp="1"/>
+          </p:cNvSpPr>
+          <p:nvPr>
+            <p:ph idx="1"/>
+          </p:nvPr>
+        </p:nvSpPr>
+        <p:spPr>
+          <a:xfrm>
+            <a:off x="1371600" y="1812021"/>
+            <a:ext cx="9601200" cy="4446165"/>
+          </a:xfrm>
+        </p:spPr>
+        <p:txBody>
+          <a:bodyPr/>
+          <a:lstStyle/>
+          <a:p>
+            <a:r>
+              <a:rPr lang="en-GB" b="1" dirty="0" err="1"/>
+              <a:t>Lógica</a:t>
+            </a:r>
+            <a:r>
+              <a:rPr lang="en-GB" b="1" dirty="0"/>
+              <a:t> de </a:t>
+            </a:r>
+            <a:r>
+              <a:rPr lang="en-GB" b="1" dirty="0" err="1"/>
+              <a:t>negócio</a:t>
+            </a:r>
+            <a:endParaRPr lang="en-GB" b="1" dirty="0"/>
+          </a:p>
+          <a:p>
+            <a:pPr lvl="1"/>
+            <a:r>
+              <a:rPr lang="en-GB" sz="1800" i="0" dirty="0"/>
+              <a:t>A </a:t>
+            </a:r>
+            <a:r>
+              <a:rPr lang="en-GB" sz="1800" i="0" dirty="0" err="1"/>
+              <a:t>aplicação</a:t>
+            </a:r>
+            <a:r>
+              <a:rPr lang="en-GB" sz="1800" i="0" dirty="0"/>
+              <a:t> a </a:t>
+            </a:r>
+            <a:r>
+              <a:rPr lang="en-GB" sz="1800" i="0" dirty="0" err="1"/>
+              <a:t>desenvolver</a:t>
+            </a:r>
+            <a:r>
+              <a:rPr lang="en-GB" sz="1800" i="0" dirty="0"/>
+              <a:t> </a:t>
+            </a:r>
+            <a:r>
+              <a:rPr lang="en-GB" sz="1800" i="0" dirty="0" err="1"/>
+              <a:t>deve</a:t>
+            </a:r>
+            <a:r>
+              <a:rPr lang="en-GB" sz="1800" i="0" dirty="0"/>
+              <a:t> </a:t>
+            </a:r>
+            <a:r>
+              <a:rPr lang="en-GB" sz="1800" i="0" dirty="0" err="1"/>
+              <a:t>fornecer</a:t>
+            </a:r>
+            <a:r>
+              <a:rPr lang="en-GB" sz="1800" i="0" dirty="0"/>
+              <a:t> </a:t>
+            </a:r>
+            <a:r>
+              <a:rPr lang="en-GB" sz="1800" i="0" dirty="0" err="1"/>
+              <a:t>meios</a:t>
+            </a:r>
+            <a:r>
+              <a:rPr lang="en-GB" sz="1800" i="0" dirty="0"/>
+              <a:t> para </a:t>
+            </a:r>
+            <a:r>
+              <a:rPr lang="en-GB" sz="1800" i="0" dirty="0" err="1"/>
+              <a:t>criar</a:t>
+            </a:r>
+            <a:r>
+              <a:rPr lang="en-GB" sz="1800" i="0" dirty="0"/>
+              <a:t> </a:t>
+            </a:r>
+            <a:r>
+              <a:rPr lang="en-GB" sz="1800" i="0" dirty="0" err="1"/>
+              <a:t>folhas</a:t>
+            </a:r>
+            <a:r>
+              <a:rPr lang="en-GB" sz="1800" i="0" dirty="0"/>
+              <a:t> de </a:t>
+            </a:r>
+            <a:r>
+              <a:rPr lang="en-GB" sz="1800" i="0" dirty="0" err="1"/>
+              <a:t>obra</a:t>
+            </a:r>
+            <a:r>
+              <a:rPr lang="en-GB" sz="1800" i="0" dirty="0"/>
+              <a:t>.</a:t>
+            </a:r>
+          </a:p>
+          <a:p>
+            <a:pPr lvl="2"/>
+            <a:r>
+              <a:rPr lang="en-GB" sz="1400" dirty="0" err="1"/>
+              <a:t>Adicionar</a:t>
+            </a:r>
+            <a:r>
+              <a:rPr lang="en-GB" sz="1400" dirty="0"/>
+              <a:t> </a:t>
+            </a:r>
+            <a:r>
+              <a:rPr lang="en-GB" sz="1400" dirty="0" err="1"/>
+              <a:t>funcionários</a:t>
+            </a:r>
+            <a:r>
+              <a:rPr lang="en-GB" sz="1400" dirty="0"/>
+              <a:t>;</a:t>
+            </a:r>
+          </a:p>
+          <a:p>
+            <a:pPr lvl="2"/>
+            <a:r>
+              <a:rPr lang="en-GB" sz="1400" dirty="0" err="1"/>
+              <a:t>Especificação</a:t>
+            </a:r>
+            <a:r>
+              <a:rPr lang="en-GB" sz="1400" dirty="0"/>
+              <a:t> de </a:t>
+            </a:r>
+            <a:r>
+              <a:rPr lang="en-GB" sz="1400" dirty="0" err="1"/>
+              <a:t>atividades</a:t>
+            </a:r>
+            <a:r>
+              <a:rPr lang="en-GB" sz="1400" dirty="0"/>
+              <a:t>;</a:t>
+            </a:r>
+          </a:p>
+          <a:p>
+            <a:pPr lvl="2"/>
+            <a:r>
+              <a:rPr lang="en-GB" sz="1400" dirty="0" err="1"/>
+              <a:t>Tarefas</a:t>
+            </a:r>
+            <a:r>
+              <a:rPr lang="en-GB" sz="1400" dirty="0"/>
+              <a:t> </a:t>
+            </a:r>
+            <a:r>
+              <a:rPr lang="en-GB" sz="1400" dirty="0" err="1"/>
+              <a:t>executadas</a:t>
+            </a:r>
+            <a:r>
+              <a:rPr lang="en-GB" sz="1400" dirty="0"/>
+              <a:t> (data, </a:t>
+            </a:r>
+            <a:r>
+              <a:rPr lang="en-GB" sz="1400" dirty="0" err="1"/>
+              <a:t>descrição</a:t>
+            </a:r>
+            <a:r>
+              <a:rPr lang="en-GB" sz="1400" dirty="0"/>
+              <a:t> hora);</a:t>
+            </a:r>
+          </a:p>
+          <a:p>
+            <a:pPr lvl="2"/>
+            <a:r>
+              <a:rPr lang="en-GB" sz="1400" dirty="0" err="1"/>
+              <a:t>Visualização</a:t>
+            </a:r>
+            <a:r>
+              <a:rPr lang="en-GB" sz="1400" dirty="0"/>
+              <a:t>, </a:t>
+            </a:r>
+            <a:r>
+              <a:rPr lang="en-GB" sz="1400" dirty="0" err="1"/>
+              <a:t>edição</a:t>
+            </a:r>
+            <a:r>
+              <a:rPr lang="en-GB" sz="1400" dirty="0"/>
+              <a:t> e </a:t>
+            </a:r>
+            <a:r>
+              <a:rPr lang="en-GB" sz="1400" dirty="0" err="1"/>
+              <a:t>exclusão</a:t>
+            </a:r>
+            <a:r>
+              <a:rPr lang="en-GB" sz="1400" dirty="0"/>
+              <a:t> de </a:t>
+            </a:r>
+            <a:r>
+              <a:rPr lang="en-GB" sz="1400" dirty="0" err="1"/>
+              <a:t>folhas</a:t>
+            </a:r>
+            <a:r>
+              <a:rPr lang="en-GB" sz="1400" dirty="0"/>
+              <a:t> de </a:t>
+            </a:r>
+            <a:r>
+              <a:rPr lang="en-GB" sz="1400" dirty="0" err="1"/>
+              <a:t>obra</a:t>
+            </a:r>
+            <a:r>
+              <a:rPr lang="en-GB" sz="1400" dirty="0"/>
+              <a:t> e a </a:t>
+            </a:r>
+            <a:r>
+              <a:rPr lang="en-GB" sz="1400" dirty="0" err="1"/>
+              <a:t>sua</a:t>
+            </a:r>
+            <a:r>
+              <a:rPr lang="en-GB" sz="1400" dirty="0"/>
+              <a:t> </a:t>
+            </a:r>
+            <a:r>
+              <a:rPr lang="en-GB" sz="1400" dirty="0" err="1"/>
+              <a:t>organização</a:t>
+            </a:r>
+            <a:r>
+              <a:rPr lang="en-GB" sz="1400" dirty="0"/>
+              <a:t>,</a:t>
+            </a:r>
+          </a:p>
+          <a:p>
+            <a:pPr lvl="2"/>
+            <a:r>
+              <a:rPr lang="en-GB" sz="1400" dirty="0" err="1"/>
+              <a:t>Utilizadores</a:t>
+            </a:r>
+            <a:r>
+              <a:rPr lang="en-GB" sz="1400" dirty="0"/>
+              <a:t> </a:t>
+            </a:r>
+            <a:r>
+              <a:rPr lang="en-GB" sz="1400" dirty="0" err="1"/>
+              <a:t>autorizados</a:t>
+            </a:r>
+            <a:r>
+              <a:rPr lang="en-GB" sz="1400" dirty="0"/>
+              <a:t> </a:t>
+            </a:r>
+            <a:r>
+              <a:rPr lang="en-GB" sz="1400" dirty="0" err="1"/>
+              <a:t>tenham</a:t>
+            </a:r>
+            <a:r>
+              <a:rPr lang="en-GB" sz="1400" dirty="0"/>
+              <a:t> </a:t>
+            </a:r>
+            <a:r>
+              <a:rPr lang="en-GB" sz="1400" dirty="0" err="1"/>
+              <a:t>acesso</a:t>
+            </a:r>
+            <a:r>
+              <a:rPr lang="en-GB" sz="1400" dirty="0"/>
+              <a:t> </a:t>
+            </a:r>
+            <a:r>
+              <a:rPr lang="en-GB" sz="1400" dirty="0" err="1"/>
+              <a:t>aplicação</a:t>
+            </a:r>
+            <a:r>
+              <a:rPr lang="en-GB" sz="1400" dirty="0"/>
+              <a:t>.</a:t>
+            </a:r>
+          </a:p>
+          <a:p>
+            <a:pPr lvl="2"/>
+            <a:endParaRPr lang="en-GB" sz="1600" dirty="0"/>
+          </a:p>
+          <a:p>
+            <a:r>
+              <a:rPr lang="en-GB" b="1" dirty="0" err="1"/>
+              <a:t>Análise</a:t>
+            </a:r>
+            <a:r>
+              <a:rPr lang="en-GB" b="1" dirty="0"/>
+              <a:t> de </a:t>
+            </a:r>
+            <a:r>
+              <a:rPr lang="en-GB" b="1" dirty="0" err="1"/>
+              <a:t>Impacto</a:t>
+            </a:r>
+            <a:endParaRPr lang="en-GB" b="1" dirty="0"/>
+          </a:p>
+          <a:p>
+            <a:pPr lvl="1"/>
+            <a:r>
+              <a:rPr lang="en-GB" sz="1800" i="0" dirty="0" err="1"/>
+              <a:t>Concorrência</a:t>
+            </a:r>
+            <a:r>
+              <a:rPr lang="en-GB" sz="1800" i="0" dirty="0"/>
+              <a:t>, </a:t>
+            </a:r>
+            <a:r>
+              <a:rPr lang="en-GB" sz="1800" i="0" dirty="0" err="1"/>
+              <a:t>impacto</a:t>
+            </a:r>
+            <a:r>
+              <a:rPr lang="en-GB" sz="1800" i="0" dirty="0"/>
+              <a:t> </a:t>
+            </a:r>
+            <a:r>
+              <a:rPr lang="en-GB" sz="1800" i="0" dirty="0" err="1"/>
+              <a:t>positivo</a:t>
+            </a:r>
+            <a:r>
+              <a:rPr lang="en-GB" sz="1800" i="0" dirty="0"/>
+              <a:t> </a:t>
+            </a:r>
+            <a:r>
+              <a:rPr lang="en-GB" sz="1800" i="0" dirty="0" err="1"/>
+              <a:t>na</a:t>
+            </a:r>
+            <a:r>
+              <a:rPr lang="en-GB" sz="1800" i="0" dirty="0"/>
+              <a:t> </a:t>
+            </a:r>
+            <a:r>
+              <a:rPr lang="en-GB" sz="1800" i="0" dirty="0" err="1"/>
+              <a:t>sua</a:t>
+            </a:r>
+            <a:r>
+              <a:rPr lang="en-GB" sz="1800" i="0" dirty="0"/>
+              <a:t> </a:t>
+            </a:r>
+            <a:r>
+              <a:rPr lang="en-GB" sz="1800" i="0" dirty="0" err="1"/>
+              <a:t>simplicidade</a:t>
+            </a:r>
+            <a:r>
+              <a:rPr lang="en-GB" sz="1800" i="0" dirty="0"/>
+              <a:t>.</a:t>
+            </a:r>
+          </a:p>
+          <a:p>
+            <a:pPr lvl="1"/>
+            <a:endParaRPr lang="pt-PT" b="1" dirty="0"/>
+          </a:p>
+        </p:txBody>
+      </p:sp>
+    </p:spTree>
+    <p:extLst>
+      <p:ext uri="{BB962C8B-B14F-4D97-AF65-F5344CB8AC3E}">
+        <p14:creationId xmlns:p14="http://schemas.microsoft.com/office/powerpoint/2010/main" val="3089446972"/>
+      </p:ext>
+    </p:extLst>
+  </p:cSld>
+  <p:clrMapOvr>
+    <a:masterClrMapping/>
+  </p:clrMapOvr>
+  <mc:AlternateContent xmlns:mc="http://schemas.openxmlformats.org/markup-compatibility/2006" xmlns:p14="http://schemas.microsoft.com/office/powerpoint/2010/main">
+    <mc:Choice Requires="p14">
+      <p:transition spd="slow" p14:dur="3400">
+        <p14:reveal/>
+      </p:transition>
+    </mc:Choice>
+    <mc:Fallback xmlns="">
+      <p:transition spd="slow">
+        <p:fade/>
+      </p:transition>
+    </mc:Fallback>
+  </mc:AlternateContent>
+  <p:timing>
+    <p:tnLst>
+      <p:par>
+        <p:cTn id="1" dur="indefinite" restart="never" nodeType="tmRoot">
+          <p:childTnLst>
+            <p:seq concurrent="1" nextAc="seek">
+              <p:cTn id="2" dur="indefinite" nodeType="mainSeq">
+                <p:childTnLst>
+                  <p:par>
+                    <p:cTn id="3" fill="hold">
+                      <p:stCondLst>
+                        <p:cond delay="indefinite"/>
+                      </p:stCondLst>
+                      <p:childTnLst>
+                        <p:par>
+                          <p:cTn id="4" fill="hold">
+                            <p:stCondLst>
+                              <p:cond delay="0"/>
+                            </p:stCondLst>
+                            <p:childTnLst>
+                              <p:par>
+                                <p:cTn id="5" presetID="1" presetClass="entr" presetSubtype="0" fill="hold" nodeType="clickEffect">
+                                  <p:stCondLst>
+                                    <p:cond delay="0"/>
+                                  </p:stCondLst>
+                                  <p:childTnLst>
+                                    <p:set>
+                                      <p:cBhvr>
+                                        <p:cTn id="6" dur="1" fill="hold">
+                                          <p:stCondLst>
+                                            <p:cond delay="0"/>
+                                          </p:stCondLst>
+                                        </p:cTn>
+                                        <p:tgtEl>
+                                          <p:spTgt spid="3">
+                                            <p:txEl>
+                                              <p:pRg st="8" end="8"/>
+                                            </p:txEl>
+                                          </p:spTgt>
+                                        </p:tgtEl>
+                                        <p:attrNameLst>
+                                          <p:attrName>style.visibility</p:attrName>
+                                        </p:attrNameLst>
+                                      </p:cBhvr>
+                                      <p:to>
+                                        <p:strVal val="visible"/>
+                                      </p:to>
+                                    </p:set>
+                                  </p:childTnLst>
+                                </p:cTn>
+                              </p:par>
+                            </p:childTnLst>
+                          </p:cTn>
+                        </p:par>
+                      </p:childTnLst>
+                    </p:cTn>
+                  </p:par>
+                  <p:par>
+                    <p:cTn id="7" fill="hold">
+                      <p:stCondLst>
+                        <p:cond delay="indefinite"/>
+                      </p:stCondLst>
+                      <p:childTnLst>
+                        <p:par>
+                          <p:cTn id="8" fill="hold">
+                            <p:stCondLst>
+                              <p:cond delay="0"/>
+                            </p:stCondLst>
+                            <p:childTnLst>
+                              <p:par>
+                                <p:cTn id="9" presetID="1" presetClass="entr" presetSubtype="0" fill="hold" nodeType="clickEffect">
+                                  <p:stCondLst>
+                                    <p:cond delay="0"/>
+                                  </p:stCondLst>
+                                  <p:childTnLst>
+                                    <p:set>
+                                      <p:cBhvr>
+                                        <p:cTn id="10" dur="1" fill="hold">
+                                          <p:stCondLst>
+                                            <p:cond delay="0"/>
+                                          </p:stCondLst>
+                                        </p:cTn>
+                                        <p:tgtEl>
+                                          <p:spTgt spid="3">
+                                            <p:txEl>
+                                              <p:pRg st="9" end="9"/>
+                                            </p:txEl>
+                                          </p:spTgt>
+                                        </p:tgtEl>
+                                        <p:attrNameLst>
+                                          <p:attrName>style.visibility</p:attrName>
+                                        </p:attrNameLst>
+                                      </p:cBhvr>
+                                      <p:to>
+                                        <p:strVal val="visible"/>
+                                      </p:to>
+                                    </p:set>
+                                  </p:childTnLst>
+                                </p:cTn>
+                              </p:par>
+                            </p:childTnLst>
+                          </p:cTn>
+                        </p:par>
+                      </p:childTnLst>
+                    </p:cTn>
+                  </p:par>
+                </p:childTnLst>
+              </p:cTn>
+              <p:prevCondLst>
+                <p:cond evt="onPrev" delay="0">
+                  <p:tgtEl>
+                    <p:sldTgt/>
+                  </p:tgtEl>
+                </p:cond>
+              </p:prevCondLst>
+              <p:nextCondLst>
+                <p:cond evt="onNext" delay="0">
+                  <p:tgtEl>
+                    <p:sldTgt/>
+                  </p:tgtEl>
+                </p:cond>
+              </p:nextCondLst>
+            </p:seq>
+          </p:childTnLst>
+        </p:cTn>
+      </p:par>
+    </p:tnLst>
+  </p:timing>
+</p:sld>
+</file>
+
+<file path=ppt/slides/slide4.xml><?xml version="1.0" encoding="utf-8"?>
+<p:sld xmlns:a="http://schemas.openxmlformats.org/drawingml/2006/main" xmlns:r="http://schemas.openxmlformats.org/officeDocument/2006/relationships" xmlns:p="http://schemas.openxmlformats.org/presentationml/2006/main">
+  <p:cSld>
+    <p:spTree>
+      <p:nvGrpSpPr>
+        <p:cNvPr id="1" name=""/>
+        <p:cNvGrpSpPr/>
+        <p:nvPr/>
+      </p:nvGrpSpPr>
+      <p:grpSpPr>
+        <a:xfrm>
+          <a:off x="0" y="0"/>
+          <a:ext cx="0" cy="0"/>
+          <a:chOff x="0" y="0"/>
+          <a:chExt cx="0" cy="0"/>
+        </a:xfrm>
+      </p:grpSpPr>
+      <p:sp>
+        <p:nvSpPr>
+          <p:cNvPr id="2" name="Título 1">
+            <a:extLst>
+              <a:ext uri="{FF2B5EF4-FFF2-40B4-BE49-F238E27FC236}">
+                <a16:creationId xmlns:a16="http://schemas.microsoft.com/office/drawing/2014/main" id="{1791ACBF-6B18-024E-C143-08F8B6D7A1EA}"/>
+              </a:ext>
+            </a:extLst>
+          </p:cNvPr>
+          <p:cNvSpPr>
+            <a:spLocks noGrp="1"/>
+          </p:cNvSpPr>
+          <p:nvPr>
+            <p:ph type="title"/>
+          </p:nvPr>
+        </p:nvSpPr>
+        <p:spPr/>
+        <p:txBody>
+          <a:bodyPr/>
+          <a:lstStyle/>
+          <a:p>
+            <a:pPr algn="ctr"/>
+            <a:r>
+              <a:rPr lang="en-GB" dirty="0"/>
+              <a:t>PROJETO PWC</a:t>
+            </a:r>
+            <a:br>
+              <a:rPr lang="en-GB" dirty="0"/>
+            </a:br>
+            <a:endParaRPr lang="pt-PT" dirty="0"/>
+          </a:p>
+        </p:txBody>
+      </p:sp>
+      <p:sp>
+        <p:nvSpPr>
+          <p:cNvPr id="3" name="Marcador de Posição de Conteúdo 2">
+            <a:extLst>
+              <a:ext uri="{FF2B5EF4-FFF2-40B4-BE49-F238E27FC236}">
+                <a16:creationId xmlns:a16="http://schemas.microsoft.com/office/drawing/2014/main" id="{7183B626-8539-44F3-688F-B89AABE8E1F6}"/>
+              </a:ext>
+            </a:extLst>
+          </p:cNvPr>
+          <p:cNvSpPr>
+            <a:spLocks noGrp="1"/>
+          </p:cNvSpPr>
+          <p:nvPr>
+            <p:ph idx="1"/>
+          </p:nvPr>
+        </p:nvSpPr>
+        <p:spPr>
+          <a:xfrm>
+            <a:off x="1040235" y="1638300"/>
+            <a:ext cx="5055765" cy="4643478"/>
+          </a:xfrm>
+        </p:spPr>
+        <p:txBody>
+          <a:bodyPr/>
+          <a:lstStyle/>
+          <a:p>
+            <a:r>
+              <a:rPr lang="en-GB" dirty="0" err="1"/>
+              <a:t>Análise</a:t>
+            </a:r>
+            <a:r>
+              <a:rPr lang="en-GB" dirty="0"/>
+              <a:t> </a:t>
+            </a:r>
+            <a:r>
+              <a:rPr lang="en-GB" dirty="0" err="1"/>
+              <a:t>concorrencial</a:t>
+            </a:r>
+            <a:r>
+              <a:rPr lang="en-GB" dirty="0"/>
+              <a:t> </a:t>
+            </a:r>
+          </a:p>
+          <a:p>
+            <a:pPr lvl="1"/>
+            <a:endParaRPr lang="en-GB" dirty="0"/>
+          </a:p>
+          <a:p>
+            <a:pPr lvl="1"/>
+            <a:r>
+              <a:rPr lang="en-GB" sz="1800" dirty="0"/>
+              <a:t>Neste </a:t>
+            </a:r>
+            <a:r>
+              <a:rPr lang="en-GB" sz="1800" dirty="0" err="1"/>
+              <a:t>ponto</a:t>
+            </a:r>
+            <a:r>
+              <a:rPr lang="en-GB" sz="1800" dirty="0"/>
+              <a:t> </a:t>
+            </a:r>
+            <a:r>
+              <a:rPr lang="en-GB" sz="1800" dirty="0" err="1"/>
+              <a:t>foi</a:t>
+            </a:r>
+            <a:r>
+              <a:rPr lang="en-GB" sz="1800" dirty="0"/>
+              <a:t> </a:t>
+            </a:r>
+            <a:r>
+              <a:rPr lang="en-GB" sz="1800" dirty="0" err="1"/>
+              <a:t>feita</a:t>
+            </a:r>
+            <a:r>
+              <a:rPr lang="en-GB" sz="1800" dirty="0"/>
+              <a:t> a </a:t>
+            </a:r>
+            <a:r>
+              <a:rPr lang="en-GB" sz="1800" dirty="0" err="1"/>
+              <a:t>comparação</a:t>
+            </a:r>
+            <a:r>
+              <a:rPr lang="en-GB" sz="1800" dirty="0"/>
+              <a:t> de </a:t>
+            </a:r>
+            <a:r>
+              <a:rPr lang="en-GB" sz="1800" dirty="0" err="1"/>
+              <a:t>algumas</a:t>
+            </a:r>
+            <a:r>
+              <a:rPr lang="en-GB" sz="1800" dirty="0"/>
+              <a:t> </a:t>
+            </a:r>
+            <a:r>
+              <a:rPr lang="en-GB" sz="1800" dirty="0" err="1"/>
+              <a:t>aplicações</a:t>
+            </a:r>
+            <a:r>
+              <a:rPr lang="en-GB" sz="1800" dirty="0"/>
+              <a:t> ( “Presto”, “</a:t>
+            </a:r>
+            <a:r>
+              <a:rPr lang="en-GB" sz="1800" dirty="0" err="1"/>
+              <a:t>Arquimedes</a:t>
+            </a:r>
+            <a:r>
+              <a:rPr lang="en-GB" sz="1800" dirty="0"/>
+              <a:t>”, “</a:t>
+            </a:r>
+            <a:r>
+              <a:rPr lang="en-GB" sz="1800" dirty="0" err="1"/>
+              <a:t>Veja</a:t>
+            </a:r>
+            <a:r>
+              <a:rPr lang="en-GB" sz="1800" dirty="0"/>
+              <a:t> </a:t>
+            </a:r>
+            <a:r>
+              <a:rPr lang="en-GB" sz="1800" dirty="0" err="1"/>
+              <a:t>Obra</a:t>
+            </a:r>
+            <a:r>
+              <a:rPr lang="en-GB" sz="1800" dirty="0"/>
+              <a:t>”) .</a:t>
+            </a:r>
+          </a:p>
+          <a:p>
+            <a:pPr lvl="1"/>
+            <a:endParaRPr lang="en-GB" dirty="0"/>
+          </a:p>
+          <a:p>
+            <a:pPr lvl="1"/>
+            <a:endParaRPr lang="pt-PT" sz="1600" dirty="0"/>
+          </a:p>
+        </p:txBody>
+      </p:sp>
+      <p:pic>
+        <p:nvPicPr>
+          <p:cNvPr id="5" name="Picture 4">
+            <a:extLst>
+              <a:ext uri="{FF2B5EF4-FFF2-40B4-BE49-F238E27FC236}">
+                <a16:creationId xmlns:a16="http://schemas.microsoft.com/office/drawing/2014/main" id="{4E4C92A8-0885-4D54-AFCC-0C09BF59205B}"/>
+              </a:ext>
+            </a:extLst>
+          </p:cNvPr>
+          <p:cNvPicPr>
+            <a:picLocks noChangeAspect="1"/>
+          </p:cNvPicPr>
+          <p:nvPr/>
+        </p:nvPicPr>
+        <p:blipFill>
+          <a:blip r:embed="rId2">
+            <a:extLst>
+              <a:ext uri="{28A0092B-C50C-407E-A947-70E740481C1C}">
+                <a14:useLocalDpi xmlns:a14="http://schemas.microsoft.com/office/drawing/2010/main" val="0"/>
+              </a:ext>
+            </a:extLst>
+          </a:blip>
+          <a:stretch>
+            <a:fillRect/>
+          </a:stretch>
+        </p:blipFill>
+        <p:spPr>
+          <a:xfrm>
+            <a:off x="6172200" y="1638300"/>
+            <a:ext cx="5575692" cy="4643478"/>
+          </a:xfrm>
+          <a:prstGeom prst="rect">
+            <a:avLst/>
+          </a:prstGeom>
+        </p:spPr>
+      </p:pic>
+    </p:spTree>
+    <p:extLst>
+      <p:ext uri="{BB962C8B-B14F-4D97-AF65-F5344CB8AC3E}">
+        <p14:creationId xmlns:p14="http://schemas.microsoft.com/office/powerpoint/2010/main" val="1887540695"/>
+      </p:ext>
+    </p:extLst>
+  </p:cSld>
+  <p:clrMapOvr>
+    <a:masterClrMapping/>
+  </p:clrMapOvr>
+</p:sld>
+</file>
+
+<file path=ppt/slides/slide5.xml><?xml version="1.0" encoding="utf-8"?>
+<p:sld xmlns:a="http://schemas.openxmlformats.org/drawingml/2006/main" xmlns:r="http://schemas.openxmlformats.org/officeDocument/2006/relationships" xmlns:p="http://schemas.openxmlformats.org/presentationml/2006/main">
+  <p:cSld>
+    <p:spTree>
+      <p:nvGrpSpPr>
+        <p:cNvPr id="1" name=""/>
+        <p:cNvGrpSpPr/>
+        <p:nvPr/>
+      </p:nvGrpSpPr>
+      <p:grpSpPr>
+        <a:xfrm>
+          <a:off x="0" y="0"/>
+          <a:ext cx="0" cy="0"/>
+          <a:chOff x="0" y="0"/>
+          <a:chExt cx="0" cy="0"/>
+        </a:xfrm>
+      </p:grpSpPr>
+      <p:sp>
+        <p:nvSpPr>
+          <p:cNvPr id="2" name="Título 1">
+            <a:extLst>
+              <a:ext uri="{FF2B5EF4-FFF2-40B4-BE49-F238E27FC236}">
+                <a16:creationId xmlns:a16="http://schemas.microsoft.com/office/drawing/2014/main" id="{1791ACBF-6B18-024E-C143-08F8B6D7A1EA}"/>
+              </a:ext>
+            </a:extLst>
+          </p:cNvPr>
+          <p:cNvSpPr>
+            <a:spLocks noGrp="1"/>
+          </p:cNvSpPr>
+          <p:nvPr>
+            <p:ph type="title"/>
+          </p:nvPr>
+        </p:nvSpPr>
+        <p:spPr/>
+        <p:txBody>
+          <a:bodyPr/>
+          <a:lstStyle/>
+          <a:p>
+            <a:pPr algn="ctr"/>
+            <a:r>
+              <a:rPr lang="en-GB" dirty="0"/>
+              <a:t>PROJETO PWC</a:t>
+            </a:r>
+            <a:br>
+              <a:rPr lang="en-GB" dirty="0"/>
+            </a:br>
+            <a:endParaRPr lang="pt-PT" dirty="0"/>
+          </a:p>
+        </p:txBody>
+      </p:sp>
+      <p:sp>
+        <p:nvSpPr>
+          <p:cNvPr id="3" name="Marcador de Posição de Conteúdo 2">
+            <a:extLst>
+              <a:ext uri="{FF2B5EF4-FFF2-40B4-BE49-F238E27FC236}">
+                <a16:creationId xmlns:a16="http://schemas.microsoft.com/office/drawing/2014/main" id="{7183B626-8539-44F3-688F-B89AABE8E1F6}"/>
+              </a:ext>
+            </a:extLst>
+          </p:cNvPr>
+          <p:cNvSpPr>
+            <a:spLocks noGrp="1"/>
+          </p:cNvSpPr>
+          <p:nvPr>
+            <p:ph idx="1"/>
+          </p:nvPr>
+        </p:nvSpPr>
+        <p:spPr>
+          <a:xfrm>
+            <a:off x="1461984" y="1698770"/>
+            <a:ext cx="9601200" cy="3581400"/>
+          </a:xfrm>
+        </p:spPr>
+        <p:txBody>
+          <a:bodyPr/>
+          <a:lstStyle/>
+          <a:p>
+            <a:r>
+              <a:rPr lang="en-GB" dirty="0"/>
+              <a:t>Wireframes/</a:t>
+            </a:r>
+            <a:r>
+              <a:rPr lang="en-GB" dirty="0" err="1"/>
+              <a:t>Mockups</a:t>
+            </a:r>
+            <a:endParaRPr lang="pt-PT" dirty="0"/>
+          </a:p>
+        </p:txBody>
+      </p:sp>
+      <p:pic>
+        <p:nvPicPr>
+          <p:cNvPr id="5" name="Picture 4">
+            <a:extLst>
+              <a:ext uri="{FF2B5EF4-FFF2-40B4-BE49-F238E27FC236}">
+                <a16:creationId xmlns:a16="http://schemas.microsoft.com/office/drawing/2014/main" id="{E057BB5D-C73C-46FB-BE3E-1F811D69F1A1}"/>
+              </a:ext>
+            </a:extLst>
+          </p:cNvPr>
+          <p:cNvPicPr>
+            <a:picLocks noChangeAspect="1"/>
+          </p:cNvPicPr>
+          <p:nvPr/>
+        </p:nvPicPr>
+        <p:blipFill>
+          <a:blip r:embed="rId2"/>
+          <a:stretch>
+            <a:fillRect/>
+          </a:stretch>
+        </p:blipFill>
+        <p:spPr>
+          <a:xfrm>
+            <a:off x="3324686" y="2340292"/>
+            <a:ext cx="6612792" cy="3708169"/>
+          </a:xfrm>
+          <a:prstGeom prst="rect">
+            <a:avLst/>
+          </a:prstGeom>
+        </p:spPr>
+      </p:pic>
+    </p:spTree>
+    <p:extLst>
+      <p:ext uri="{BB962C8B-B14F-4D97-AF65-F5344CB8AC3E}">
+        <p14:creationId xmlns:p14="http://schemas.microsoft.com/office/powerpoint/2010/main" val="1119788898"/>
+      </p:ext>
+    </p:extLst>
+  </p:cSld>
+  <p:clrMapOvr>
+    <a:masterClrMapping/>
+  </p:clrMapOvr>
+</p:sld>
+</file>
+
+<file path=ppt/slides/slide6.xml><?xml version="1.0" encoding="utf-8"?>
+<p:sld xmlns:a="http://schemas.openxmlformats.org/drawingml/2006/main" xmlns:r="http://schemas.openxmlformats.org/officeDocument/2006/relationships" xmlns:p="http://schemas.openxmlformats.org/presentationml/2006/main">
+  <p:cSld>
+    <p:spTree>
+      <p:nvGrpSpPr>
+        <p:cNvPr id="1" name=""/>
+        <p:cNvGrpSpPr/>
+        <p:nvPr/>
+      </p:nvGrpSpPr>
+      <p:grpSpPr>
+        <a:xfrm>
+          <a:off x="0" y="0"/>
+          <a:ext cx="0" cy="0"/>
+          <a:chOff x="0" y="0"/>
+          <a:chExt cx="0" cy="0"/>
+        </a:xfrm>
+      </p:grpSpPr>
+      <p:sp>
+        <p:nvSpPr>
+          <p:cNvPr id="2" name="Título 1">
+            <a:extLst>
+              <a:ext uri="{FF2B5EF4-FFF2-40B4-BE49-F238E27FC236}">
+                <a16:creationId xmlns:a16="http://schemas.microsoft.com/office/drawing/2014/main" id="{098647A4-3004-3EE7-4D98-293F342EB4FA}"/>
+              </a:ext>
+            </a:extLst>
+          </p:cNvPr>
+          <p:cNvSpPr>
+            <a:spLocks noGrp="1"/>
+          </p:cNvSpPr>
+          <p:nvPr>
+            <p:ph type="title"/>
+          </p:nvPr>
+        </p:nvSpPr>
+        <p:spPr/>
+        <p:txBody>
+          <a:bodyPr/>
+          <a:lstStyle/>
+          <a:p>
+            <a:r>
+              <a:rPr lang="en-GB" dirty="0"/>
+              <a:t>Scrum Team e </a:t>
+            </a:r>
+            <a:r>
+              <a:rPr lang="en-GB" dirty="0" err="1"/>
+              <a:t>Skateholders</a:t>
+            </a:r>
+            <a:endParaRPr lang="pt-PT" dirty="0"/>
+          </a:p>
+        </p:txBody>
+      </p:sp>
+      <p:sp>
+        <p:nvSpPr>
+          <p:cNvPr id="3" name="Marcador de Posição de Conteúdo 2">
+            <a:extLst>
+              <a:ext uri="{FF2B5EF4-FFF2-40B4-BE49-F238E27FC236}">
+                <a16:creationId xmlns:a16="http://schemas.microsoft.com/office/drawing/2014/main" id="{630E8A37-BFA1-FDF6-2A23-0B0F347140B9}"/>
+              </a:ext>
+            </a:extLst>
+          </p:cNvPr>
+          <p:cNvSpPr>
+            <a:spLocks noGrp="1"/>
+          </p:cNvSpPr>
+          <p:nvPr>
+            <p:ph idx="1"/>
+          </p:nvPr>
+        </p:nvSpPr>
+        <p:spPr>
+          <a:xfrm>
+            <a:off x="1640048" y="1879134"/>
+            <a:ext cx="8728745" cy="528505"/>
+          </a:xfrm>
+        </p:spPr>
+        <p:txBody>
+          <a:bodyPr>
+            <a:normAutofit/>
+          </a:bodyPr>
+          <a:lstStyle/>
+          <a:p>
+            <a:r>
+              <a:rPr lang="pt-PT" dirty="0"/>
+              <a:t>Tabela </a:t>
+            </a:r>
+            <a:r>
+              <a:rPr lang="pt-PT" dirty="0" err="1"/>
+              <a:t>Scrum</a:t>
+            </a:r>
+            <a:r>
+              <a:rPr lang="pt-PT" dirty="0"/>
+              <a:t> Team e </a:t>
+            </a:r>
+            <a:r>
+              <a:rPr lang="pt-PT" dirty="0" err="1"/>
+              <a:t>Skateholders</a:t>
+            </a:r>
+            <a:endParaRPr lang="pt-PT" dirty="0"/>
+          </a:p>
+        </p:txBody>
+      </p:sp>
+      <p:pic>
+        <p:nvPicPr>
+          <p:cNvPr id="5" name="Picture 4">
+            <a:extLst>
+              <a:ext uri="{FF2B5EF4-FFF2-40B4-BE49-F238E27FC236}">
+                <a16:creationId xmlns:a16="http://schemas.microsoft.com/office/drawing/2014/main" id="{913E9686-ECD7-4FDD-8D05-01945111E1CE}"/>
+              </a:ext>
+            </a:extLst>
+          </p:cNvPr>
+          <p:cNvPicPr>
+            <a:picLocks noChangeAspect="1"/>
+          </p:cNvPicPr>
+          <p:nvPr/>
+        </p:nvPicPr>
+        <p:blipFill>
+          <a:blip r:embed="rId2">
+            <a:extLst>
+              <a:ext uri="{28A0092B-C50C-407E-A947-70E740481C1C}">
+                <a14:useLocalDpi xmlns:a14="http://schemas.microsoft.com/office/drawing/2010/main" val="0"/>
+              </a:ext>
+            </a:extLst>
+          </a:blip>
+          <a:stretch>
+            <a:fillRect/>
+          </a:stretch>
+        </p:blipFill>
+        <p:spPr>
+          <a:xfrm>
+            <a:off x="2925150" y="2676085"/>
+            <a:ext cx="6494099" cy="3414322"/>
+          </a:xfrm>
+          <a:prstGeom prst="rect">
+            <a:avLst/>
+          </a:prstGeom>
+        </p:spPr>
+      </p:pic>
+    </p:spTree>
+    <p:extLst>
+      <p:ext uri="{BB962C8B-B14F-4D97-AF65-F5344CB8AC3E}">
+        <p14:creationId xmlns:p14="http://schemas.microsoft.com/office/powerpoint/2010/main" val="3243239576"/>
+      </p:ext>
+    </p:extLst>
+  </p:cSld>
+  <p:clrMapOvr>
+    <a:masterClrMapping/>
+  </p:clrMapOvr>
+</p:sld>
+</file>
+
+<file path=ppt/slides/slide7.xml><?xml version="1.0" encoding="utf-8"?>
+<p:sld xmlns:a="http://schemas.openxmlformats.org/drawingml/2006/main" xmlns:r="http://schemas.openxmlformats.org/officeDocument/2006/relationships" xmlns:p="http://schemas.openxmlformats.org/presentationml/2006/main">
+  <p:cSld>
+    <p:spTree>
+      <p:nvGrpSpPr>
+        <p:cNvPr id="1" name=""/>
+        <p:cNvGrpSpPr/>
+        <p:nvPr/>
+      </p:nvGrpSpPr>
+      <p:grpSpPr>
+        <a:xfrm>
+          <a:off x="0" y="0"/>
+          <a:ext cx="0" cy="0"/>
+          <a:chOff x="0" y="0"/>
+          <a:chExt cx="0" cy="0"/>
+        </a:xfrm>
+      </p:grpSpPr>
+      <p:sp>
+        <p:nvSpPr>
+          <p:cNvPr id="2" name="Título 1">
+            <a:extLst>
+              <a:ext uri="{FF2B5EF4-FFF2-40B4-BE49-F238E27FC236}">
+                <a16:creationId xmlns:a16="http://schemas.microsoft.com/office/drawing/2014/main" id="{EB9CE112-B7BA-7785-A188-03A70DA81B98}"/>
+              </a:ext>
+            </a:extLst>
+          </p:cNvPr>
+          <p:cNvSpPr>
+            <a:spLocks noGrp="1"/>
+          </p:cNvSpPr>
+          <p:nvPr>
+            <p:ph type="title"/>
+          </p:nvPr>
+        </p:nvSpPr>
+        <p:spPr/>
+        <p:txBody>
+          <a:bodyPr/>
+          <a:lstStyle/>
+          <a:p>
+            <a:pPr algn="ctr"/>
+            <a:r>
+              <a:rPr lang="en-GB" dirty="0" err="1"/>
+              <a:t>Projeto</a:t>
+            </a:r>
+            <a:r>
+              <a:rPr lang="en-GB" dirty="0"/>
+              <a:t> PWC</a:t>
+            </a:r>
+            <a:endParaRPr lang="pt-PT" dirty="0"/>
+          </a:p>
+        </p:txBody>
+      </p:sp>
+      <p:sp>
+        <p:nvSpPr>
+          <p:cNvPr id="8" name="Marcador de Posição de Conteúdo 2">
+            <a:extLst>
+              <a:ext uri="{FF2B5EF4-FFF2-40B4-BE49-F238E27FC236}">
+                <a16:creationId xmlns:a16="http://schemas.microsoft.com/office/drawing/2014/main" id="{C2DAC2E3-FC3F-E243-0E5A-86E3085435A0}"/>
+              </a:ext>
+            </a:extLst>
+          </p:cNvPr>
+          <p:cNvSpPr txBox="1">
+            <a:spLocks/>
+          </p:cNvSpPr>
+          <p:nvPr/>
+        </p:nvSpPr>
+        <p:spPr>
+          <a:xfrm>
+            <a:off x="1295400" y="1799439"/>
+            <a:ext cx="9601200" cy="3581400"/>
+          </a:xfrm>
+          <a:prstGeom prst="rect">
+            <a:avLst/>
+          </a:prstGeom>
+        </p:spPr>
+        <p:txBody>
+          <a:bodyPr vert="horz" lIns="91440" tIns="45720" rIns="91440" bIns="45720" rtlCol="0">
+            <a:normAutofit/>
+          </a:bodyPr>
+          <a:lstStyle>
+            <a:lvl1pPr marL="384048" indent="-384048" algn="l" defTabSz="914400" rtl="0" eaLnBrk="1" latinLnBrk="0" hangingPunct="1">
+              <a:lnSpc>
+                <a:spcPct val="94000"/>
+              </a:lnSpc>
+              <a:spcBef>
+                <a:spcPts val="1000"/>
+              </a:spcBef>
+              <a:spcAft>
+                <a:spcPts val="200"/>
+              </a:spcAft>
+              <a:buFont typeface="Franklin Gothic Book" panose="020B0503020102020204" pitchFamily="34" charset="0"/>
+              <a:buChar char="■"/>
+              <a:defRPr sz="2000" kern="1200" baseline="0">
+                <a:solidFill>
+                  <a:schemeClr val="tx2"/>
+                </a:solidFill>
+                <a:latin typeface="+mn-lt"/>
+                <a:ea typeface="+mn-ea"/>
+                <a:cs typeface="+mn-cs"/>
+              </a:defRPr>
+            </a:lvl1pPr>
+            <a:lvl2pPr marL="914400" indent="-384048" algn="l" defTabSz="914400" rtl="0" eaLnBrk="1" latinLnBrk="0" hangingPunct="1">
+              <a:lnSpc>
+                <a:spcPct val="94000"/>
+              </a:lnSpc>
+              <a:spcBef>
+                <a:spcPts val="500"/>
+              </a:spcBef>
+              <a:spcAft>
+                <a:spcPts val="200"/>
+              </a:spcAft>
+              <a:buFont typeface="Franklin Gothic Book" panose="020B0503020102020204" pitchFamily="34" charset="0"/>
+              <a:buChar char="–"/>
+              <a:defRPr sz="2000" i="1" kern="1200" baseline="0">
+                <a:solidFill>
+                  <a:schemeClr val="tx2"/>
+                </a:solidFill>
+                <a:latin typeface="+mn-lt"/>
+                <a:ea typeface="+mn-ea"/>
+                <a:cs typeface="+mn-cs"/>
+              </a:defRPr>
+            </a:lvl2pPr>
+            <a:lvl3pPr marL="1371600" indent="-384048" algn="l" defTabSz="914400" rtl="0" eaLnBrk="1" latinLnBrk="0" hangingPunct="1">
+              <a:lnSpc>
+                <a:spcPct val="94000"/>
+              </a:lnSpc>
+              <a:spcBef>
+                <a:spcPts val="500"/>
+              </a:spcBef>
+              <a:spcAft>
+                <a:spcPts val="200"/>
+              </a:spcAft>
+              <a:buFont typeface="Franklin Gothic Book" panose="020B0503020102020204" pitchFamily="34" charset="0"/>
+              <a:buChar char="■"/>
+              <a:defRPr sz="1800" kern="1200" baseline="0">
+                <a:solidFill>
+                  <a:schemeClr val="tx2"/>
+                </a:solidFill>
+                <a:latin typeface="+mn-lt"/>
+                <a:ea typeface="+mn-ea"/>
+                <a:cs typeface="+mn-cs"/>
+              </a:defRPr>
+            </a:lvl3pPr>
+            <a:lvl4pPr marL="1828800" indent="-384048" algn="l" defTabSz="914400" rtl="0" eaLnBrk="1" latinLnBrk="0" hangingPunct="1">
+              <a:lnSpc>
+                <a:spcPct val="94000"/>
+              </a:lnSpc>
+              <a:spcBef>
+                <a:spcPts val="500"/>
+              </a:spcBef>
+              <a:spcAft>
+                <a:spcPts val="200"/>
+              </a:spcAft>
+              <a:buFont typeface="Franklin Gothic Book" panose="020B0503020102020204" pitchFamily="34" charset="0"/>
+              <a:buChar char="–"/>
+              <a:defRPr sz="1800" i="1" kern="1200" baseline="0">
+                <a:solidFill>
+                  <a:schemeClr val="tx2"/>
+                </a:solidFill>
+                <a:latin typeface="+mn-lt"/>
+                <a:ea typeface="+mn-ea"/>
+                <a:cs typeface="+mn-cs"/>
+              </a:defRPr>
+            </a:lvl4pPr>
+            <a:lvl5pPr marL="2286000" indent="-384048" algn="l" defTabSz="914400" rtl="0" eaLnBrk="1" latinLnBrk="0" hangingPunct="1">
+              <a:lnSpc>
+                <a:spcPct val="94000"/>
+              </a:lnSpc>
+              <a:spcBef>
+                <a:spcPts val="500"/>
+              </a:spcBef>
+              <a:spcAft>
+                <a:spcPts val="200"/>
+              </a:spcAft>
+              <a:buFont typeface="Franklin Gothic Book" panose="020B0503020102020204" pitchFamily="34" charset="0"/>
+              <a:buChar char="■"/>
+              <a:defRPr sz="1600" kern="1200" baseline="0">
+                <a:solidFill>
+                  <a:schemeClr val="tx2"/>
+                </a:solidFill>
+                <a:latin typeface="+mn-lt"/>
+                <a:ea typeface="+mn-ea"/>
+                <a:cs typeface="+mn-cs"/>
+              </a:defRPr>
+            </a:lvl5pPr>
+            <a:lvl6pPr marL="2743200" indent="-384048" algn="l" defTabSz="914400" rtl="0" eaLnBrk="1" latinLnBrk="0" hangingPunct="1">
+              <a:lnSpc>
+                <a:spcPct val="94000"/>
+              </a:lnSpc>
+              <a:spcBef>
+                <a:spcPts val="500"/>
+              </a:spcBef>
+              <a:spcAft>
+                <a:spcPts val="200"/>
+              </a:spcAft>
+              <a:buFont typeface="Franklin Gothic Book" panose="020B0503020102020204" pitchFamily="34" charset="0"/>
+              <a:buChar char="–"/>
+              <a:defRPr sz="1600" i="1" kern="1200" baseline="0">
+                <a:solidFill>
+                  <a:schemeClr val="tx2"/>
+                </a:solidFill>
+                <a:latin typeface="+mn-lt"/>
+                <a:ea typeface="+mn-ea"/>
+                <a:cs typeface="+mn-cs"/>
+              </a:defRPr>
+            </a:lvl6pPr>
+            <a:lvl7pPr marL="3200400" indent="-384048" algn="l" defTabSz="914400" rtl="0" eaLnBrk="1" latinLnBrk="0" hangingPunct="1">
+              <a:lnSpc>
+                <a:spcPct val="94000"/>
+              </a:lnSpc>
+              <a:spcBef>
+                <a:spcPts val="500"/>
+              </a:spcBef>
+              <a:spcAft>
+                <a:spcPts val="200"/>
+              </a:spcAft>
+              <a:buFont typeface="Franklin Gothic Book" panose="020B0503020102020204" pitchFamily="34" charset="0"/>
+              <a:buChar char="■"/>
+              <a:defRPr sz="1400" kern="1200" baseline="0">
+                <a:solidFill>
+                  <a:schemeClr val="tx2"/>
+                </a:solidFill>
+                <a:latin typeface="+mn-lt"/>
+                <a:ea typeface="+mn-ea"/>
+                <a:cs typeface="+mn-cs"/>
+              </a:defRPr>
+            </a:lvl7pPr>
+            <a:lvl8pPr marL="3657600" indent="-384048" algn="l" defTabSz="914400" rtl="0" eaLnBrk="1" latinLnBrk="0" hangingPunct="1">
+              <a:lnSpc>
+                <a:spcPct val="94000"/>
+              </a:lnSpc>
+              <a:spcBef>
+                <a:spcPts val="500"/>
+              </a:spcBef>
+              <a:spcAft>
+                <a:spcPts val="200"/>
+              </a:spcAft>
+              <a:buFont typeface="Franklin Gothic Book" panose="020B0503020102020204" pitchFamily="34" charset="0"/>
+              <a:buChar char="–"/>
+              <a:defRPr sz="1400" i="1" kern="1200" baseline="0">
+                <a:solidFill>
+                  <a:schemeClr val="tx2"/>
+                </a:solidFill>
+                <a:latin typeface="+mn-lt"/>
+                <a:ea typeface="+mn-ea"/>
+                <a:cs typeface="+mn-cs"/>
+              </a:defRPr>
+            </a:lvl8pPr>
+            <a:lvl9pPr marL="4114800" indent="-384048" algn="l" defTabSz="914400" rtl="0" eaLnBrk="1" latinLnBrk="0" hangingPunct="1">
+              <a:lnSpc>
+                <a:spcPct val="94000"/>
+              </a:lnSpc>
+              <a:spcBef>
+                <a:spcPts val="500"/>
+              </a:spcBef>
+              <a:spcAft>
+                <a:spcPts val="200"/>
+              </a:spcAft>
+              <a:buFont typeface="Franklin Gothic Book" panose="020B0503020102020204" pitchFamily="34" charset="0"/>
+              <a:buChar char="■"/>
+              <a:defRPr sz="1400" kern="1200" baseline="0">
+                <a:solidFill>
+                  <a:schemeClr val="tx2"/>
+                </a:solidFill>
+                <a:latin typeface="+mn-lt"/>
+                <a:ea typeface="+mn-ea"/>
+                <a:cs typeface="+mn-cs"/>
+              </a:defRPr>
+            </a:lvl9pPr>
+          </a:lstStyle>
+          <a:p>
+            <a:r>
+              <a:rPr lang="en-GB" dirty="0"/>
+              <a:t>2 sprints </a:t>
+            </a:r>
+            <a:r>
+              <a:rPr lang="en-GB" dirty="0" err="1"/>
+              <a:t>completas</a:t>
+            </a:r>
+            <a:r>
+              <a:rPr lang="en-GB" dirty="0"/>
+              <a:t>				 </a:t>
+            </a:r>
+            <a:endParaRPr lang="pt-PT" dirty="0"/>
+          </a:p>
+        </p:txBody>
+      </p:sp>
+      <p:pic>
+        <p:nvPicPr>
+          <p:cNvPr id="4" name="Imagem 3">
+            <a:extLst>
+              <a:ext uri="{FF2B5EF4-FFF2-40B4-BE49-F238E27FC236}">
+                <a16:creationId xmlns:a16="http://schemas.microsoft.com/office/drawing/2014/main" id="{5F83CBC1-EC18-C57F-C6DF-16B7B576E10B}"/>
+              </a:ext>
+            </a:extLst>
+          </p:cNvPr>
+          <p:cNvPicPr>
+            <a:picLocks noChangeAspect="1"/>
+          </p:cNvPicPr>
+          <p:nvPr/>
+        </p:nvPicPr>
+        <p:blipFill>
+          <a:blip r:embed="rId2"/>
+          <a:stretch>
+            <a:fillRect/>
+          </a:stretch>
+        </p:blipFill>
+        <p:spPr>
+          <a:xfrm>
+            <a:off x="3067235" y="2346820"/>
+            <a:ext cx="7033681" cy="3357694"/>
+          </a:xfrm>
+          <a:prstGeom prst="rect">
+            <a:avLst/>
+          </a:prstGeom>
+        </p:spPr>
+      </p:pic>
+    </p:spTree>
+    <p:extLst>
+      <p:ext uri="{BB962C8B-B14F-4D97-AF65-F5344CB8AC3E}">
+        <p14:creationId xmlns:p14="http://schemas.microsoft.com/office/powerpoint/2010/main" val="667560872"/>
+      </p:ext>
+    </p:extLst>
+  </p:cSld>
+  <p:clrMapOvr>
+    <a:masterClrMapping/>
+  </p:clrMapOvr>
+</p:sld>
+</file>
+
+<file path=ppt/slides/slide8.xml><?xml version="1.0" encoding="utf-8"?>
+<p:sld xmlns:a="http://schemas.openxmlformats.org/drawingml/2006/main" xmlns:r="http://schemas.openxmlformats.org/officeDocument/2006/relationships" xmlns:p="http://schemas.openxmlformats.org/presentationml/2006/main">
+  <p:cSld>
+    <p:spTree>
+      <p:nvGrpSpPr>
+        <p:cNvPr id="1" name=""/>
+        <p:cNvGrpSpPr/>
+        <p:nvPr/>
+      </p:nvGrpSpPr>
+      <p:grpSpPr>
+        <a:xfrm>
+          <a:off x="0" y="0"/>
+          <a:ext cx="0" cy="0"/>
+          <a:chOff x="0" y="0"/>
+          <a:chExt cx="0" cy="0"/>
+        </a:xfrm>
+      </p:grpSpPr>
+      <p:sp>
+        <p:nvSpPr>
+          <p:cNvPr id="2" name="Título 1">
+            <a:extLst>
+              <a:ext uri="{FF2B5EF4-FFF2-40B4-BE49-F238E27FC236}">
                 <a16:creationId xmlns:a16="http://schemas.microsoft.com/office/drawing/2014/main" id="{703175C8-970F-1EE6-2F94-39E01CB4C523}"/>
               </a:ext>
             </a:extLst>
@@ -4966,7 +7202,7 @@
 </p:sld>
 </file>
 
-<file path=ppt/slides/slide11.xml><?xml version="1.0" encoding="utf-8"?>
+<file path=ppt/slides/slide9.xml><?xml version="1.0" encoding="utf-8"?>
 <p:sld xmlns:a="http://schemas.openxmlformats.org/drawingml/2006/main" xmlns:r="http://schemas.openxmlformats.org/officeDocument/2006/relationships" xmlns:p="http://schemas.openxmlformats.org/presentationml/2006/main">
   <p:cSld>
     <p:spTree>
@@ -5180,2318 +7416,6 @@
     <p:extLst>
       <p:ext uri="{BB962C8B-B14F-4D97-AF65-F5344CB8AC3E}">
         <p14:creationId xmlns:p14="http://schemas.microsoft.com/office/powerpoint/2010/main" val="581839297"/>
-      </p:ext>
-    </p:extLst>
-  </p:cSld>
-  <p:clrMapOvr>
-    <a:masterClrMapping/>
-  </p:clrMapOvr>
-</p:sld>
-</file>
-
-<file path=ppt/slides/slide12.xml><?xml version="1.0" encoding="utf-8"?>
-<p:sld xmlns:a="http://schemas.openxmlformats.org/drawingml/2006/main" xmlns:r="http://schemas.openxmlformats.org/officeDocument/2006/relationships" xmlns:p="http://schemas.openxmlformats.org/presentationml/2006/main">
-  <p:cSld>
-    <p:spTree>
-      <p:nvGrpSpPr>
-        <p:cNvPr id="1" name=""/>
-        <p:cNvGrpSpPr/>
-        <p:nvPr/>
-      </p:nvGrpSpPr>
-      <p:grpSpPr>
-        <a:xfrm>
-          <a:off x="0" y="0"/>
-          <a:ext cx="0" cy="0"/>
-          <a:chOff x="0" y="0"/>
-          <a:chExt cx="0" cy="0"/>
-        </a:xfrm>
-      </p:grpSpPr>
-      <p:sp>
-        <p:nvSpPr>
-          <p:cNvPr id="2" name="Título 1">
-            <a:extLst>
-              <a:ext uri="{FF2B5EF4-FFF2-40B4-BE49-F238E27FC236}">
-                <a16:creationId xmlns:a16="http://schemas.microsoft.com/office/drawing/2014/main" id="{1791ACBF-6B18-024E-C143-08F8B6D7A1EA}"/>
-              </a:ext>
-            </a:extLst>
-          </p:cNvPr>
-          <p:cNvSpPr>
-            <a:spLocks noGrp="1"/>
-          </p:cNvSpPr>
-          <p:nvPr>
-            <p:ph type="title"/>
-          </p:nvPr>
-        </p:nvSpPr>
-        <p:spPr/>
-        <p:txBody>
-          <a:bodyPr/>
-          <a:lstStyle/>
-          <a:p>
-            <a:pPr algn="ctr"/>
-            <a:r>
-              <a:rPr lang="en-GB" dirty="0"/>
-              <a:t>PROJETO DA</a:t>
-            </a:r>
-            <a:br>
-              <a:rPr lang="en-GB" dirty="0"/>
-            </a:br>
-            <a:endParaRPr lang="pt-PT" dirty="0"/>
-          </a:p>
-        </p:txBody>
-      </p:sp>
-      <p:sp>
-        <p:nvSpPr>
-          <p:cNvPr id="3" name="Marcador de Posição de Conteúdo 2">
-            <a:extLst>
-              <a:ext uri="{FF2B5EF4-FFF2-40B4-BE49-F238E27FC236}">
-                <a16:creationId xmlns:a16="http://schemas.microsoft.com/office/drawing/2014/main" id="{7183B626-8539-44F3-688F-B89AABE8E1F6}"/>
-              </a:ext>
-            </a:extLst>
-          </p:cNvPr>
-          <p:cNvSpPr>
-            <a:spLocks noGrp="1"/>
-          </p:cNvSpPr>
-          <p:nvPr>
-            <p:ph idx="1"/>
-          </p:nvPr>
-        </p:nvSpPr>
-        <p:spPr>
-          <a:xfrm>
-            <a:off x="1295400" y="1638300"/>
-            <a:ext cx="9601200" cy="3581400"/>
-          </a:xfrm>
-        </p:spPr>
-        <p:txBody>
-          <a:bodyPr/>
-          <a:lstStyle/>
-          <a:p>
-            <a:r>
-              <a:rPr lang="en-GB" dirty="0"/>
-              <a:t>Wireframes/</a:t>
-            </a:r>
-            <a:r>
-              <a:rPr lang="en-GB" dirty="0" err="1"/>
-              <a:t>Mockups</a:t>
-            </a:r>
-            <a:endParaRPr lang="pt-PT" dirty="0"/>
-          </a:p>
-        </p:txBody>
-      </p:sp>
-      <p:pic>
-        <p:nvPicPr>
-          <p:cNvPr id="4" name="Picture 3">
-            <a:extLst>
-              <a:ext uri="{FF2B5EF4-FFF2-40B4-BE49-F238E27FC236}">
-                <a16:creationId xmlns:a16="http://schemas.microsoft.com/office/drawing/2014/main" id="{0838C258-1761-447E-BE7D-53828903AF82}"/>
-              </a:ext>
-            </a:extLst>
-          </p:cNvPr>
-          <p:cNvPicPr>
-            <a:picLocks noChangeAspect="1"/>
-          </p:cNvPicPr>
-          <p:nvPr/>
-        </p:nvPicPr>
-        <p:blipFill>
-          <a:blip r:embed="rId2"/>
-          <a:stretch>
-            <a:fillRect/>
-          </a:stretch>
-        </p:blipFill>
-        <p:spPr>
-          <a:xfrm>
-            <a:off x="4730303" y="2027905"/>
-            <a:ext cx="6204397" cy="4322562"/>
-          </a:xfrm>
-          <a:prstGeom prst="rect">
-            <a:avLst/>
-          </a:prstGeom>
-        </p:spPr>
-      </p:pic>
-    </p:spTree>
-    <p:extLst>
-      <p:ext uri="{BB962C8B-B14F-4D97-AF65-F5344CB8AC3E}">
-        <p14:creationId xmlns:p14="http://schemas.microsoft.com/office/powerpoint/2010/main" val="3237357984"/>
-      </p:ext>
-    </p:extLst>
-  </p:cSld>
-  <p:clrMapOvr>
-    <a:masterClrMapping/>
-  </p:clrMapOvr>
-</p:sld>
-</file>
-
-<file path=ppt/slides/slide13.xml><?xml version="1.0" encoding="utf-8"?>
-<p:sld xmlns:a="http://schemas.openxmlformats.org/drawingml/2006/main" xmlns:r="http://schemas.openxmlformats.org/officeDocument/2006/relationships" xmlns:p="http://schemas.openxmlformats.org/presentationml/2006/main">
-  <p:cSld>
-    <p:spTree>
-      <p:nvGrpSpPr>
-        <p:cNvPr id="1" name=""/>
-        <p:cNvGrpSpPr/>
-        <p:nvPr/>
-      </p:nvGrpSpPr>
-      <p:grpSpPr>
-        <a:xfrm>
-          <a:off x="0" y="0"/>
-          <a:ext cx="0" cy="0"/>
-          <a:chOff x="0" y="0"/>
-          <a:chExt cx="0" cy="0"/>
-        </a:xfrm>
-      </p:grpSpPr>
-      <p:sp>
-        <p:nvSpPr>
-          <p:cNvPr id="2" name="Título 1">
-            <a:extLst>
-              <a:ext uri="{FF2B5EF4-FFF2-40B4-BE49-F238E27FC236}">
-                <a16:creationId xmlns:a16="http://schemas.microsoft.com/office/drawing/2014/main" id="{1791ACBF-6B18-024E-C143-08F8B6D7A1EA}"/>
-              </a:ext>
-            </a:extLst>
-          </p:cNvPr>
-          <p:cNvSpPr>
-            <a:spLocks noGrp="1"/>
-          </p:cNvSpPr>
-          <p:nvPr>
-            <p:ph type="title"/>
-          </p:nvPr>
-        </p:nvSpPr>
-        <p:spPr/>
-        <p:txBody>
-          <a:bodyPr>
-            <a:normAutofit fontScale="90000"/>
-          </a:bodyPr>
-          <a:lstStyle/>
-          <a:p>
-            <a:pPr algn="ctr"/>
-            <a:r>
-              <a:rPr lang="en-GB" dirty="0"/>
-              <a:t>PROJETO DA</a:t>
-            </a:r>
-            <a:br>
-              <a:rPr lang="en-GB" dirty="0"/>
-            </a:br>
-            <a:br>
-              <a:rPr lang="en-GB" dirty="0"/>
-            </a:br>
-            <a:endParaRPr lang="pt-PT" dirty="0"/>
-          </a:p>
-        </p:txBody>
-      </p:sp>
-      <p:sp>
-        <p:nvSpPr>
-          <p:cNvPr id="3" name="Marcador de Posição de Conteúdo 2">
-            <a:extLst>
-              <a:ext uri="{FF2B5EF4-FFF2-40B4-BE49-F238E27FC236}">
-                <a16:creationId xmlns:a16="http://schemas.microsoft.com/office/drawing/2014/main" id="{7183B626-8539-44F3-688F-B89AABE8E1F6}"/>
-              </a:ext>
-            </a:extLst>
-          </p:cNvPr>
-          <p:cNvSpPr>
-            <a:spLocks noGrp="1"/>
-          </p:cNvSpPr>
-          <p:nvPr>
-            <p:ph idx="1"/>
-          </p:nvPr>
-        </p:nvSpPr>
-        <p:spPr/>
-        <p:txBody>
-          <a:bodyPr/>
-          <a:lstStyle/>
-          <a:p>
-            <a:r>
-              <a:rPr lang="en-GB" dirty="0"/>
-              <a:t>Scrum</a:t>
-            </a:r>
-          </a:p>
-          <a:p>
-            <a:endParaRPr lang="pt-PT" dirty="0"/>
-          </a:p>
-        </p:txBody>
-      </p:sp>
-    </p:spTree>
-    <p:extLst>
-      <p:ext uri="{BB962C8B-B14F-4D97-AF65-F5344CB8AC3E}">
-        <p14:creationId xmlns:p14="http://schemas.microsoft.com/office/powerpoint/2010/main" val="727553923"/>
-      </p:ext>
-    </p:extLst>
-  </p:cSld>
-  <p:clrMapOvr>
-    <a:masterClrMapping/>
-  </p:clrMapOvr>
-</p:sld>
-</file>
-
-<file path=ppt/slides/slide2.xml><?xml version="1.0" encoding="utf-8"?>
-<p:sld xmlns:a="http://schemas.openxmlformats.org/drawingml/2006/main" xmlns:r="http://schemas.openxmlformats.org/officeDocument/2006/relationships" xmlns:p="http://schemas.openxmlformats.org/presentationml/2006/main">
-  <p:cSld>
-    <p:spTree>
-      <p:nvGrpSpPr>
-        <p:cNvPr id="1" name=""/>
-        <p:cNvGrpSpPr/>
-        <p:nvPr/>
-      </p:nvGrpSpPr>
-      <p:grpSpPr>
-        <a:xfrm>
-          <a:off x="0" y="0"/>
-          <a:ext cx="0" cy="0"/>
-          <a:chOff x="0" y="0"/>
-          <a:chExt cx="0" cy="0"/>
-        </a:xfrm>
-      </p:grpSpPr>
-      <p:sp>
-        <p:nvSpPr>
-          <p:cNvPr id="2" name="Título 1">
-            <a:extLst>
-              <a:ext uri="{FF2B5EF4-FFF2-40B4-BE49-F238E27FC236}">
-                <a16:creationId xmlns:a16="http://schemas.microsoft.com/office/drawing/2014/main" id="{216BF392-AE73-84B2-2B84-E1D7B53C9480}"/>
-              </a:ext>
-            </a:extLst>
-          </p:cNvPr>
-          <p:cNvSpPr>
-            <a:spLocks noGrp="1"/>
-          </p:cNvSpPr>
-          <p:nvPr>
-            <p:ph type="title"/>
-          </p:nvPr>
-        </p:nvSpPr>
-        <p:spPr/>
-        <p:txBody>
-          <a:bodyPr/>
-          <a:lstStyle/>
-          <a:p>
-            <a:pPr algn="ctr"/>
-            <a:r>
-              <a:rPr lang="en-GB" dirty="0" err="1"/>
-              <a:t>Introdução</a:t>
-            </a:r>
-            <a:endParaRPr lang="pt-PT" dirty="0"/>
-          </a:p>
-        </p:txBody>
-      </p:sp>
-      <p:sp>
-        <p:nvSpPr>
-          <p:cNvPr id="3" name="Marcador de Posição de Conteúdo 2">
-            <a:extLst>
-              <a:ext uri="{FF2B5EF4-FFF2-40B4-BE49-F238E27FC236}">
-                <a16:creationId xmlns:a16="http://schemas.microsoft.com/office/drawing/2014/main" id="{ED897CA6-F69C-9979-8297-BAE5E1C8ABC7}"/>
-              </a:ext>
-            </a:extLst>
-          </p:cNvPr>
-          <p:cNvSpPr>
-            <a:spLocks noGrp="1"/>
-          </p:cNvSpPr>
-          <p:nvPr>
-            <p:ph idx="1"/>
-          </p:nvPr>
-        </p:nvSpPr>
-        <p:spPr/>
-        <p:txBody>
-          <a:bodyPr/>
-          <a:lstStyle/>
-          <a:p>
-            <a:pPr>
-              <a:lnSpc>
-                <a:spcPct val="150000"/>
-              </a:lnSpc>
-            </a:pPr>
-            <a:r>
-              <a:rPr lang="en-GB" dirty="0"/>
-              <a:t>O </a:t>
-            </a:r>
-            <a:r>
-              <a:rPr lang="en-GB" dirty="0" err="1"/>
-              <a:t>projeto</a:t>
-            </a:r>
-            <a:r>
-              <a:rPr lang="en-GB" dirty="0"/>
-              <a:t> da </a:t>
-            </a:r>
-            <a:r>
-              <a:rPr lang="en-GB" dirty="0" err="1"/>
-              <a:t>Unidade</a:t>
-            </a:r>
-            <a:r>
-              <a:rPr lang="en-GB" dirty="0"/>
-              <a:t> Curricular </a:t>
-            </a:r>
-            <a:r>
-              <a:rPr lang="en-GB" dirty="0" err="1"/>
-              <a:t>Metodologias</a:t>
-            </a:r>
-            <a:r>
-              <a:rPr lang="en-GB" dirty="0"/>
-              <a:t> de </a:t>
-            </a:r>
-            <a:r>
-              <a:rPr lang="en-GB" dirty="0" err="1"/>
-              <a:t>Desenvilvimento</a:t>
-            </a:r>
-            <a:r>
-              <a:rPr lang="en-GB" dirty="0"/>
-              <a:t> de Software </a:t>
-            </a:r>
-            <a:r>
-              <a:rPr lang="en-GB" dirty="0" err="1"/>
-              <a:t>consiste</a:t>
-            </a:r>
-            <a:r>
-              <a:rPr lang="en-GB" dirty="0"/>
-              <a:t> </a:t>
-            </a:r>
-            <a:r>
-              <a:rPr lang="en-GB" dirty="0" err="1"/>
-              <a:t>na</a:t>
-            </a:r>
-            <a:r>
-              <a:rPr lang="en-GB" dirty="0"/>
-              <a:t> </a:t>
-            </a:r>
-            <a:r>
-              <a:rPr lang="en-GB" dirty="0" err="1"/>
-              <a:t>gestão</a:t>
-            </a:r>
-            <a:r>
-              <a:rPr lang="en-GB" dirty="0"/>
-              <a:t> dos </a:t>
-            </a:r>
-            <a:r>
-              <a:rPr lang="en-GB" dirty="0" err="1"/>
-              <a:t>projetos</a:t>
-            </a:r>
-            <a:r>
-              <a:rPr lang="en-GB" dirty="0"/>
-              <a:t> das UC’s de </a:t>
-            </a:r>
-            <a:r>
-              <a:rPr lang="en-GB" dirty="0" err="1"/>
-              <a:t>Desenvolvimento</a:t>
-            </a:r>
-            <a:r>
-              <a:rPr lang="en-GB" dirty="0"/>
-              <a:t> de </a:t>
-            </a:r>
-            <a:r>
-              <a:rPr lang="en-GB" dirty="0" err="1"/>
-              <a:t>Aplicações</a:t>
-            </a:r>
-            <a:r>
-              <a:rPr lang="en-GB" dirty="0"/>
-              <a:t> e de </a:t>
-            </a:r>
-            <a:r>
-              <a:rPr lang="en-GB" dirty="0" err="1"/>
-              <a:t>Programação</a:t>
-            </a:r>
-            <a:r>
-              <a:rPr lang="en-GB" dirty="0"/>
-              <a:t> para a WEB – </a:t>
-            </a:r>
-            <a:r>
-              <a:rPr lang="en-GB" dirty="0" err="1"/>
-              <a:t>Servidor</a:t>
-            </a:r>
-            <a:r>
-              <a:rPr lang="en-GB" dirty="0"/>
-              <a:t> </a:t>
-            </a:r>
-            <a:r>
-              <a:rPr lang="en-GB" dirty="0" err="1"/>
-              <a:t>através</a:t>
-            </a:r>
-            <a:r>
-              <a:rPr lang="en-GB" dirty="0"/>
-              <a:t> de </a:t>
-            </a:r>
-            <a:r>
-              <a:rPr lang="en-GB" dirty="0" err="1"/>
-              <a:t>Metodologias</a:t>
-            </a:r>
-            <a:r>
-              <a:rPr lang="en-GB" dirty="0"/>
-              <a:t> de </a:t>
-            </a:r>
-            <a:r>
-              <a:rPr lang="en-GB" dirty="0" err="1"/>
-              <a:t>Desenvolvimento</a:t>
-            </a:r>
-            <a:r>
-              <a:rPr lang="en-GB" dirty="0"/>
-              <a:t> </a:t>
-            </a:r>
-            <a:r>
-              <a:rPr lang="en-GB" dirty="0" err="1"/>
-              <a:t>Ágies</a:t>
-            </a:r>
-            <a:r>
-              <a:rPr lang="en-GB" dirty="0"/>
-              <a:t> e a </a:t>
-            </a:r>
-            <a:r>
-              <a:rPr lang="en-GB" dirty="0" err="1"/>
-              <a:t>Metodologia</a:t>
-            </a:r>
-            <a:r>
-              <a:rPr lang="en-GB" dirty="0"/>
-              <a:t> de SCRUM.</a:t>
-            </a:r>
-          </a:p>
-          <a:p>
-            <a:endParaRPr lang="en-GB" dirty="0"/>
-          </a:p>
-        </p:txBody>
-      </p:sp>
-    </p:spTree>
-    <p:extLst>
-      <p:ext uri="{BB962C8B-B14F-4D97-AF65-F5344CB8AC3E}">
-        <p14:creationId xmlns:p14="http://schemas.microsoft.com/office/powerpoint/2010/main" val="841685169"/>
-      </p:ext>
-    </p:extLst>
-  </p:cSld>
-  <p:clrMapOvr>
-    <a:masterClrMapping/>
-  </p:clrMapOvr>
-</p:sld>
-</file>
-
-<file path=ppt/slides/slide3.xml><?xml version="1.0" encoding="utf-8"?>
-<p:sld xmlns:a="http://schemas.openxmlformats.org/drawingml/2006/main" xmlns:r="http://schemas.openxmlformats.org/officeDocument/2006/relationships" xmlns:p="http://schemas.openxmlformats.org/presentationml/2006/main">
-  <p:cSld>
-    <p:spTree>
-      <p:nvGrpSpPr>
-        <p:cNvPr id="1" name=""/>
-        <p:cNvGrpSpPr/>
-        <p:nvPr/>
-      </p:nvGrpSpPr>
-      <p:grpSpPr>
-        <a:xfrm>
-          <a:off x="0" y="0"/>
-          <a:ext cx="0" cy="0"/>
-          <a:chOff x="0" y="0"/>
-          <a:chExt cx="0" cy="0"/>
-        </a:xfrm>
-      </p:grpSpPr>
-      <p:sp>
-        <p:nvSpPr>
-          <p:cNvPr id="2" name="Título 1">
-            <a:extLst>
-              <a:ext uri="{FF2B5EF4-FFF2-40B4-BE49-F238E27FC236}">
-                <a16:creationId xmlns:a16="http://schemas.microsoft.com/office/drawing/2014/main" id="{EB9CE112-B7BA-7785-A188-03A70DA81B98}"/>
-              </a:ext>
-            </a:extLst>
-          </p:cNvPr>
-          <p:cNvSpPr>
-            <a:spLocks noGrp="1"/>
-          </p:cNvSpPr>
-          <p:nvPr>
-            <p:ph type="title"/>
-          </p:nvPr>
-        </p:nvSpPr>
-        <p:spPr/>
-        <p:txBody>
-          <a:bodyPr/>
-          <a:lstStyle/>
-          <a:p>
-            <a:pPr algn="ctr"/>
-            <a:r>
-              <a:rPr lang="en-GB" dirty="0" err="1"/>
-              <a:t>Planeamento</a:t>
-            </a:r>
-            <a:r>
-              <a:rPr lang="en-GB" dirty="0"/>
-              <a:t> do </a:t>
-            </a:r>
-            <a:r>
-              <a:rPr lang="en-GB" dirty="0" err="1"/>
-              <a:t>projeto</a:t>
-            </a:r>
-            <a:endParaRPr lang="pt-PT" dirty="0"/>
-          </a:p>
-        </p:txBody>
-      </p:sp>
-      <p:sp>
-        <p:nvSpPr>
-          <p:cNvPr id="8" name="Marcador de Posição de Conteúdo 2">
-            <a:extLst>
-              <a:ext uri="{FF2B5EF4-FFF2-40B4-BE49-F238E27FC236}">
-                <a16:creationId xmlns:a16="http://schemas.microsoft.com/office/drawing/2014/main" id="{C2DAC2E3-FC3F-E243-0E5A-86E3085435A0}"/>
-              </a:ext>
-            </a:extLst>
-          </p:cNvPr>
-          <p:cNvSpPr txBox="1">
-            <a:spLocks/>
-          </p:cNvSpPr>
-          <p:nvPr/>
-        </p:nvSpPr>
-        <p:spPr>
-          <a:xfrm>
-            <a:off x="1371600" y="2286000"/>
-            <a:ext cx="9601200" cy="3581400"/>
-          </a:xfrm>
-          <a:prstGeom prst="rect">
-            <a:avLst/>
-          </a:prstGeom>
-        </p:spPr>
-        <p:txBody>
-          <a:bodyPr vert="horz" lIns="91440" tIns="45720" rIns="91440" bIns="45720" rtlCol="0">
-            <a:normAutofit/>
-          </a:bodyPr>
-          <a:lstStyle>
-            <a:lvl1pPr marL="384048" indent="-384048" algn="l" defTabSz="914400" rtl="0" eaLnBrk="1" latinLnBrk="0" hangingPunct="1">
-              <a:lnSpc>
-                <a:spcPct val="94000"/>
-              </a:lnSpc>
-              <a:spcBef>
-                <a:spcPts val="1000"/>
-              </a:spcBef>
-              <a:spcAft>
-                <a:spcPts val="200"/>
-              </a:spcAft>
-              <a:buFont typeface="Franklin Gothic Book" panose="020B0503020102020204" pitchFamily="34" charset="0"/>
-              <a:buChar char="■"/>
-              <a:defRPr sz="2000" kern="1200" baseline="0">
-                <a:solidFill>
-                  <a:schemeClr val="tx2"/>
-                </a:solidFill>
-                <a:latin typeface="+mn-lt"/>
-                <a:ea typeface="+mn-ea"/>
-                <a:cs typeface="+mn-cs"/>
-              </a:defRPr>
-            </a:lvl1pPr>
-            <a:lvl2pPr marL="914400" indent="-384048" algn="l" defTabSz="914400" rtl="0" eaLnBrk="1" latinLnBrk="0" hangingPunct="1">
-              <a:lnSpc>
-                <a:spcPct val="94000"/>
-              </a:lnSpc>
-              <a:spcBef>
-                <a:spcPts val="500"/>
-              </a:spcBef>
-              <a:spcAft>
-                <a:spcPts val="200"/>
-              </a:spcAft>
-              <a:buFont typeface="Franklin Gothic Book" panose="020B0503020102020204" pitchFamily="34" charset="0"/>
-              <a:buChar char="–"/>
-              <a:defRPr sz="2000" i="1" kern="1200" baseline="0">
-                <a:solidFill>
-                  <a:schemeClr val="tx2"/>
-                </a:solidFill>
-                <a:latin typeface="+mn-lt"/>
-                <a:ea typeface="+mn-ea"/>
-                <a:cs typeface="+mn-cs"/>
-              </a:defRPr>
-            </a:lvl2pPr>
-            <a:lvl3pPr marL="1371600" indent="-384048" algn="l" defTabSz="914400" rtl="0" eaLnBrk="1" latinLnBrk="0" hangingPunct="1">
-              <a:lnSpc>
-                <a:spcPct val="94000"/>
-              </a:lnSpc>
-              <a:spcBef>
-                <a:spcPts val="500"/>
-              </a:spcBef>
-              <a:spcAft>
-                <a:spcPts val="200"/>
-              </a:spcAft>
-              <a:buFont typeface="Franklin Gothic Book" panose="020B0503020102020204" pitchFamily="34" charset="0"/>
-              <a:buChar char="■"/>
-              <a:defRPr sz="1800" kern="1200" baseline="0">
-                <a:solidFill>
-                  <a:schemeClr val="tx2"/>
-                </a:solidFill>
-                <a:latin typeface="+mn-lt"/>
-                <a:ea typeface="+mn-ea"/>
-                <a:cs typeface="+mn-cs"/>
-              </a:defRPr>
-            </a:lvl3pPr>
-            <a:lvl4pPr marL="1828800" indent="-384048" algn="l" defTabSz="914400" rtl="0" eaLnBrk="1" latinLnBrk="0" hangingPunct="1">
-              <a:lnSpc>
-                <a:spcPct val="94000"/>
-              </a:lnSpc>
-              <a:spcBef>
-                <a:spcPts val="500"/>
-              </a:spcBef>
-              <a:spcAft>
-                <a:spcPts val="200"/>
-              </a:spcAft>
-              <a:buFont typeface="Franklin Gothic Book" panose="020B0503020102020204" pitchFamily="34" charset="0"/>
-              <a:buChar char="–"/>
-              <a:defRPr sz="1800" i="1" kern="1200" baseline="0">
-                <a:solidFill>
-                  <a:schemeClr val="tx2"/>
-                </a:solidFill>
-                <a:latin typeface="+mn-lt"/>
-                <a:ea typeface="+mn-ea"/>
-                <a:cs typeface="+mn-cs"/>
-              </a:defRPr>
-            </a:lvl4pPr>
-            <a:lvl5pPr marL="2286000" indent="-384048" algn="l" defTabSz="914400" rtl="0" eaLnBrk="1" latinLnBrk="0" hangingPunct="1">
-              <a:lnSpc>
-                <a:spcPct val="94000"/>
-              </a:lnSpc>
-              <a:spcBef>
-                <a:spcPts val="500"/>
-              </a:spcBef>
-              <a:spcAft>
-                <a:spcPts val="200"/>
-              </a:spcAft>
-              <a:buFont typeface="Franklin Gothic Book" panose="020B0503020102020204" pitchFamily="34" charset="0"/>
-              <a:buChar char="■"/>
-              <a:defRPr sz="1600" kern="1200" baseline="0">
-                <a:solidFill>
-                  <a:schemeClr val="tx2"/>
-                </a:solidFill>
-                <a:latin typeface="+mn-lt"/>
-                <a:ea typeface="+mn-ea"/>
-                <a:cs typeface="+mn-cs"/>
-              </a:defRPr>
-            </a:lvl5pPr>
-            <a:lvl6pPr marL="2743200" indent="-384048" algn="l" defTabSz="914400" rtl="0" eaLnBrk="1" latinLnBrk="0" hangingPunct="1">
-              <a:lnSpc>
-                <a:spcPct val="94000"/>
-              </a:lnSpc>
-              <a:spcBef>
-                <a:spcPts val="500"/>
-              </a:spcBef>
-              <a:spcAft>
-                <a:spcPts val="200"/>
-              </a:spcAft>
-              <a:buFont typeface="Franklin Gothic Book" panose="020B0503020102020204" pitchFamily="34" charset="0"/>
-              <a:buChar char="–"/>
-              <a:defRPr sz="1600" i="1" kern="1200" baseline="0">
-                <a:solidFill>
-                  <a:schemeClr val="tx2"/>
-                </a:solidFill>
-                <a:latin typeface="+mn-lt"/>
-                <a:ea typeface="+mn-ea"/>
-                <a:cs typeface="+mn-cs"/>
-              </a:defRPr>
-            </a:lvl6pPr>
-            <a:lvl7pPr marL="3200400" indent="-384048" algn="l" defTabSz="914400" rtl="0" eaLnBrk="1" latinLnBrk="0" hangingPunct="1">
-              <a:lnSpc>
-                <a:spcPct val="94000"/>
-              </a:lnSpc>
-              <a:spcBef>
-                <a:spcPts val="500"/>
-              </a:spcBef>
-              <a:spcAft>
-                <a:spcPts val="200"/>
-              </a:spcAft>
-              <a:buFont typeface="Franklin Gothic Book" panose="020B0503020102020204" pitchFamily="34" charset="0"/>
-              <a:buChar char="■"/>
-              <a:defRPr sz="1400" kern="1200" baseline="0">
-                <a:solidFill>
-                  <a:schemeClr val="tx2"/>
-                </a:solidFill>
-                <a:latin typeface="+mn-lt"/>
-                <a:ea typeface="+mn-ea"/>
-                <a:cs typeface="+mn-cs"/>
-              </a:defRPr>
-            </a:lvl7pPr>
-            <a:lvl8pPr marL="3657600" indent="-384048" algn="l" defTabSz="914400" rtl="0" eaLnBrk="1" latinLnBrk="0" hangingPunct="1">
-              <a:lnSpc>
-                <a:spcPct val="94000"/>
-              </a:lnSpc>
-              <a:spcBef>
-                <a:spcPts val="500"/>
-              </a:spcBef>
-              <a:spcAft>
-                <a:spcPts val="200"/>
-              </a:spcAft>
-              <a:buFont typeface="Franklin Gothic Book" panose="020B0503020102020204" pitchFamily="34" charset="0"/>
-              <a:buChar char="–"/>
-              <a:defRPr sz="1400" i="1" kern="1200" baseline="0">
-                <a:solidFill>
-                  <a:schemeClr val="tx2"/>
-                </a:solidFill>
-                <a:latin typeface="+mn-lt"/>
-                <a:ea typeface="+mn-ea"/>
-                <a:cs typeface="+mn-cs"/>
-              </a:defRPr>
-            </a:lvl8pPr>
-            <a:lvl9pPr marL="4114800" indent="-384048" algn="l" defTabSz="914400" rtl="0" eaLnBrk="1" latinLnBrk="0" hangingPunct="1">
-              <a:lnSpc>
-                <a:spcPct val="94000"/>
-              </a:lnSpc>
-              <a:spcBef>
-                <a:spcPts val="500"/>
-              </a:spcBef>
-              <a:spcAft>
-                <a:spcPts val="200"/>
-              </a:spcAft>
-              <a:buFont typeface="Franklin Gothic Book" panose="020B0503020102020204" pitchFamily="34" charset="0"/>
-              <a:buChar char="■"/>
-              <a:defRPr sz="1400" kern="1200" baseline="0">
-                <a:solidFill>
-                  <a:schemeClr val="tx2"/>
-                </a:solidFill>
-                <a:latin typeface="+mn-lt"/>
-                <a:ea typeface="+mn-ea"/>
-                <a:cs typeface="+mn-cs"/>
-              </a:defRPr>
-            </a:lvl9pPr>
-          </a:lstStyle>
-          <a:p>
-            <a:r>
-              <a:rPr lang="en-GB" dirty="0" err="1"/>
-              <a:t>Projeto</a:t>
-            </a:r>
-            <a:r>
-              <a:rPr lang="en-GB" dirty="0"/>
-              <a:t>  de DA </a:t>
-            </a:r>
-          </a:p>
-          <a:p>
-            <a:r>
-              <a:rPr lang="en-GB" dirty="0"/>
-              <a:t>2 sprints </a:t>
-            </a:r>
-            <a:r>
-              <a:rPr lang="en-GB" dirty="0" err="1"/>
-              <a:t>completas</a:t>
-            </a:r>
-            <a:r>
-              <a:rPr lang="en-GB" dirty="0"/>
-              <a:t>				 </a:t>
-            </a:r>
-            <a:endParaRPr lang="pt-PT" dirty="0"/>
-          </a:p>
-        </p:txBody>
-      </p:sp>
-      <p:pic>
-        <p:nvPicPr>
-          <p:cNvPr id="10" name="Imagem 9">
-            <a:extLst>
-              <a:ext uri="{FF2B5EF4-FFF2-40B4-BE49-F238E27FC236}">
-                <a16:creationId xmlns:a16="http://schemas.microsoft.com/office/drawing/2014/main" id="{2DC09216-3E86-7923-A17F-8303BF750574}"/>
-              </a:ext>
-            </a:extLst>
-          </p:cNvPr>
-          <p:cNvPicPr>
-            <a:picLocks noChangeAspect="1"/>
-          </p:cNvPicPr>
-          <p:nvPr/>
-        </p:nvPicPr>
-        <p:blipFill>
-          <a:blip r:embed="rId2"/>
-          <a:stretch>
-            <a:fillRect/>
-          </a:stretch>
-        </p:blipFill>
-        <p:spPr>
-          <a:xfrm>
-            <a:off x="1371600" y="3429000"/>
-            <a:ext cx="9767455" cy="2684363"/>
-          </a:xfrm>
-          <a:prstGeom prst="rect">
-            <a:avLst/>
-          </a:prstGeom>
-        </p:spPr>
-      </p:pic>
-    </p:spTree>
-    <p:extLst>
-      <p:ext uri="{BB962C8B-B14F-4D97-AF65-F5344CB8AC3E}">
-        <p14:creationId xmlns:p14="http://schemas.microsoft.com/office/powerpoint/2010/main" val="2735200188"/>
-      </p:ext>
-    </p:extLst>
-  </p:cSld>
-  <p:clrMapOvr>
-    <a:masterClrMapping/>
-  </p:clrMapOvr>
-</p:sld>
-</file>
-
-<file path=ppt/slides/slide4.xml><?xml version="1.0" encoding="utf-8"?>
-<p:sld xmlns:a="http://schemas.openxmlformats.org/drawingml/2006/main" xmlns:r="http://schemas.openxmlformats.org/officeDocument/2006/relationships" xmlns:p="http://schemas.openxmlformats.org/presentationml/2006/main">
-  <p:cSld>
-    <p:spTree>
-      <p:nvGrpSpPr>
-        <p:cNvPr id="1" name=""/>
-        <p:cNvGrpSpPr/>
-        <p:nvPr/>
-      </p:nvGrpSpPr>
-      <p:grpSpPr>
-        <a:xfrm>
-          <a:off x="0" y="0"/>
-          <a:ext cx="0" cy="0"/>
-          <a:chOff x="0" y="0"/>
-          <a:chExt cx="0" cy="0"/>
-        </a:xfrm>
-      </p:grpSpPr>
-      <p:sp>
-        <p:nvSpPr>
-          <p:cNvPr id="2" name="Título 1">
-            <a:extLst>
-              <a:ext uri="{FF2B5EF4-FFF2-40B4-BE49-F238E27FC236}">
-                <a16:creationId xmlns:a16="http://schemas.microsoft.com/office/drawing/2014/main" id="{EB9CE112-B7BA-7785-A188-03A70DA81B98}"/>
-              </a:ext>
-            </a:extLst>
-          </p:cNvPr>
-          <p:cNvSpPr>
-            <a:spLocks noGrp="1"/>
-          </p:cNvSpPr>
-          <p:nvPr>
-            <p:ph type="title"/>
-          </p:nvPr>
-        </p:nvSpPr>
-        <p:spPr/>
-        <p:txBody>
-          <a:bodyPr/>
-          <a:lstStyle/>
-          <a:p>
-            <a:pPr algn="ctr"/>
-            <a:r>
-              <a:rPr lang="en-GB" dirty="0" err="1"/>
-              <a:t>Planeamento</a:t>
-            </a:r>
-            <a:r>
-              <a:rPr lang="en-GB" dirty="0"/>
-              <a:t> do </a:t>
-            </a:r>
-            <a:r>
-              <a:rPr lang="en-GB" dirty="0" err="1"/>
-              <a:t>projeto</a:t>
-            </a:r>
-            <a:endParaRPr lang="pt-PT" dirty="0"/>
-          </a:p>
-        </p:txBody>
-      </p:sp>
-      <p:sp>
-        <p:nvSpPr>
-          <p:cNvPr id="8" name="Marcador de Posição de Conteúdo 2">
-            <a:extLst>
-              <a:ext uri="{FF2B5EF4-FFF2-40B4-BE49-F238E27FC236}">
-                <a16:creationId xmlns:a16="http://schemas.microsoft.com/office/drawing/2014/main" id="{C2DAC2E3-FC3F-E243-0E5A-86E3085435A0}"/>
-              </a:ext>
-            </a:extLst>
-          </p:cNvPr>
-          <p:cNvSpPr txBox="1">
-            <a:spLocks/>
-          </p:cNvSpPr>
-          <p:nvPr/>
-        </p:nvSpPr>
-        <p:spPr>
-          <a:xfrm>
-            <a:off x="1371600" y="2286000"/>
-            <a:ext cx="9601200" cy="3581400"/>
-          </a:xfrm>
-          <a:prstGeom prst="rect">
-            <a:avLst/>
-          </a:prstGeom>
-        </p:spPr>
-        <p:txBody>
-          <a:bodyPr vert="horz" lIns="91440" tIns="45720" rIns="91440" bIns="45720" rtlCol="0">
-            <a:normAutofit/>
-          </a:bodyPr>
-          <a:lstStyle>
-            <a:lvl1pPr marL="384048" indent="-384048" algn="l" defTabSz="914400" rtl="0" eaLnBrk="1" latinLnBrk="0" hangingPunct="1">
-              <a:lnSpc>
-                <a:spcPct val="94000"/>
-              </a:lnSpc>
-              <a:spcBef>
-                <a:spcPts val="1000"/>
-              </a:spcBef>
-              <a:spcAft>
-                <a:spcPts val="200"/>
-              </a:spcAft>
-              <a:buFont typeface="Franklin Gothic Book" panose="020B0503020102020204" pitchFamily="34" charset="0"/>
-              <a:buChar char="■"/>
-              <a:defRPr sz="2000" kern="1200" baseline="0">
-                <a:solidFill>
-                  <a:schemeClr val="tx2"/>
-                </a:solidFill>
-                <a:latin typeface="+mn-lt"/>
-                <a:ea typeface="+mn-ea"/>
-                <a:cs typeface="+mn-cs"/>
-              </a:defRPr>
-            </a:lvl1pPr>
-            <a:lvl2pPr marL="914400" indent="-384048" algn="l" defTabSz="914400" rtl="0" eaLnBrk="1" latinLnBrk="0" hangingPunct="1">
-              <a:lnSpc>
-                <a:spcPct val="94000"/>
-              </a:lnSpc>
-              <a:spcBef>
-                <a:spcPts val="500"/>
-              </a:spcBef>
-              <a:spcAft>
-                <a:spcPts val="200"/>
-              </a:spcAft>
-              <a:buFont typeface="Franklin Gothic Book" panose="020B0503020102020204" pitchFamily="34" charset="0"/>
-              <a:buChar char="–"/>
-              <a:defRPr sz="2000" i="1" kern="1200" baseline="0">
-                <a:solidFill>
-                  <a:schemeClr val="tx2"/>
-                </a:solidFill>
-                <a:latin typeface="+mn-lt"/>
-                <a:ea typeface="+mn-ea"/>
-                <a:cs typeface="+mn-cs"/>
-              </a:defRPr>
-            </a:lvl2pPr>
-            <a:lvl3pPr marL="1371600" indent="-384048" algn="l" defTabSz="914400" rtl="0" eaLnBrk="1" latinLnBrk="0" hangingPunct="1">
-              <a:lnSpc>
-                <a:spcPct val="94000"/>
-              </a:lnSpc>
-              <a:spcBef>
-                <a:spcPts val="500"/>
-              </a:spcBef>
-              <a:spcAft>
-                <a:spcPts val="200"/>
-              </a:spcAft>
-              <a:buFont typeface="Franklin Gothic Book" panose="020B0503020102020204" pitchFamily="34" charset="0"/>
-              <a:buChar char="■"/>
-              <a:defRPr sz="1800" kern="1200" baseline="0">
-                <a:solidFill>
-                  <a:schemeClr val="tx2"/>
-                </a:solidFill>
-                <a:latin typeface="+mn-lt"/>
-                <a:ea typeface="+mn-ea"/>
-                <a:cs typeface="+mn-cs"/>
-              </a:defRPr>
-            </a:lvl3pPr>
-            <a:lvl4pPr marL="1828800" indent="-384048" algn="l" defTabSz="914400" rtl="0" eaLnBrk="1" latinLnBrk="0" hangingPunct="1">
-              <a:lnSpc>
-                <a:spcPct val="94000"/>
-              </a:lnSpc>
-              <a:spcBef>
-                <a:spcPts val="500"/>
-              </a:spcBef>
-              <a:spcAft>
-                <a:spcPts val="200"/>
-              </a:spcAft>
-              <a:buFont typeface="Franklin Gothic Book" panose="020B0503020102020204" pitchFamily="34" charset="0"/>
-              <a:buChar char="–"/>
-              <a:defRPr sz="1800" i="1" kern="1200" baseline="0">
-                <a:solidFill>
-                  <a:schemeClr val="tx2"/>
-                </a:solidFill>
-                <a:latin typeface="+mn-lt"/>
-                <a:ea typeface="+mn-ea"/>
-                <a:cs typeface="+mn-cs"/>
-              </a:defRPr>
-            </a:lvl4pPr>
-            <a:lvl5pPr marL="2286000" indent="-384048" algn="l" defTabSz="914400" rtl="0" eaLnBrk="1" latinLnBrk="0" hangingPunct="1">
-              <a:lnSpc>
-                <a:spcPct val="94000"/>
-              </a:lnSpc>
-              <a:spcBef>
-                <a:spcPts val="500"/>
-              </a:spcBef>
-              <a:spcAft>
-                <a:spcPts val="200"/>
-              </a:spcAft>
-              <a:buFont typeface="Franklin Gothic Book" panose="020B0503020102020204" pitchFamily="34" charset="0"/>
-              <a:buChar char="■"/>
-              <a:defRPr sz="1600" kern="1200" baseline="0">
-                <a:solidFill>
-                  <a:schemeClr val="tx2"/>
-                </a:solidFill>
-                <a:latin typeface="+mn-lt"/>
-                <a:ea typeface="+mn-ea"/>
-                <a:cs typeface="+mn-cs"/>
-              </a:defRPr>
-            </a:lvl5pPr>
-            <a:lvl6pPr marL="2743200" indent="-384048" algn="l" defTabSz="914400" rtl="0" eaLnBrk="1" latinLnBrk="0" hangingPunct="1">
-              <a:lnSpc>
-                <a:spcPct val="94000"/>
-              </a:lnSpc>
-              <a:spcBef>
-                <a:spcPts val="500"/>
-              </a:spcBef>
-              <a:spcAft>
-                <a:spcPts val="200"/>
-              </a:spcAft>
-              <a:buFont typeface="Franklin Gothic Book" panose="020B0503020102020204" pitchFamily="34" charset="0"/>
-              <a:buChar char="–"/>
-              <a:defRPr sz="1600" i="1" kern="1200" baseline="0">
-                <a:solidFill>
-                  <a:schemeClr val="tx2"/>
-                </a:solidFill>
-                <a:latin typeface="+mn-lt"/>
-                <a:ea typeface="+mn-ea"/>
-                <a:cs typeface="+mn-cs"/>
-              </a:defRPr>
-            </a:lvl6pPr>
-            <a:lvl7pPr marL="3200400" indent="-384048" algn="l" defTabSz="914400" rtl="0" eaLnBrk="1" latinLnBrk="0" hangingPunct="1">
-              <a:lnSpc>
-                <a:spcPct val="94000"/>
-              </a:lnSpc>
-              <a:spcBef>
-                <a:spcPts val="500"/>
-              </a:spcBef>
-              <a:spcAft>
-                <a:spcPts val="200"/>
-              </a:spcAft>
-              <a:buFont typeface="Franklin Gothic Book" panose="020B0503020102020204" pitchFamily="34" charset="0"/>
-              <a:buChar char="■"/>
-              <a:defRPr sz="1400" kern="1200" baseline="0">
-                <a:solidFill>
-                  <a:schemeClr val="tx2"/>
-                </a:solidFill>
-                <a:latin typeface="+mn-lt"/>
-                <a:ea typeface="+mn-ea"/>
-                <a:cs typeface="+mn-cs"/>
-              </a:defRPr>
-            </a:lvl7pPr>
-            <a:lvl8pPr marL="3657600" indent="-384048" algn="l" defTabSz="914400" rtl="0" eaLnBrk="1" latinLnBrk="0" hangingPunct="1">
-              <a:lnSpc>
-                <a:spcPct val="94000"/>
-              </a:lnSpc>
-              <a:spcBef>
-                <a:spcPts val="500"/>
-              </a:spcBef>
-              <a:spcAft>
-                <a:spcPts val="200"/>
-              </a:spcAft>
-              <a:buFont typeface="Franklin Gothic Book" panose="020B0503020102020204" pitchFamily="34" charset="0"/>
-              <a:buChar char="–"/>
-              <a:defRPr sz="1400" i="1" kern="1200" baseline="0">
-                <a:solidFill>
-                  <a:schemeClr val="tx2"/>
-                </a:solidFill>
-                <a:latin typeface="+mn-lt"/>
-                <a:ea typeface="+mn-ea"/>
-                <a:cs typeface="+mn-cs"/>
-              </a:defRPr>
-            </a:lvl8pPr>
-            <a:lvl9pPr marL="4114800" indent="-384048" algn="l" defTabSz="914400" rtl="0" eaLnBrk="1" latinLnBrk="0" hangingPunct="1">
-              <a:lnSpc>
-                <a:spcPct val="94000"/>
-              </a:lnSpc>
-              <a:spcBef>
-                <a:spcPts val="500"/>
-              </a:spcBef>
-              <a:spcAft>
-                <a:spcPts val="200"/>
-              </a:spcAft>
-              <a:buFont typeface="Franklin Gothic Book" panose="020B0503020102020204" pitchFamily="34" charset="0"/>
-              <a:buChar char="■"/>
-              <a:defRPr sz="1400" kern="1200" baseline="0">
-                <a:solidFill>
-                  <a:schemeClr val="tx2"/>
-                </a:solidFill>
-                <a:latin typeface="+mn-lt"/>
-                <a:ea typeface="+mn-ea"/>
-                <a:cs typeface="+mn-cs"/>
-              </a:defRPr>
-            </a:lvl9pPr>
-          </a:lstStyle>
-          <a:p>
-            <a:r>
-              <a:rPr lang="en-GB" dirty="0" err="1"/>
-              <a:t>Projeto</a:t>
-            </a:r>
-            <a:r>
-              <a:rPr lang="en-GB" dirty="0"/>
-              <a:t>  de PWS </a:t>
-            </a:r>
-          </a:p>
-          <a:p>
-            <a:r>
-              <a:rPr lang="en-GB" dirty="0"/>
-              <a:t>2 sprints </a:t>
-            </a:r>
-            <a:r>
-              <a:rPr lang="en-GB" dirty="0" err="1"/>
-              <a:t>completas</a:t>
-            </a:r>
-            <a:r>
-              <a:rPr lang="en-GB" dirty="0"/>
-              <a:t>				 </a:t>
-            </a:r>
-            <a:endParaRPr lang="pt-PT" dirty="0"/>
-          </a:p>
-        </p:txBody>
-      </p:sp>
-      <p:pic>
-        <p:nvPicPr>
-          <p:cNvPr id="4" name="Imagem 3">
-            <a:extLst>
-              <a:ext uri="{FF2B5EF4-FFF2-40B4-BE49-F238E27FC236}">
-                <a16:creationId xmlns:a16="http://schemas.microsoft.com/office/drawing/2014/main" id="{5F83CBC1-EC18-C57F-C6DF-16B7B576E10B}"/>
-              </a:ext>
-            </a:extLst>
-          </p:cNvPr>
-          <p:cNvPicPr>
-            <a:picLocks noChangeAspect="1"/>
-          </p:cNvPicPr>
-          <p:nvPr/>
-        </p:nvPicPr>
-        <p:blipFill>
-          <a:blip r:embed="rId2"/>
-          <a:stretch>
-            <a:fillRect/>
-          </a:stretch>
-        </p:blipFill>
-        <p:spPr>
-          <a:xfrm>
-            <a:off x="2983346" y="3429000"/>
-            <a:ext cx="6662936" cy="3180710"/>
-          </a:xfrm>
-          <a:prstGeom prst="rect">
-            <a:avLst/>
-          </a:prstGeom>
-        </p:spPr>
-      </p:pic>
-    </p:spTree>
-    <p:extLst>
-      <p:ext uri="{BB962C8B-B14F-4D97-AF65-F5344CB8AC3E}">
-        <p14:creationId xmlns:p14="http://schemas.microsoft.com/office/powerpoint/2010/main" val="667560872"/>
-      </p:ext>
-    </p:extLst>
-  </p:cSld>
-  <p:clrMapOvr>
-    <a:masterClrMapping/>
-  </p:clrMapOvr>
-</p:sld>
-</file>
-
-<file path=ppt/slides/slide5.xml><?xml version="1.0" encoding="utf-8"?>
-<p:sld xmlns:a="http://schemas.openxmlformats.org/drawingml/2006/main" xmlns:r="http://schemas.openxmlformats.org/officeDocument/2006/relationships" xmlns:p="http://schemas.openxmlformats.org/presentationml/2006/main">
-  <p:cSld>
-    <p:spTree>
-      <p:nvGrpSpPr>
-        <p:cNvPr id="1" name=""/>
-        <p:cNvGrpSpPr/>
-        <p:nvPr/>
-      </p:nvGrpSpPr>
-      <p:grpSpPr>
-        <a:xfrm>
-          <a:off x="0" y="0"/>
-          <a:ext cx="0" cy="0"/>
-          <a:chOff x="0" y="0"/>
-          <a:chExt cx="0" cy="0"/>
-        </a:xfrm>
-      </p:grpSpPr>
-      <p:sp>
-        <p:nvSpPr>
-          <p:cNvPr id="2" name="Título 1">
-            <a:extLst>
-              <a:ext uri="{FF2B5EF4-FFF2-40B4-BE49-F238E27FC236}">
-                <a16:creationId xmlns:a16="http://schemas.microsoft.com/office/drawing/2014/main" id="{098647A4-3004-3EE7-4D98-293F342EB4FA}"/>
-              </a:ext>
-            </a:extLst>
-          </p:cNvPr>
-          <p:cNvSpPr>
-            <a:spLocks noGrp="1"/>
-          </p:cNvSpPr>
-          <p:nvPr>
-            <p:ph type="title"/>
-          </p:nvPr>
-        </p:nvSpPr>
-        <p:spPr/>
-        <p:txBody>
-          <a:bodyPr/>
-          <a:lstStyle/>
-          <a:p>
-            <a:r>
-              <a:rPr lang="en-GB" dirty="0"/>
-              <a:t>Scrum Team e </a:t>
-            </a:r>
-            <a:r>
-              <a:rPr lang="en-GB" dirty="0" err="1"/>
-              <a:t>Skateholders</a:t>
-            </a:r>
-            <a:endParaRPr lang="pt-PT" dirty="0"/>
-          </a:p>
-        </p:txBody>
-      </p:sp>
-      <p:sp>
-        <p:nvSpPr>
-          <p:cNvPr id="3" name="Marcador de Posição de Conteúdo 2">
-            <a:extLst>
-              <a:ext uri="{FF2B5EF4-FFF2-40B4-BE49-F238E27FC236}">
-                <a16:creationId xmlns:a16="http://schemas.microsoft.com/office/drawing/2014/main" id="{630E8A37-BFA1-FDF6-2A23-0B0F347140B9}"/>
-              </a:ext>
-            </a:extLst>
-          </p:cNvPr>
-          <p:cNvSpPr>
-            <a:spLocks noGrp="1"/>
-          </p:cNvSpPr>
-          <p:nvPr>
-            <p:ph idx="1"/>
-          </p:nvPr>
-        </p:nvSpPr>
-        <p:spPr>
-          <a:xfrm>
-            <a:off x="1640048" y="1879134"/>
-            <a:ext cx="8728745" cy="528505"/>
-          </a:xfrm>
-        </p:spPr>
-        <p:txBody>
-          <a:bodyPr>
-            <a:normAutofit/>
-          </a:bodyPr>
-          <a:lstStyle/>
-          <a:p>
-            <a:r>
-              <a:rPr lang="pt-PT" dirty="0"/>
-              <a:t>Tabela </a:t>
-            </a:r>
-            <a:r>
-              <a:rPr lang="pt-PT" dirty="0" err="1"/>
-              <a:t>Scrum</a:t>
-            </a:r>
-            <a:r>
-              <a:rPr lang="pt-PT" dirty="0"/>
-              <a:t> Team e </a:t>
-            </a:r>
-            <a:r>
-              <a:rPr lang="pt-PT" dirty="0" err="1"/>
-              <a:t>Skateholders</a:t>
-            </a:r>
-            <a:endParaRPr lang="pt-PT" dirty="0"/>
-          </a:p>
-        </p:txBody>
-      </p:sp>
-      <p:pic>
-        <p:nvPicPr>
-          <p:cNvPr id="5" name="Picture 4">
-            <a:extLst>
-              <a:ext uri="{FF2B5EF4-FFF2-40B4-BE49-F238E27FC236}">
-                <a16:creationId xmlns:a16="http://schemas.microsoft.com/office/drawing/2014/main" id="{913E9686-ECD7-4FDD-8D05-01945111E1CE}"/>
-              </a:ext>
-            </a:extLst>
-          </p:cNvPr>
-          <p:cNvPicPr>
-            <a:picLocks noChangeAspect="1"/>
-          </p:cNvPicPr>
-          <p:nvPr/>
-        </p:nvPicPr>
-        <p:blipFill>
-          <a:blip r:embed="rId2">
-            <a:extLst>
-              <a:ext uri="{28A0092B-C50C-407E-A947-70E740481C1C}">
-                <a14:useLocalDpi xmlns:a14="http://schemas.microsoft.com/office/drawing/2010/main" val="0"/>
-              </a:ext>
-            </a:extLst>
-          </a:blip>
-          <a:stretch>
-            <a:fillRect/>
-          </a:stretch>
-        </p:blipFill>
-        <p:spPr>
-          <a:xfrm>
-            <a:off x="2925150" y="2676085"/>
-            <a:ext cx="6494099" cy="3414322"/>
-          </a:xfrm>
-          <a:prstGeom prst="rect">
-            <a:avLst/>
-          </a:prstGeom>
-        </p:spPr>
-      </p:pic>
-    </p:spTree>
-    <p:extLst>
-      <p:ext uri="{BB962C8B-B14F-4D97-AF65-F5344CB8AC3E}">
-        <p14:creationId xmlns:p14="http://schemas.microsoft.com/office/powerpoint/2010/main" val="3243239576"/>
-      </p:ext>
-    </p:extLst>
-  </p:cSld>
-  <p:clrMapOvr>
-    <a:masterClrMapping/>
-  </p:clrMapOvr>
-</p:sld>
-</file>
-
-<file path=ppt/slides/slide6.xml><?xml version="1.0" encoding="utf-8"?>
-<p:sld xmlns:a="http://schemas.openxmlformats.org/drawingml/2006/main" xmlns:r="http://schemas.openxmlformats.org/officeDocument/2006/relationships" xmlns:p="http://schemas.openxmlformats.org/presentationml/2006/main">
-  <p:cSld>
-    <p:spTree>
-      <p:nvGrpSpPr>
-        <p:cNvPr id="1" name=""/>
-        <p:cNvGrpSpPr/>
-        <p:nvPr/>
-      </p:nvGrpSpPr>
-      <p:grpSpPr>
-        <a:xfrm>
-          <a:off x="0" y="0"/>
-          <a:ext cx="0" cy="0"/>
-          <a:chOff x="0" y="0"/>
-          <a:chExt cx="0" cy="0"/>
-        </a:xfrm>
-      </p:grpSpPr>
-      <p:sp>
-        <p:nvSpPr>
-          <p:cNvPr id="2" name="Título 1">
-            <a:extLst>
-              <a:ext uri="{FF2B5EF4-FFF2-40B4-BE49-F238E27FC236}">
-                <a16:creationId xmlns:a16="http://schemas.microsoft.com/office/drawing/2014/main" id="{703175C8-970F-1EE6-2F94-39E01CB4C523}"/>
-              </a:ext>
-            </a:extLst>
-          </p:cNvPr>
-          <p:cNvSpPr>
-            <a:spLocks noGrp="1"/>
-          </p:cNvSpPr>
-          <p:nvPr>
-            <p:ph type="title"/>
-          </p:nvPr>
-        </p:nvSpPr>
-        <p:spPr/>
-        <p:txBody>
-          <a:bodyPr/>
-          <a:lstStyle/>
-          <a:p>
-            <a:pPr algn="ctr"/>
-            <a:r>
-              <a:rPr lang="en-GB" dirty="0"/>
-              <a:t>PROJETO PWC</a:t>
-            </a:r>
-            <a:br>
-              <a:rPr lang="en-GB" dirty="0"/>
-            </a:br>
-            <a:endParaRPr lang="pt-PT" dirty="0"/>
-          </a:p>
-        </p:txBody>
-      </p:sp>
-      <p:sp>
-        <p:nvSpPr>
-          <p:cNvPr id="3" name="Marcador de Posição de Conteúdo 2">
-            <a:extLst>
-              <a:ext uri="{FF2B5EF4-FFF2-40B4-BE49-F238E27FC236}">
-                <a16:creationId xmlns:a16="http://schemas.microsoft.com/office/drawing/2014/main" id="{BA0557DE-1E1F-E9C3-CFBE-26065398241C}"/>
-              </a:ext>
-            </a:extLst>
-          </p:cNvPr>
-          <p:cNvSpPr>
-            <a:spLocks noGrp="1"/>
-          </p:cNvSpPr>
-          <p:nvPr>
-            <p:ph idx="1"/>
-          </p:nvPr>
-        </p:nvSpPr>
-        <p:spPr>
-          <a:xfrm>
-            <a:off x="1371600" y="1812021"/>
-            <a:ext cx="9601200" cy="4446165"/>
-          </a:xfrm>
-        </p:spPr>
-        <p:txBody>
-          <a:bodyPr/>
-          <a:lstStyle/>
-          <a:p>
-            <a:r>
-              <a:rPr lang="en-GB" b="1" dirty="0" err="1"/>
-              <a:t>Lógica</a:t>
-            </a:r>
-            <a:r>
-              <a:rPr lang="en-GB" b="1" dirty="0"/>
-              <a:t> de </a:t>
-            </a:r>
-            <a:r>
-              <a:rPr lang="en-GB" b="1" dirty="0" err="1"/>
-              <a:t>negócio</a:t>
-            </a:r>
-            <a:endParaRPr lang="en-GB" b="1" dirty="0"/>
-          </a:p>
-          <a:p>
-            <a:pPr lvl="1"/>
-            <a:r>
-              <a:rPr lang="en-GB" sz="1800" i="0" dirty="0"/>
-              <a:t>A </a:t>
-            </a:r>
-            <a:r>
-              <a:rPr lang="en-GB" sz="1800" i="0" dirty="0" err="1"/>
-              <a:t>aplicação</a:t>
-            </a:r>
-            <a:r>
-              <a:rPr lang="en-GB" sz="1800" i="0" dirty="0"/>
-              <a:t> a </a:t>
-            </a:r>
-            <a:r>
-              <a:rPr lang="en-GB" sz="1800" i="0" dirty="0" err="1"/>
-              <a:t>desenvolver</a:t>
-            </a:r>
-            <a:r>
-              <a:rPr lang="en-GB" sz="1800" i="0" dirty="0"/>
-              <a:t> </a:t>
-            </a:r>
-            <a:r>
-              <a:rPr lang="en-GB" sz="1800" i="0" dirty="0" err="1"/>
-              <a:t>deve</a:t>
-            </a:r>
-            <a:r>
-              <a:rPr lang="en-GB" sz="1800" i="0" dirty="0"/>
-              <a:t> </a:t>
-            </a:r>
-            <a:r>
-              <a:rPr lang="en-GB" sz="1800" i="0" dirty="0" err="1"/>
-              <a:t>fornecer</a:t>
-            </a:r>
-            <a:r>
-              <a:rPr lang="en-GB" sz="1800" i="0" dirty="0"/>
-              <a:t> </a:t>
-            </a:r>
-            <a:r>
-              <a:rPr lang="en-GB" sz="1800" i="0" dirty="0" err="1"/>
-              <a:t>meios</a:t>
-            </a:r>
-            <a:r>
-              <a:rPr lang="en-GB" sz="1800" i="0" dirty="0"/>
-              <a:t> para </a:t>
-            </a:r>
-            <a:r>
-              <a:rPr lang="en-GB" sz="1800" i="0" dirty="0" err="1"/>
-              <a:t>criar</a:t>
-            </a:r>
-            <a:r>
-              <a:rPr lang="en-GB" sz="1800" i="0" dirty="0"/>
-              <a:t> </a:t>
-            </a:r>
-            <a:r>
-              <a:rPr lang="en-GB" sz="1800" i="0" dirty="0" err="1"/>
-              <a:t>folhas</a:t>
-            </a:r>
-            <a:r>
-              <a:rPr lang="en-GB" sz="1800" i="0" dirty="0"/>
-              <a:t> de </a:t>
-            </a:r>
-            <a:r>
-              <a:rPr lang="en-GB" sz="1800" i="0" dirty="0" err="1"/>
-              <a:t>obra</a:t>
-            </a:r>
-            <a:r>
-              <a:rPr lang="en-GB" sz="1800" i="0" dirty="0"/>
-              <a:t>.</a:t>
-            </a:r>
-          </a:p>
-          <a:p>
-            <a:pPr lvl="2"/>
-            <a:r>
-              <a:rPr lang="en-GB" sz="1400" dirty="0" err="1"/>
-              <a:t>Adicionar</a:t>
-            </a:r>
-            <a:r>
-              <a:rPr lang="en-GB" sz="1400" dirty="0"/>
-              <a:t> </a:t>
-            </a:r>
-            <a:r>
-              <a:rPr lang="en-GB" sz="1400" dirty="0" err="1"/>
-              <a:t>funcionários</a:t>
-            </a:r>
-            <a:r>
-              <a:rPr lang="en-GB" sz="1400" dirty="0"/>
-              <a:t>;</a:t>
-            </a:r>
-          </a:p>
-          <a:p>
-            <a:pPr lvl="2"/>
-            <a:r>
-              <a:rPr lang="en-GB" sz="1400" dirty="0" err="1"/>
-              <a:t>Especificação</a:t>
-            </a:r>
-            <a:r>
-              <a:rPr lang="en-GB" sz="1400" dirty="0"/>
-              <a:t> de </a:t>
-            </a:r>
-            <a:r>
-              <a:rPr lang="en-GB" sz="1400" dirty="0" err="1"/>
-              <a:t>atividades</a:t>
-            </a:r>
-            <a:r>
-              <a:rPr lang="en-GB" sz="1400" dirty="0"/>
-              <a:t>;</a:t>
-            </a:r>
-          </a:p>
-          <a:p>
-            <a:pPr lvl="2"/>
-            <a:r>
-              <a:rPr lang="en-GB" sz="1400" dirty="0" err="1"/>
-              <a:t>Tarefas</a:t>
-            </a:r>
-            <a:r>
-              <a:rPr lang="en-GB" sz="1400" dirty="0"/>
-              <a:t> </a:t>
-            </a:r>
-            <a:r>
-              <a:rPr lang="en-GB" sz="1400" dirty="0" err="1"/>
-              <a:t>executadas</a:t>
-            </a:r>
-            <a:r>
-              <a:rPr lang="en-GB" sz="1400" dirty="0"/>
-              <a:t> (data, </a:t>
-            </a:r>
-            <a:r>
-              <a:rPr lang="en-GB" sz="1400" dirty="0" err="1"/>
-              <a:t>descrição</a:t>
-            </a:r>
-            <a:r>
-              <a:rPr lang="en-GB" sz="1400" dirty="0"/>
-              <a:t> hora);</a:t>
-            </a:r>
-          </a:p>
-          <a:p>
-            <a:pPr lvl="2"/>
-            <a:r>
-              <a:rPr lang="en-GB" sz="1400" dirty="0" err="1"/>
-              <a:t>Visualização</a:t>
-            </a:r>
-            <a:r>
-              <a:rPr lang="en-GB" sz="1400" dirty="0"/>
-              <a:t>, </a:t>
-            </a:r>
-            <a:r>
-              <a:rPr lang="en-GB" sz="1400" dirty="0" err="1"/>
-              <a:t>edição</a:t>
-            </a:r>
-            <a:r>
-              <a:rPr lang="en-GB" sz="1400" dirty="0"/>
-              <a:t> e </a:t>
-            </a:r>
-            <a:r>
-              <a:rPr lang="en-GB" sz="1400" dirty="0" err="1"/>
-              <a:t>exclusão</a:t>
-            </a:r>
-            <a:r>
-              <a:rPr lang="en-GB" sz="1400" dirty="0"/>
-              <a:t> de </a:t>
-            </a:r>
-            <a:r>
-              <a:rPr lang="en-GB" sz="1400" dirty="0" err="1"/>
-              <a:t>folhas</a:t>
-            </a:r>
-            <a:r>
-              <a:rPr lang="en-GB" sz="1400" dirty="0"/>
-              <a:t> de </a:t>
-            </a:r>
-            <a:r>
-              <a:rPr lang="en-GB" sz="1400" dirty="0" err="1"/>
-              <a:t>obra</a:t>
-            </a:r>
-            <a:r>
-              <a:rPr lang="en-GB" sz="1400" dirty="0"/>
-              <a:t> e a </a:t>
-            </a:r>
-            <a:r>
-              <a:rPr lang="en-GB" sz="1400" dirty="0" err="1"/>
-              <a:t>sua</a:t>
-            </a:r>
-            <a:r>
-              <a:rPr lang="en-GB" sz="1400" dirty="0"/>
-              <a:t> </a:t>
-            </a:r>
-            <a:r>
-              <a:rPr lang="en-GB" sz="1400" dirty="0" err="1"/>
-              <a:t>organização</a:t>
-            </a:r>
-            <a:r>
-              <a:rPr lang="en-GB" sz="1400" dirty="0"/>
-              <a:t>,</a:t>
-            </a:r>
-          </a:p>
-          <a:p>
-            <a:pPr lvl="2"/>
-            <a:r>
-              <a:rPr lang="en-GB" sz="1400" dirty="0" err="1"/>
-              <a:t>Utilizadores</a:t>
-            </a:r>
-            <a:r>
-              <a:rPr lang="en-GB" sz="1400" dirty="0"/>
-              <a:t> </a:t>
-            </a:r>
-            <a:r>
-              <a:rPr lang="en-GB" sz="1400" dirty="0" err="1"/>
-              <a:t>autorizados</a:t>
-            </a:r>
-            <a:r>
-              <a:rPr lang="en-GB" sz="1400" dirty="0"/>
-              <a:t> </a:t>
-            </a:r>
-            <a:r>
-              <a:rPr lang="en-GB" sz="1400" dirty="0" err="1"/>
-              <a:t>tenham</a:t>
-            </a:r>
-            <a:r>
-              <a:rPr lang="en-GB" sz="1400" dirty="0"/>
-              <a:t> </a:t>
-            </a:r>
-            <a:r>
-              <a:rPr lang="en-GB" sz="1400" dirty="0" err="1"/>
-              <a:t>acesso</a:t>
-            </a:r>
-            <a:r>
-              <a:rPr lang="en-GB" sz="1400" dirty="0"/>
-              <a:t> </a:t>
-            </a:r>
-            <a:r>
-              <a:rPr lang="en-GB" sz="1400" dirty="0" err="1"/>
-              <a:t>aplicação</a:t>
-            </a:r>
-            <a:r>
-              <a:rPr lang="en-GB" sz="1400" dirty="0"/>
-              <a:t>.</a:t>
-            </a:r>
-          </a:p>
-          <a:p>
-            <a:pPr lvl="2"/>
-            <a:endParaRPr lang="en-GB" sz="1600" dirty="0"/>
-          </a:p>
-          <a:p>
-            <a:r>
-              <a:rPr lang="en-GB" b="1" dirty="0" err="1"/>
-              <a:t>Análise</a:t>
-            </a:r>
-            <a:r>
-              <a:rPr lang="en-GB" b="1" dirty="0"/>
-              <a:t> de </a:t>
-            </a:r>
-            <a:r>
-              <a:rPr lang="en-GB" b="1" dirty="0" err="1"/>
-              <a:t>Impacto</a:t>
-            </a:r>
-            <a:endParaRPr lang="en-GB" b="1" dirty="0"/>
-          </a:p>
-          <a:p>
-            <a:pPr lvl="1"/>
-            <a:r>
-              <a:rPr lang="en-GB" sz="1800" i="0" dirty="0" err="1"/>
-              <a:t>Concorrência</a:t>
-            </a:r>
-            <a:r>
-              <a:rPr lang="en-GB" sz="1800" i="0" dirty="0"/>
-              <a:t>, </a:t>
-            </a:r>
-            <a:r>
-              <a:rPr lang="en-GB" sz="1800" i="0" dirty="0" err="1"/>
-              <a:t>impacto</a:t>
-            </a:r>
-            <a:r>
-              <a:rPr lang="en-GB" sz="1800" i="0" dirty="0"/>
-              <a:t> </a:t>
-            </a:r>
-            <a:r>
-              <a:rPr lang="en-GB" sz="1800" i="0" dirty="0" err="1"/>
-              <a:t>positivo</a:t>
-            </a:r>
-            <a:r>
-              <a:rPr lang="en-GB" sz="1800" i="0" dirty="0"/>
-              <a:t> </a:t>
-            </a:r>
-            <a:r>
-              <a:rPr lang="en-GB" sz="1800" i="0" dirty="0" err="1"/>
-              <a:t>na</a:t>
-            </a:r>
-            <a:r>
-              <a:rPr lang="en-GB" sz="1800" i="0" dirty="0"/>
-              <a:t> </a:t>
-            </a:r>
-            <a:r>
-              <a:rPr lang="en-GB" sz="1800" i="0" dirty="0" err="1"/>
-              <a:t>sua</a:t>
-            </a:r>
-            <a:r>
-              <a:rPr lang="en-GB" sz="1800" i="0" dirty="0"/>
-              <a:t> </a:t>
-            </a:r>
-            <a:r>
-              <a:rPr lang="en-GB" sz="1800" i="0" dirty="0" err="1"/>
-              <a:t>simplicidade</a:t>
-            </a:r>
-            <a:r>
-              <a:rPr lang="en-GB" sz="1800" i="0" dirty="0"/>
-              <a:t>.</a:t>
-            </a:r>
-          </a:p>
-          <a:p>
-            <a:pPr lvl="1"/>
-            <a:endParaRPr lang="pt-PT" b="1" dirty="0"/>
-          </a:p>
-        </p:txBody>
-      </p:sp>
-    </p:spTree>
-    <p:extLst>
-      <p:ext uri="{BB962C8B-B14F-4D97-AF65-F5344CB8AC3E}">
-        <p14:creationId xmlns:p14="http://schemas.microsoft.com/office/powerpoint/2010/main" val="3089446972"/>
-      </p:ext>
-    </p:extLst>
-  </p:cSld>
-  <p:clrMapOvr>
-    <a:masterClrMapping/>
-  </p:clrMapOvr>
-  <mc:AlternateContent xmlns:mc="http://schemas.openxmlformats.org/markup-compatibility/2006" xmlns:p14="http://schemas.microsoft.com/office/powerpoint/2010/main">
-    <mc:Choice Requires="p14">
-      <p:transition spd="slow" p14:dur="3400">
-        <p14:reveal/>
-      </p:transition>
-    </mc:Choice>
-    <mc:Fallback xmlns="">
-      <p:transition spd="slow">
-        <p:fade/>
-      </p:transition>
-    </mc:Fallback>
-  </mc:AlternateContent>
-  <p:timing>
-    <p:tnLst>
-      <p:par>
-        <p:cTn id="1" dur="indefinite" restart="never" nodeType="tmRoot">
-          <p:childTnLst>
-            <p:seq concurrent="1" nextAc="seek">
-              <p:cTn id="2" dur="indefinite" nodeType="mainSeq">
-                <p:childTnLst>
-                  <p:par>
-                    <p:cTn id="3" fill="hold">
-                      <p:stCondLst>
-                        <p:cond delay="indefinite"/>
-                      </p:stCondLst>
-                      <p:childTnLst>
-                        <p:par>
-                          <p:cTn id="4" fill="hold">
-                            <p:stCondLst>
-                              <p:cond delay="0"/>
-                            </p:stCondLst>
-                            <p:childTnLst>
-                              <p:par>
-                                <p:cTn id="5" presetID="1" presetClass="entr" presetSubtype="0" fill="hold" nodeType="clickEffect">
-                                  <p:stCondLst>
-                                    <p:cond delay="0"/>
-                                  </p:stCondLst>
-                                  <p:childTnLst>
-                                    <p:set>
-                                      <p:cBhvr>
-                                        <p:cTn id="6" dur="1" fill="hold">
-                                          <p:stCondLst>
-                                            <p:cond delay="0"/>
-                                          </p:stCondLst>
-                                        </p:cTn>
-                                        <p:tgtEl>
-                                          <p:spTgt spid="3">
-                                            <p:txEl>
-                                              <p:pRg st="8" end="8"/>
-                                            </p:txEl>
-                                          </p:spTgt>
-                                        </p:tgtEl>
-                                        <p:attrNameLst>
-                                          <p:attrName>style.visibility</p:attrName>
-                                        </p:attrNameLst>
-                                      </p:cBhvr>
-                                      <p:to>
-                                        <p:strVal val="visible"/>
-                                      </p:to>
-                                    </p:set>
-                                  </p:childTnLst>
-                                </p:cTn>
-                              </p:par>
-                            </p:childTnLst>
-                          </p:cTn>
-                        </p:par>
-                      </p:childTnLst>
-                    </p:cTn>
-                  </p:par>
-                  <p:par>
-                    <p:cTn id="7" fill="hold">
-                      <p:stCondLst>
-                        <p:cond delay="indefinite"/>
-                      </p:stCondLst>
-                      <p:childTnLst>
-                        <p:par>
-                          <p:cTn id="8" fill="hold">
-                            <p:stCondLst>
-                              <p:cond delay="0"/>
-                            </p:stCondLst>
-                            <p:childTnLst>
-                              <p:par>
-                                <p:cTn id="9" presetID="1" presetClass="entr" presetSubtype="0" fill="hold" nodeType="clickEffect">
-                                  <p:stCondLst>
-                                    <p:cond delay="0"/>
-                                  </p:stCondLst>
-                                  <p:childTnLst>
-                                    <p:set>
-                                      <p:cBhvr>
-                                        <p:cTn id="10" dur="1" fill="hold">
-                                          <p:stCondLst>
-                                            <p:cond delay="0"/>
-                                          </p:stCondLst>
-                                        </p:cTn>
-                                        <p:tgtEl>
-                                          <p:spTgt spid="3">
-                                            <p:txEl>
-                                              <p:pRg st="9" end="9"/>
-                                            </p:txEl>
-                                          </p:spTgt>
-                                        </p:tgtEl>
-                                        <p:attrNameLst>
-                                          <p:attrName>style.visibility</p:attrName>
-                                        </p:attrNameLst>
-                                      </p:cBhvr>
-                                      <p:to>
-                                        <p:strVal val="visible"/>
-                                      </p:to>
-                                    </p:set>
-                                  </p:childTnLst>
-                                </p:cTn>
-                              </p:par>
-                            </p:childTnLst>
-                          </p:cTn>
-                        </p:par>
-                      </p:childTnLst>
-                    </p:cTn>
-                  </p:par>
-                </p:childTnLst>
-              </p:cTn>
-              <p:prevCondLst>
-                <p:cond evt="onPrev" delay="0">
-                  <p:tgtEl>
-                    <p:sldTgt/>
-                  </p:tgtEl>
-                </p:cond>
-              </p:prevCondLst>
-              <p:nextCondLst>
-                <p:cond evt="onNext" delay="0">
-                  <p:tgtEl>
-                    <p:sldTgt/>
-                  </p:tgtEl>
-                </p:cond>
-              </p:nextCondLst>
-            </p:seq>
-          </p:childTnLst>
-        </p:cTn>
-      </p:par>
-    </p:tnLst>
-  </p:timing>
-</p:sld>
-</file>
-
-<file path=ppt/slides/slide7.xml><?xml version="1.0" encoding="utf-8"?>
-<p:sld xmlns:a="http://schemas.openxmlformats.org/drawingml/2006/main" xmlns:r="http://schemas.openxmlformats.org/officeDocument/2006/relationships" xmlns:p="http://schemas.openxmlformats.org/presentationml/2006/main">
-  <p:cSld>
-    <p:spTree>
-      <p:nvGrpSpPr>
-        <p:cNvPr id="1" name=""/>
-        <p:cNvGrpSpPr/>
-        <p:nvPr/>
-      </p:nvGrpSpPr>
-      <p:grpSpPr>
-        <a:xfrm>
-          <a:off x="0" y="0"/>
-          <a:ext cx="0" cy="0"/>
-          <a:chOff x="0" y="0"/>
-          <a:chExt cx="0" cy="0"/>
-        </a:xfrm>
-      </p:grpSpPr>
-      <p:sp>
-        <p:nvSpPr>
-          <p:cNvPr id="2" name="Título 1">
-            <a:extLst>
-              <a:ext uri="{FF2B5EF4-FFF2-40B4-BE49-F238E27FC236}">
-                <a16:creationId xmlns:a16="http://schemas.microsoft.com/office/drawing/2014/main" id="{1791ACBF-6B18-024E-C143-08F8B6D7A1EA}"/>
-              </a:ext>
-            </a:extLst>
-          </p:cNvPr>
-          <p:cNvSpPr>
-            <a:spLocks noGrp="1"/>
-          </p:cNvSpPr>
-          <p:nvPr>
-            <p:ph type="title"/>
-          </p:nvPr>
-        </p:nvSpPr>
-        <p:spPr/>
-        <p:txBody>
-          <a:bodyPr/>
-          <a:lstStyle/>
-          <a:p>
-            <a:pPr algn="ctr"/>
-            <a:r>
-              <a:rPr lang="en-GB" dirty="0"/>
-              <a:t>PROJETO PWC</a:t>
-            </a:r>
-            <a:br>
-              <a:rPr lang="en-GB" dirty="0"/>
-            </a:br>
-            <a:endParaRPr lang="pt-PT" dirty="0"/>
-          </a:p>
-        </p:txBody>
-      </p:sp>
-      <p:sp>
-        <p:nvSpPr>
-          <p:cNvPr id="3" name="Marcador de Posição de Conteúdo 2">
-            <a:extLst>
-              <a:ext uri="{FF2B5EF4-FFF2-40B4-BE49-F238E27FC236}">
-                <a16:creationId xmlns:a16="http://schemas.microsoft.com/office/drawing/2014/main" id="{7183B626-8539-44F3-688F-B89AABE8E1F6}"/>
-              </a:ext>
-            </a:extLst>
-          </p:cNvPr>
-          <p:cNvSpPr>
-            <a:spLocks noGrp="1"/>
-          </p:cNvSpPr>
-          <p:nvPr>
-            <p:ph idx="1"/>
-          </p:nvPr>
-        </p:nvSpPr>
-        <p:spPr>
-          <a:xfrm>
-            <a:off x="1040235" y="1638300"/>
-            <a:ext cx="5055765" cy="4643478"/>
-          </a:xfrm>
-        </p:spPr>
-        <p:txBody>
-          <a:bodyPr/>
-          <a:lstStyle/>
-          <a:p>
-            <a:r>
-              <a:rPr lang="en-GB" dirty="0" err="1"/>
-              <a:t>Análise</a:t>
-            </a:r>
-            <a:r>
-              <a:rPr lang="en-GB" dirty="0"/>
-              <a:t> </a:t>
-            </a:r>
-            <a:r>
-              <a:rPr lang="en-GB" dirty="0" err="1"/>
-              <a:t>concorrencial</a:t>
-            </a:r>
-            <a:r>
-              <a:rPr lang="en-GB" dirty="0"/>
-              <a:t> </a:t>
-            </a:r>
-          </a:p>
-          <a:p>
-            <a:pPr lvl="1"/>
-            <a:endParaRPr lang="en-GB" dirty="0"/>
-          </a:p>
-          <a:p>
-            <a:pPr lvl="1"/>
-            <a:r>
-              <a:rPr lang="en-GB" sz="1800" dirty="0"/>
-              <a:t>Neste </a:t>
-            </a:r>
-            <a:r>
-              <a:rPr lang="en-GB" sz="1800" dirty="0" err="1"/>
-              <a:t>ponto</a:t>
-            </a:r>
-            <a:r>
-              <a:rPr lang="en-GB" sz="1800" dirty="0"/>
-              <a:t> </a:t>
-            </a:r>
-            <a:r>
-              <a:rPr lang="en-GB" sz="1800" dirty="0" err="1"/>
-              <a:t>foi</a:t>
-            </a:r>
-            <a:r>
-              <a:rPr lang="en-GB" sz="1800" dirty="0"/>
-              <a:t> </a:t>
-            </a:r>
-            <a:r>
-              <a:rPr lang="en-GB" sz="1800" dirty="0" err="1"/>
-              <a:t>feita</a:t>
-            </a:r>
-            <a:r>
-              <a:rPr lang="en-GB" sz="1800" dirty="0"/>
-              <a:t> a </a:t>
-            </a:r>
-            <a:r>
-              <a:rPr lang="en-GB" sz="1800" dirty="0" err="1"/>
-              <a:t>comparação</a:t>
-            </a:r>
-            <a:r>
-              <a:rPr lang="en-GB" sz="1800" dirty="0"/>
-              <a:t> de </a:t>
-            </a:r>
-            <a:r>
-              <a:rPr lang="en-GB" sz="1800" dirty="0" err="1"/>
-              <a:t>algumas</a:t>
-            </a:r>
-            <a:r>
-              <a:rPr lang="en-GB" sz="1800" dirty="0"/>
-              <a:t> </a:t>
-            </a:r>
-            <a:r>
-              <a:rPr lang="en-GB" sz="1800" dirty="0" err="1"/>
-              <a:t>aplicações</a:t>
-            </a:r>
-            <a:r>
-              <a:rPr lang="en-GB" sz="1800" dirty="0"/>
-              <a:t> ( “Presto”, “</a:t>
-            </a:r>
-            <a:r>
-              <a:rPr lang="en-GB" sz="1800" dirty="0" err="1"/>
-              <a:t>Arquimedes</a:t>
-            </a:r>
-            <a:r>
-              <a:rPr lang="en-GB" sz="1800" dirty="0"/>
-              <a:t>”, “</a:t>
-            </a:r>
-            <a:r>
-              <a:rPr lang="en-GB" sz="1800" dirty="0" err="1"/>
-              <a:t>Veja</a:t>
-            </a:r>
-            <a:r>
-              <a:rPr lang="en-GB" sz="1800" dirty="0"/>
-              <a:t> </a:t>
-            </a:r>
-            <a:r>
-              <a:rPr lang="en-GB" sz="1800" dirty="0" err="1"/>
-              <a:t>Obra</a:t>
-            </a:r>
-            <a:r>
-              <a:rPr lang="en-GB" sz="1800" dirty="0"/>
-              <a:t>”) .</a:t>
-            </a:r>
-          </a:p>
-          <a:p>
-            <a:pPr lvl="1"/>
-            <a:endParaRPr lang="en-GB" dirty="0"/>
-          </a:p>
-          <a:p>
-            <a:pPr lvl="1"/>
-            <a:endParaRPr lang="pt-PT" sz="1600" dirty="0"/>
-          </a:p>
-        </p:txBody>
-      </p:sp>
-      <p:pic>
-        <p:nvPicPr>
-          <p:cNvPr id="5" name="Picture 4">
-            <a:extLst>
-              <a:ext uri="{FF2B5EF4-FFF2-40B4-BE49-F238E27FC236}">
-                <a16:creationId xmlns:a16="http://schemas.microsoft.com/office/drawing/2014/main" id="{4E4C92A8-0885-4D54-AFCC-0C09BF59205B}"/>
-              </a:ext>
-            </a:extLst>
-          </p:cNvPr>
-          <p:cNvPicPr>
-            <a:picLocks noChangeAspect="1"/>
-          </p:cNvPicPr>
-          <p:nvPr/>
-        </p:nvPicPr>
-        <p:blipFill>
-          <a:blip r:embed="rId2">
-            <a:extLst>
-              <a:ext uri="{28A0092B-C50C-407E-A947-70E740481C1C}">
-                <a14:useLocalDpi xmlns:a14="http://schemas.microsoft.com/office/drawing/2010/main" val="0"/>
-              </a:ext>
-            </a:extLst>
-          </a:blip>
-          <a:stretch>
-            <a:fillRect/>
-          </a:stretch>
-        </p:blipFill>
-        <p:spPr>
-          <a:xfrm>
-            <a:off x="6172200" y="1638300"/>
-            <a:ext cx="5575692" cy="4643478"/>
-          </a:xfrm>
-          <a:prstGeom prst="rect">
-            <a:avLst/>
-          </a:prstGeom>
-        </p:spPr>
-      </p:pic>
-    </p:spTree>
-    <p:extLst>
-      <p:ext uri="{BB962C8B-B14F-4D97-AF65-F5344CB8AC3E}">
-        <p14:creationId xmlns:p14="http://schemas.microsoft.com/office/powerpoint/2010/main" val="1887540695"/>
-      </p:ext>
-    </p:extLst>
-  </p:cSld>
-  <p:clrMapOvr>
-    <a:masterClrMapping/>
-  </p:clrMapOvr>
-</p:sld>
-</file>
-
-<file path=ppt/slides/slide8.xml><?xml version="1.0" encoding="utf-8"?>
-<p:sld xmlns:a="http://schemas.openxmlformats.org/drawingml/2006/main" xmlns:r="http://schemas.openxmlformats.org/officeDocument/2006/relationships" xmlns:p="http://schemas.openxmlformats.org/presentationml/2006/main">
-  <p:cSld>
-    <p:spTree>
-      <p:nvGrpSpPr>
-        <p:cNvPr id="1" name=""/>
-        <p:cNvGrpSpPr/>
-        <p:nvPr/>
-      </p:nvGrpSpPr>
-      <p:grpSpPr>
-        <a:xfrm>
-          <a:off x="0" y="0"/>
-          <a:ext cx="0" cy="0"/>
-          <a:chOff x="0" y="0"/>
-          <a:chExt cx="0" cy="0"/>
-        </a:xfrm>
-      </p:grpSpPr>
-      <p:sp>
-        <p:nvSpPr>
-          <p:cNvPr id="2" name="Título 1">
-            <a:extLst>
-              <a:ext uri="{FF2B5EF4-FFF2-40B4-BE49-F238E27FC236}">
-                <a16:creationId xmlns:a16="http://schemas.microsoft.com/office/drawing/2014/main" id="{1791ACBF-6B18-024E-C143-08F8B6D7A1EA}"/>
-              </a:ext>
-            </a:extLst>
-          </p:cNvPr>
-          <p:cNvSpPr>
-            <a:spLocks noGrp="1"/>
-          </p:cNvSpPr>
-          <p:nvPr>
-            <p:ph type="title"/>
-          </p:nvPr>
-        </p:nvSpPr>
-        <p:spPr/>
-        <p:txBody>
-          <a:bodyPr/>
-          <a:lstStyle/>
-          <a:p>
-            <a:pPr algn="ctr"/>
-            <a:r>
-              <a:rPr lang="en-GB" dirty="0"/>
-              <a:t>PROJETO PWC</a:t>
-            </a:r>
-            <a:br>
-              <a:rPr lang="en-GB" dirty="0"/>
-            </a:br>
-            <a:endParaRPr lang="pt-PT" dirty="0"/>
-          </a:p>
-        </p:txBody>
-      </p:sp>
-      <p:sp>
-        <p:nvSpPr>
-          <p:cNvPr id="3" name="Marcador de Posição de Conteúdo 2">
-            <a:extLst>
-              <a:ext uri="{FF2B5EF4-FFF2-40B4-BE49-F238E27FC236}">
-                <a16:creationId xmlns:a16="http://schemas.microsoft.com/office/drawing/2014/main" id="{7183B626-8539-44F3-688F-B89AABE8E1F6}"/>
-              </a:ext>
-            </a:extLst>
-          </p:cNvPr>
-          <p:cNvSpPr>
-            <a:spLocks noGrp="1"/>
-          </p:cNvSpPr>
-          <p:nvPr>
-            <p:ph idx="1"/>
-          </p:nvPr>
-        </p:nvSpPr>
-        <p:spPr>
-          <a:xfrm>
-            <a:off x="1461984" y="1698770"/>
-            <a:ext cx="9601200" cy="3581400"/>
-          </a:xfrm>
-        </p:spPr>
-        <p:txBody>
-          <a:bodyPr/>
-          <a:lstStyle/>
-          <a:p>
-            <a:r>
-              <a:rPr lang="en-GB" dirty="0"/>
-              <a:t>Wireframes/</a:t>
-            </a:r>
-            <a:r>
-              <a:rPr lang="en-GB" dirty="0" err="1"/>
-              <a:t>Mockups</a:t>
-            </a:r>
-            <a:endParaRPr lang="pt-PT" dirty="0"/>
-          </a:p>
-        </p:txBody>
-      </p:sp>
-      <p:pic>
-        <p:nvPicPr>
-          <p:cNvPr id="5" name="Picture 4">
-            <a:extLst>
-              <a:ext uri="{FF2B5EF4-FFF2-40B4-BE49-F238E27FC236}">
-                <a16:creationId xmlns:a16="http://schemas.microsoft.com/office/drawing/2014/main" id="{E057BB5D-C73C-46FB-BE3E-1F811D69F1A1}"/>
-              </a:ext>
-            </a:extLst>
-          </p:cNvPr>
-          <p:cNvPicPr>
-            <a:picLocks noChangeAspect="1"/>
-          </p:cNvPicPr>
-          <p:nvPr/>
-        </p:nvPicPr>
-        <p:blipFill>
-          <a:blip r:embed="rId2"/>
-          <a:stretch>
-            <a:fillRect/>
-          </a:stretch>
-        </p:blipFill>
-        <p:spPr>
-          <a:xfrm>
-            <a:off x="3324686" y="2340292"/>
-            <a:ext cx="6612792" cy="3708169"/>
-          </a:xfrm>
-          <a:prstGeom prst="rect">
-            <a:avLst/>
-          </a:prstGeom>
-        </p:spPr>
-      </p:pic>
-    </p:spTree>
-    <p:extLst>
-      <p:ext uri="{BB962C8B-B14F-4D97-AF65-F5344CB8AC3E}">
-        <p14:creationId xmlns:p14="http://schemas.microsoft.com/office/powerpoint/2010/main" val="1119788898"/>
-      </p:ext>
-    </p:extLst>
-  </p:cSld>
-  <p:clrMapOvr>
-    <a:masterClrMapping/>
-  </p:clrMapOvr>
-</p:sld>
-</file>
-
-<file path=ppt/slides/slide9.xml><?xml version="1.0" encoding="utf-8"?>
-<p:sld xmlns:a="http://schemas.openxmlformats.org/drawingml/2006/main" xmlns:r="http://schemas.openxmlformats.org/officeDocument/2006/relationships" xmlns:p="http://schemas.openxmlformats.org/presentationml/2006/main">
-  <p:cSld>
-    <p:spTree>
-      <p:nvGrpSpPr>
-        <p:cNvPr id="1" name=""/>
-        <p:cNvGrpSpPr/>
-        <p:nvPr/>
-      </p:nvGrpSpPr>
-      <p:grpSpPr>
-        <a:xfrm>
-          <a:off x="0" y="0"/>
-          <a:ext cx="0" cy="0"/>
-          <a:chOff x="0" y="0"/>
-          <a:chExt cx="0" cy="0"/>
-        </a:xfrm>
-      </p:grpSpPr>
-      <p:sp>
-        <p:nvSpPr>
-          <p:cNvPr id="2" name="Título 1">
-            <a:extLst>
-              <a:ext uri="{FF2B5EF4-FFF2-40B4-BE49-F238E27FC236}">
-                <a16:creationId xmlns:a16="http://schemas.microsoft.com/office/drawing/2014/main" id="{1791ACBF-6B18-024E-C143-08F8B6D7A1EA}"/>
-              </a:ext>
-            </a:extLst>
-          </p:cNvPr>
-          <p:cNvSpPr>
-            <a:spLocks noGrp="1"/>
-          </p:cNvSpPr>
-          <p:nvPr>
-            <p:ph type="title"/>
-          </p:nvPr>
-        </p:nvSpPr>
-        <p:spPr/>
-        <p:txBody>
-          <a:bodyPr/>
-          <a:lstStyle/>
-          <a:p>
-            <a:pPr algn="ctr"/>
-            <a:r>
-              <a:rPr lang="en-GB" dirty="0"/>
-              <a:t>PROJETO PWC</a:t>
-            </a:r>
-            <a:br>
-              <a:rPr lang="en-GB" dirty="0"/>
-            </a:br>
-            <a:endParaRPr lang="pt-PT" dirty="0"/>
-          </a:p>
-        </p:txBody>
-      </p:sp>
-      <p:sp>
-        <p:nvSpPr>
-          <p:cNvPr id="3" name="Marcador de Posição de Conteúdo 2">
-            <a:extLst>
-              <a:ext uri="{FF2B5EF4-FFF2-40B4-BE49-F238E27FC236}">
-                <a16:creationId xmlns:a16="http://schemas.microsoft.com/office/drawing/2014/main" id="{7183B626-8539-44F3-688F-B89AABE8E1F6}"/>
-              </a:ext>
-            </a:extLst>
-          </p:cNvPr>
-          <p:cNvSpPr>
-            <a:spLocks noGrp="1"/>
-          </p:cNvSpPr>
-          <p:nvPr>
-            <p:ph idx="1"/>
-          </p:nvPr>
-        </p:nvSpPr>
-        <p:spPr/>
-        <p:txBody>
-          <a:bodyPr/>
-          <a:lstStyle/>
-          <a:p>
-            <a:r>
-              <a:rPr lang="en-GB" dirty="0"/>
-              <a:t>Scrum</a:t>
-            </a:r>
-          </a:p>
-          <a:p>
-            <a:endParaRPr lang="pt-PT" dirty="0"/>
-          </a:p>
-        </p:txBody>
-      </p:sp>
-    </p:spTree>
-    <p:extLst>
-      <p:ext uri="{BB962C8B-B14F-4D97-AF65-F5344CB8AC3E}">
-        <p14:creationId xmlns:p14="http://schemas.microsoft.com/office/powerpoint/2010/main" val="2978262396"/>
       </p:ext>
     </p:extLst>
   </p:cSld>
